--- a/teaching/3-3-einfache-schaltungen.pptx
+++ b/teaching/3-3-einfache-schaltungen.pptx
@@ -7,8 +7,10 @@
   <p:sldIdLst>
     <p:sldId id="256" r:id="rId2"/>
     <p:sldId id="257" r:id="rId3"/>
-    <p:sldId id="258" r:id="rId4"/>
-    <p:sldId id="259" r:id="rId5"/>
+    <p:sldId id="260" r:id="rId4"/>
+    <p:sldId id="261" r:id="rId5"/>
+    <p:sldId id="262" r:id="rId6"/>
+    <p:sldId id="263" r:id="rId7"/>
   </p:sldIdLst>
   <p:sldSz cx="12192000" cy="6858000"/>
   <p:notesSz cx="6858000" cy="9144000"/>
@@ -2193,6 +2195,5908 @@
           <a:chExt cx="0" cy="0"/>
         </a:xfrm>
       </p:grpSpPr>
+      <p:graphicFrame>
+        <p:nvGraphicFramePr>
+          <p:cNvPr id="5" name="Tabelle 4">
+            <a:extLst>
+              <a:ext uri="{FF2B5EF4-FFF2-40B4-BE49-F238E27FC236}">
+                <a16:creationId xmlns:a16="http://schemas.microsoft.com/office/drawing/2014/main" id="{61120E8F-6FC3-4FE7-8508-FC16C70189B9}"/>
+              </a:ext>
+            </a:extLst>
+          </p:cNvPr>
+          <p:cNvGraphicFramePr>
+            <a:graphicFrameLocks noGrp="1"/>
+          </p:cNvGraphicFramePr>
+          <p:nvPr>
+            <p:extLst>
+              <p:ext uri="{D42A27DB-BD31-4B8C-83A1-F6EECF244321}">
+                <p14:modId xmlns:p14="http://schemas.microsoft.com/office/powerpoint/2010/main" val="4121981059"/>
+              </p:ext>
+            </p:extLst>
+          </p:nvPr>
+        </p:nvGraphicFramePr>
+        <p:xfrm>
+          <a:off x="956828" y="395492"/>
+          <a:ext cx="2107920" cy="1854200"/>
+        </p:xfrm>
+        <a:graphic>
+          <a:graphicData uri="http://schemas.openxmlformats.org/drawingml/2006/table">
+            <a:tbl>
+              <a:tblPr firstRow="1" bandRow="1">
+                <a:tableStyleId>{00A15C55-8517-42AA-B614-E9B94910E393}</a:tableStyleId>
+              </a:tblPr>
+              <a:tblGrid>
+                <a:gridCol w="702640">
+                  <a:extLst>
+                    <a:ext uri="{9D8B030D-6E8A-4147-A177-3AD203B41FA5}">
+                      <a16:colId xmlns:a16="http://schemas.microsoft.com/office/drawing/2014/main" val="2726098951"/>
+                    </a:ext>
+                  </a:extLst>
+                </a:gridCol>
+                <a:gridCol w="702640">
+                  <a:extLst>
+                    <a:ext uri="{9D8B030D-6E8A-4147-A177-3AD203B41FA5}">
+                      <a16:colId xmlns:a16="http://schemas.microsoft.com/office/drawing/2014/main" val="2091333891"/>
+                    </a:ext>
+                  </a:extLst>
+                </a:gridCol>
+                <a:gridCol w="702640">
+                  <a:extLst>
+                    <a:ext uri="{9D8B030D-6E8A-4147-A177-3AD203B41FA5}">
+                      <a16:colId xmlns:a16="http://schemas.microsoft.com/office/drawing/2014/main" val="1532233337"/>
+                    </a:ext>
+                  </a:extLst>
+                </a:gridCol>
+              </a:tblGrid>
+              <a:tr h="370840">
+                <a:tc>
+                  <a:txBody>
+                    <a:bodyPr/>
+                    <a:lstStyle/>
+                    <a:p>
+                      <a:pPr algn="ctr"/>
+                      <a:r>
+                        <a:rPr lang="de-CH" dirty="0"/>
+                        <a:t>A</a:t>
+                      </a:r>
+                    </a:p>
+                  </a:txBody>
+                  <a:tcPr/>
+                </a:tc>
+                <a:tc>
+                  <a:txBody>
+                    <a:bodyPr/>
+                    <a:lstStyle/>
+                    <a:p>
+                      <a:pPr algn="ctr"/>
+                      <a:r>
+                        <a:rPr lang="de-CH" dirty="0"/>
+                        <a:t>B</a:t>
+                      </a:r>
+                    </a:p>
+                  </a:txBody>
+                  <a:tcPr/>
+                </a:tc>
+                <a:tc>
+                  <a:txBody>
+                    <a:bodyPr/>
+                    <a:lstStyle/>
+                    <a:p>
+                      <a:pPr algn="ctr"/>
+                      <a:r>
+                        <a:rPr lang="de-CH" dirty="0"/>
+                        <a:t>X</a:t>
+                      </a:r>
+                    </a:p>
+                  </a:txBody>
+                  <a:tcPr/>
+                </a:tc>
+                <a:extLst>
+                  <a:ext uri="{0D108BD9-81ED-4DB2-BD59-A6C34878D82A}">
+                    <a16:rowId xmlns:a16="http://schemas.microsoft.com/office/drawing/2014/main" val="3102546685"/>
+                  </a:ext>
+                </a:extLst>
+              </a:tr>
+              <a:tr h="370840">
+                <a:tc>
+                  <a:txBody>
+                    <a:bodyPr/>
+                    <a:lstStyle/>
+                    <a:p>
+                      <a:pPr algn="ctr"/>
+                      <a:r>
+                        <a:rPr lang="de-CH" dirty="0"/>
+                        <a:t>0</a:t>
+                      </a:r>
+                    </a:p>
+                  </a:txBody>
+                  <a:tcPr/>
+                </a:tc>
+                <a:tc>
+                  <a:txBody>
+                    <a:bodyPr/>
+                    <a:lstStyle/>
+                    <a:p>
+                      <a:pPr algn="ctr"/>
+                      <a:r>
+                        <a:rPr lang="de-CH" dirty="0"/>
+                        <a:t>0</a:t>
+                      </a:r>
+                    </a:p>
+                  </a:txBody>
+                  <a:tcPr/>
+                </a:tc>
+                <a:tc>
+                  <a:txBody>
+                    <a:bodyPr/>
+                    <a:lstStyle/>
+                    <a:p>
+                      <a:pPr algn="ctr"/>
+                      <a:r>
+                        <a:rPr lang="de-CH" b="1" dirty="0"/>
+                        <a:t>0</a:t>
+                      </a:r>
+                    </a:p>
+                  </a:txBody>
+                  <a:tcPr/>
+                </a:tc>
+                <a:extLst>
+                  <a:ext uri="{0D108BD9-81ED-4DB2-BD59-A6C34878D82A}">
+                    <a16:rowId xmlns:a16="http://schemas.microsoft.com/office/drawing/2014/main" val="2537323295"/>
+                  </a:ext>
+                </a:extLst>
+              </a:tr>
+              <a:tr h="370840">
+                <a:tc>
+                  <a:txBody>
+                    <a:bodyPr/>
+                    <a:lstStyle/>
+                    <a:p>
+                      <a:pPr algn="ctr"/>
+                      <a:r>
+                        <a:rPr lang="de-CH" dirty="0"/>
+                        <a:t>0</a:t>
+                      </a:r>
+                    </a:p>
+                  </a:txBody>
+                  <a:tcPr/>
+                </a:tc>
+                <a:tc>
+                  <a:txBody>
+                    <a:bodyPr/>
+                    <a:lstStyle/>
+                    <a:p>
+                      <a:pPr algn="ctr"/>
+                      <a:r>
+                        <a:rPr lang="de-CH" dirty="0"/>
+                        <a:t>1</a:t>
+                      </a:r>
+                    </a:p>
+                  </a:txBody>
+                  <a:tcPr/>
+                </a:tc>
+                <a:tc>
+                  <a:txBody>
+                    <a:bodyPr/>
+                    <a:lstStyle/>
+                    <a:p>
+                      <a:pPr algn="ctr"/>
+                      <a:r>
+                        <a:rPr lang="de-CH" b="1" dirty="0"/>
+                        <a:t>0</a:t>
+                      </a:r>
+                    </a:p>
+                  </a:txBody>
+                  <a:tcPr/>
+                </a:tc>
+                <a:extLst>
+                  <a:ext uri="{0D108BD9-81ED-4DB2-BD59-A6C34878D82A}">
+                    <a16:rowId xmlns:a16="http://schemas.microsoft.com/office/drawing/2014/main" val="2098168674"/>
+                  </a:ext>
+                </a:extLst>
+              </a:tr>
+              <a:tr h="370840">
+                <a:tc>
+                  <a:txBody>
+                    <a:bodyPr/>
+                    <a:lstStyle/>
+                    <a:p>
+                      <a:pPr algn="ctr"/>
+                      <a:r>
+                        <a:rPr lang="de-CH" dirty="0"/>
+                        <a:t>1</a:t>
+                      </a:r>
+                    </a:p>
+                  </a:txBody>
+                  <a:tcPr/>
+                </a:tc>
+                <a:tc>
+                  <a:txBody>
+                    <a:bodyPr/>
+                    <a:lstStyle/>
+                    <a:p>
+                      <a:pPr algn="ctr"/>
+                      <a:r>
+                        <a:rPr lang="de-CH" dirty="0"/>
+                        <a:t>0</a:t>
+                      </a:r>
+                    </a:p>
+                  </a:txBody>
+                  <a:tcPr/>
+                </a:tc>
+                <a:tc>
+                  <a:txBody>
+                    <a:bodyPr/>
+                    <a:lstStyle/>
+                    <a:p>
+                      <a:pPr algn="ctr"/>
+                      <a:r>
+                        <a:rPr lang="de-CH" b="1" dirty="0"/>
+                        <a:t>0</a:t>
+                      </a:r>
+                    </a:p>
+                  </a:txBody>
+                  <a:tcPr/>
+                </a:tc>
+                <a:extLst>
+                  <a:ext uri="{0D108BD9-81ED-4DB2-BD59-A6C34878D82A}">
+                    <a16:rowId xmlns:a16="http://schemas.microsoft.com/office/drawing/2014/main" val="2474362546"/>
+                  </a:ext>
+                </a:extLst>
+              </a:tr>
+              <a:tr h="370840">
+                <a:tc>
+                  <a:txBody>
+                    <a:bodyPr/>
+                    <a:lstStyle/>
+                    <a:p>
+                      <a:pPr algn="ctr"/>
+                      <a:r>
+                        <a:rPr lang="de-CH" dirty="0"/>
+                        <a:t>1</a:t>
+                      </a:r>
+                    </a:p>
+                  </a:txBody>
+                  <a:tcPr/>
+                </a:tc>
+                <a:tc>
+                  <a:txBody>
+                    <a:bodyPr/>
+                    <a:lstStyle/>
+                    <a:p>
+                      <a:pPr algn="ctr"/>
+                      <a:r>
+                        <a:rPr lang="de-CH" dirty="0"/>
+                        <a:t>1</a:t>
+                      </a:r>
+                    </a:p>
+                  </a:txBody>
+                  <a:tcPr/>
+                </a:tc>
+                <a:tc>
+                  <a:txBody>
+                    <a:bodyPr/>
+                    <a:lstStyle/>
+                    <a:p>
+                      <a:pPr algn="ctr"/>
+                      <a:r>
+                        <a:rPr lang="de-CH" b="1" dirty="0"/>
+                        <a:t>1</a:t>
+                      </a:r>
+                    </a:p>
+                  </a:txBody>
+                  <a:tcPr/>
+                </a:tc>
+                <a:extLst>
+                  <a:ext uri="{0D108BD9-81ED-4DB2-BD59-A6C34878D82A}">
+                    <a16:rowId xmlns:a16="http://schemas.microsoft.com/office/drawing/2014/main" val="3492551129"/>
+                  </a:ext>
+                </a:extLst>
+              </a:tr>
+            </a:tbl>
+          </a:graphicData>
+        </a:graphic>
+      </p:graphicFrame>
+      <p:graphicFrame>
+        <p:nvGraphicFramePr>
+          <p:cNvPr id="6" name="Tabelle 5">
+            <a:extLst>
+              <a:ext uri="{FF2B5EF4-FFF2-40B4-BE49-F238E27FC236}">
+                <a16:creationId xmlns:a16="http://schemas.microsoft.com/office/drawing/2014/main" id="{CD8F3576-9E0F-456A-953C-6850A3DDA8E1}"/>
+              </a:ext>
+            </a:extLst>
+          </p:cNvPr>
+          <p:cNvGraphicFramePr>
+            <a:graphicFrameLocks noGrp="1"/>
+          </p:cNvGraphicFramePr>
+          <p:nvPr>
+            <p:extLst>
+              <p:ext uri="{D42A27DB-BD31-4B8C-83A1-F6EECF244321}">
+                <p14:modId xmlns:p14="http://schemas.microsoft.com/office/powerpoint/2010/main" val="2222798559"/>
+              </p:ext>
+            </p:extLst>
+          </p:nvPr>
+        </p:nvGraphicFramePr>
+        <p:xfrm>
+          <a:off x="3719845" y="409727"/>
+          <a:ext cx="2107920" cy="1854200"/>
+        </p:xfrm>
+        <a:graphic>
+          <a:graphicData uri="http://schemas.openxmlformats.org/drawingml/2006/table">
+            <a:tbl>
+              <a:tblPr firstRow="1" bandRow="1">
+                <a:tableStyleId>{00A15C55-8517-42AA-B614-E9B94910E393}</a:tableStyleId>
+              </a:tblPr>
+              <a:tblGrid>
+                <a:gridCol w="702640">
+                  <a:extLst>
+                    <a:ext uri="{9D8B030D-6E8A-4147-A177-3AD203B41FA5}">
+                      <a16:colId xmlns:a16="http://schemas.microsoft.com/office/drawing/2014/main" val="2726098951"/>
+                    </a:ext>
+                  </a:extLst>
+                </a:gridCol>
+                <a:gridCol w="702640">
+                  <a:extLst>
+                    <a:ext uri="{9D8B030D-6E8A-4147-A177-3AD203B41FA5}">
+                      <a16:colId xmlns:a16="http://schemas.microsoft.com/office/drawing/2014/main" val="2091333891"/>
+                    </a:ext>
+                  </a:extLst>
+                </a:gridCol>
+                <a:gridCol w="702640">
+                  <a:extLst>
+                    <a:ext uri="{9D8B030D-6E8A-4147-A177-3AD203B41FA5}">
+                      <a16:colId xmlns:a16="http://schemas.microsoft.com/office/drawing/2014/main" val="1532233337"/>
+                    </a:ext>
+                  </a:extLst>
+                </a:gridCol>
+              </a:tblGrid>
+              <a:tr h="370840">
+                <a:tc>
+                  <a:txBody>
+                    <a:bodyPr/>
+                    <a:lstStyle/>
+                    <a:p>
+                      <a:pPr algn="ctr"/>
+                      <a:r>
+                        <a:rPr lang="de-CH" dirty="0"/>
+                        <a:t>A</a:t>
+                      </a:r>
+                    </a:p>
+                  </a:txBody>
+                  <a:tcPr/>
+                </a:tc>
+                <a:tc>
+                  <a:txBody>
+                    <a:bodyPr/>
+                    <a:lstStyle/>
+                    <a:p>
+                      <a:pPr algn="ctr"/>
+                      <a:r>
+                        <a:rPr lang="de-CH" dirty="0"/>
+                        <a:t>B</a:t>
+                      </a:r>
+                    </a:p>
+                  </a:txBody>
+                  <a:tcPr/>
+                </a:tc>
+                <a:tc>
+                  <a:txBody>
+                    <a:bodyPr/>
+                    <a:lstStyle/>
+                    <a:p>
+                      <a:pPr algn="ctr"/>
+                      <a:r>
+                        <a:rPr lang="de-CH" dirty="0"/>
+                        <a:t>X</a:t>
+                      </a:r>
+                    </a:p>
+                  </a:txBody>
+                  <a:tcPr/>
+                </a:tc>
+                <a:extLst>
+                  <a:ext uri="{0D108BD9-81ED-4DB2-BD59-A6C34878D82A}">
+                    <a16:rowId xmlns:a16="http://schemas.microsoft.com/office/drawing/2014/main" val="3102546685"/>
+                  </a:ext>
+                </a:extLst>
+              </a:tr>
+              <a:tr h="370840">
+                <a:tc>
+                  <a:txBody>
+                    <a:bodyPr/>
+                    <a:lstStyle/>
+                    <a:p>
+                      <a:pPr algn="ctr"/>
+                      <a:r>
+                        <a:rPr lang="de-CH" dirty="0"/>
+                        <a:t>0</a:t>
+                      </a:r>
+                    </a:p>
+                  </a:txBody>
+                  <a:tcPr/>
+                </a:tc>
+                <a:tc>
+                  <a:txBody>
+                    <a:bodyPr/>
+                    <a:lstStyle/>
+                    <a:p>
+                      <a:pPr algn="ctr"/>
+                      <a:r>
+                        <a:rPr lang="de-CH" dirty="0"/>
+                        <a:t>0</a:t>
+                      </a:r>
+                    </a:p>
+                  </a:txBody>
+                  <a:tcPr/>
+                </a:tc>
+                <a:tc>
+                  <a:txBody>
+                    <a:bodyPr/>
+                    <a:lstStyle/>
+                    <a:p>
+                      <a:pPr marL="0" algn="ctr" defTabSz="914400" rtl="0" eaLnBrk="1" latinLnBrk="0" hangingPunct="1"/>
+                      <a:r>
+                        <a:rPr lang="de-CH" sz="1800" b="1" kern="1200" dirty="0">
+                          <a:solidFill>
+                            <a:schemeClr val="dk1"/>
+                          </a:solidFill>
+                          <a:latin typeface="+mn-lt"/>
+                          <a:ea typeface="+mn-ea"/>
+                          <a:cs typeface="+mn-cs"/>
+                        </a:rPr>
+                        <a:t>0</a:t>
+                      </a:r>
+                    </a:p>
+                  </a:txBody>
+                  <a:tcPr/>
+                </a:tc>
+                <a:extLst>
+                  <a:ext uri="{0D108BD9-81ED-4DB2-BD59-A6C34878D82A}">
+                    <a16:rowId xmlns:a16="http://schemas.microsoft.com/office/drawing/2014/main" val="2537323295"/>
+                  </a:ext>
+                </a:extLst>
+              </a:tr>
+              <a:tr h="370840">
+                <a:tc>
+                  <a:txBody>
+                    <a:bodyPr/>
+                    <a:lstStyle/>
+                    <a:p>
+                      <a:pPr algn="ctr"/>
+                      <a:r>
+                        <a:rPr lang="de-CH" dirty="0"/>
+                        <a:t>0</a:t>
+                      </a:r>
+                    </a:p>
+                  </a:txBody>
+                  <a:tcPr/>
+                </a:tc>
+                <a:tc>
+                  <a:txBody>
+                    <a:bodyPr/>
+                    <a:lstStyle/>
+                    <a:p>
+                      <a:pPr algn="ctr"/>
+                      <a:r>
+                        <a:rPr lang="de-CH" dirty="0"/>
+                        <a:t>1</a:t>
+                      </a:r>
+                    </a:p>
+                  </a:txBody>
+                  <a:tcPr/>
+                </a:tc>
+                <a:tc>
+                  <a:txBody>
+                    <a:bodyPr/>
+                    <a:lstStyle/>
+                    <a:p>
+                      <a:pPr marL="0" algn="ctr" defTabSz="914400" rtl="0" eaLnBrk="1" latinLnBrk="0" hangingPunct="1"/>
+                      <a:r>
+                        <a:rPr lang="de-CH" sz="1800" b="1" kern="1200" dirty="0">
+                          <a:solidFill>
+                            <a:schemeClr val="dk1"/>
+                          </a:solidFill>
+                          <a:latin typeface="+mn-lt"/>
+                          <a:ea typeface="+mn-ea"/>
+                          <a:cs typeface="+mn-cs"/>
+                        </a:rPr>
+                        <a:t>1</a:t>
+                      </a:r>
+                    </a:p>
+                  </a:txBody>
+                  <a:tcPr/>
+                </a:tc>
+                <a:extLst>
+                  <a:ext uri="{0D108BD9-81ED-4DB2-BD59-A6C34878D82A}">
+                    <a16:rowId xmlns:a16="http://schemas.microsoft.com/office/drawing/2014/main" val="2098168674"/>
+                  </a:ext>
+                </a:extLst>
+              </a:tr>
+              <a:tr h="370840">
+                <a:tc>
+                  <a:txBody>
+                    <a:bodyPr/>
+                    <a:lstStyle/>
+                    <a:p>
+                      <a:pPr algn="ctr"/>
+                      <a:r>
+                        <a:rPr lang="de-CH" dirty="0"/>
+                        <a:t>1</a:t>
+                      </a:r>
+                    </a:p>
+                  </a:txBody>
+                  <a:tcPr/>
+                </a:tc>
+                <a:tc>
+                  <a:txBody>
+                    <a:bodyPr/>
+                    <a:lstStyle/>
+                    <a:p>
+                      <a:pPr algn="ctr"/>
+                      <a:r>
+                        <a:rPr lang="de-CH" dirty="0"/>
+                        <a:t>0</a:t>
+                      </a:r>
+                    </a:p>
+                  </a:txBody>
+                  <a:tcPr/>
+                </a:tc>
+                <a:tc>
+                  <a:txBody>
+                    <a:bodyPr/>
+                    <a:lstStyle/>
+                    <a:p>
+                      <a:pPr marL="0" algn="ctr" defTabSz="914400" rtl="0" eaLnBrk="1" latinLnBrk="0" hangingPunct="1"/>
+                      <a:r>
+                        <a:rPr lang="de-CH" sz="1800" b="1" kern="1200" dirty="0">
+                          <a:solidFill>
+                            <a:schemeClr val="dk1"/>
+                          </a:solidFill>
+                          <a:latin typeface="+mn-lt"/>
+                          <a:ea typeface="+mn-ea"/>
+                          <a:cs typeface="+mn-cs"/>
+                        </a:rPr>
+                        <a:t>1</a:t>
+                      </a:r>
+                    </a:p>
+                  </a:txBody>
+                  <a:tcPr/>
+                </a:tc>
+                <a:extLst>
+                  <a:ext uri="{0D108BD9-81ED-4DB2-BD59-A6C34878D82A}">
+                    <a16:rowId xmlns:a16="http://schemas.microsoft.com/office/drawing/2014/main" val="2474362546"/>
+                  </a:ext>
+                </a:extLst>
+              </a:tr>
+              <a:tr h="370840">
+                <a:tc>
+                  <a:txBody>
+                    <a:bodyPr/>
+                    <a:lstStyle/>
+                    <a:p>
+                      <a:pPr algn="ctr"/>
+                      <a:r>
+                        <a:rPr lang="de-CH" dirty="0"/>
+                        <a:t>1</a:t>
+                      </a:r>
+                    </a:p>
+                  </a:txBody>
+                  <a:tcPr/>
+                </a:tc>
+                <a:tc>
+                  <a:txBody>
+                    <a:bodyPr/>
+                    <a:lstStyle/>
+                    <a:p>
+                      <a:pPr algn="ctr"/>
+                      <a:r>
+                        <a:rPr lang="de-CH" dirty="0"/>
+                        <a:t>1</a:t>
+                      </a:r>
+                    </a:p>
+                  </a:txBody>
+                  <a:tcPr/>
+                </a:tc>
+                <a:tc>
+                  <a:txBody>
+                    <a:bodyPr/>
+                    <a:lstStyle/>
+                    <a:p>
+                      <a:pPr marL="0" algn="ctr" defTabSz="914400" rtl="0" eaLnBrk="1" latinLnBrk="0" hangingPunct="1"/>
+                      <a:r>
+                        <a:rPr lang="de-CH" sz="1800" b="1" kern="1200" dirty="0">
+                          <a:solidFill>
+                            <a:schemeClr val="dk1"/>
+                          </a:solidFill>
+                          <a:latin typeface="+mn-lt"/>
+                          <a:ea typeface="+mn-ea"/>
+                          <a:cs typeface="+mn-cs"/>
+                        </a:rPr>
+                        <a:t>1</a:t>
+                      </a:r>
+                    </a:p>
+                  </a:txBody>
+                  <a:tcPr/>
+                </a:tc>
+                <a:extLst>
+                  <a:ext uri="{0D108BD9-81ED-4DB2-BD59-A6C34878D82A}">
+                    <a16:rowId xmlns:a16="http://schemas.microsoft.com/office/drawing/2014/main" val="3492551129"/>
+                  </a:ext>
+                </a:extLst>
+              </a:tr>
+            </a:tbl>
+          </a:graphicData>
+        </a:graphic>
+      </p:graphicFrame>
+      <p:graphicFrame>
+        <p:nvGraphicFramePr>
+          <p:cNvPr id="7" name="Tabelle 6">
+            <a:extLst>
+              <a:ext uri="{FF2B5EF4-FFF2-40B4-BE49-F238E27FC236}">
+                <a16:creationId xmlns:a16="http://schemas.microsoft.com/office/drawing/2014/main" id="{7FE6AD01-BA39-4457-822E-49A1AA9157AD}"/>
+              </a:ext>
+            </a:extLst>
+          </p:cNvPr>
+          <p:cNvGraphicFramePr>
+            <a:graphicFrameLocks noGrp="1"/>
+          </p:cNvGraphicFramePr>
+          <p:nvPr>
+            <p:extLst>
+              <p:ext uri="{D42A27DB-BD31-4B8C-83A1-F6EECF244321}">
+                <p14:modId xmlns:p14="http://schemas.microsoft.com/office/powerpoint/2010/main" val="558267022"/>
+              </p:ext>
+            </p:extLst>
+          </p:nvPr>
+        </p:nvGraphicFramePr>
+        <p:xfrm>
+          <a:off x="6482862" y="409727"/>
+          <a:ext cx="2107920" cy="1854200"/>
+        </p:xfrm>
+        <a:graphic>
+          <a:graphicData uri="http://schemas.openxmlformats.org/drawingml/2006/table">
+            <a:tbl>
+              <a:tblPr firstRow="1" bandRow="1">
+                <a:tableStyleId>{00A15C55-8517-42AA-B614-E9B94910E393}</a:tableStyleId>
+              </a:tblPr>
+              <a:tblGrid>
+                <a:gridCol w="702640">
+                  <a:extLst>
+                    <a:ext uri="{9D8B030D-6E8A-4147-A177-3AD203B41FA5}">
+                      <a16:colId xmlns:a16="http://schemas.microsoft.com/office/drawing/2014/main" val="2726098951"/>
+                    </a:ext>
+                  </a:extLst>
+                </a:gridCol>
+                <a:gridCol w="702640">
+                  <a:extLst>
+                    <a:ext uri="{9D8B030D-6E8A-4147-A177-3AD203B41FA5}">
+                      <a16:colId xmlns:a16="http://schemas.microsoft.com/office/drawing/2014/main" val="2091333891"/>
+                    </a:ext>
+                  </a:extLst>
+                </a:gridCol>
+                <a:gridCol w="702640">
+                  <a:extLst>
+                    <a:ext uri="{9D8B030D-6E8A-4147-A177-3AD203B41FA5}">
+                      <a16:colId xmlns:a16="http://schemas.microsoft.com/office/drawing/2014/main" val="1532233337"/>
+                    </a:ext>
+                  </a:extLst>
+                </a:gridCol>
+              </a:tblGrid>
+              <a:tr h="370840">
+                <a:tc>
+                  <a:txBody>
+                    <a:bodyPr/>
+                    <a:lstStyle/>
+                    <a:p>
+                      <a:pPr algn="ctr"/>
+                      <a:r>
+                        <a:rPr lang="de-CH" dirty="0"/>
+                        <a:t>A</a:t>
+                      </a:r>
+                    </a:p>
+                  </a:txBody>
+                  <a:tcPr/>
+                </a:tc>
+                <a:tc>
+                  <a:txBody>
+                    <a:bodyPr/>
+                    <a:lstStyle/>
+                    <a:p>
+                      <a:pPr algn="ctr"/>
+                      <a:r>
+                        <a:rPr lang="de-CH" dirty="0"/>
+                        <a:t>B</a:t>
+                      </a:r>
+                    </a:p>
+                  </a:txBody>
+                  <a:tcPr/>
+                </a:tc>
+                <a:tc>
+                  <a:txBody>
+                    <a:bodyPr/>
+                    <a:lstStyle/>
+                    <a:p>
+                      <a:pPr algn="ctr"/>
+                      <a:r>
+                        <a:rPr lang="de-CH" dirty="0"/>
+                        <a:t>X</a:t>
+                      </a:r>
+                    </a:p>
+                  </a:txBody>
+                  <a:tcPr/>
+                </a:tc>
+                <a:extLst>
+                  <a:ext uri="{0D108BD9-81ED-4DB2-BD59-A6C34878D82A}">
+                    <a16:rowId xmlns:a16="http://schemas.microsoft.com/office/drawing/2014/main" val="3102546685"/>
+                  </a:ext>
+                </a:extLst>
+              </a:tr>
+              <a:tr h="370840">
+                <a:tc>
+                  <a:txBody>
+                    <a:bodyPr/>
+                    <a:lstStyle/>
+                    <a:p>
+                      <a:pPr algn="ctr"/>
+                      <a:r>
+                        <a:rPr lang="de-CH" dirty="0"/>
+                        <a:t>0</a:t>
+                      </a:r>
+                    </a:p>
+                  </a:txBody>
+                  <a:tcPr/>
+                </a:tc>
+                <a:tc>
+                  <a:txBody>
+                    <a:bodyPr/>
+                    <a:lstStyle/>
+                    <a:p>
+                      <a:pPr algn="ctr"/>
+                      <a:r>
+                        <a:rPr lang="de-CH" dirty="0"/>
+                        <a:t>0</a:t>
+                      </a:r>
+                    </a:p>
+                  </a:txBody>
+                  <a:tcPr/>
+                </a:tc>
+                <a:tc>
+                  <a:txBody>
+                    <a:bodyPr/>
+                    <a:lstStyle/>
+                    <a:p>
+                      <a:pPr marL="0" algn="ctr" defTabSz="914400" rtl="0" eaLnBrk="1" latinLnBrk="0" hangingPunct="1"/>
+                      <a:r>
+                        <a:rPr lang="de-CH" sz="1800" b="1" kern="1200" dirty="0">
+                          <a:solidFill>
+                            <a:schemeClr val="dk1"/>
+                          </a:solidFill>
+                          <a:latin typeface="+mn-lt"/>
+                          <a:ea typeface="+mn-ea"/>
+                          <a:cs typeface="+mn-cs"/>
+                        </a:rPr>
+                        <a:t>0</a:t>
+                      </a:r>
+                    </a:p>
+                  </a:txBody>
+                  <a:tcPr/>
+                </a:tc>
+                <a:extLst>
+                  <a:ext uri="{0D108BD9-81ED-4DB2-BD59-A6C34878D82A}">
+                    <a16:rowId xmlns:a16="http://schemas.microsoft.com/office/drawing/2014/main" val="2537323295"/>
+                  </a:ext>
+                </a:extLst>
+              </a:tr>
+              <a:tr h="370840">
+                <a:tc>
+                  <a:txBody>
+                    <a:bodyPr/>
+                    <a:lstStyle/>
+                    <a:p>
+                      <a:pPr algn="ctr"/>
+                      <a:r>
+                        <a:rPr lang="de-CH" dirty="0"/>
+                        <a:t>0</a:t>
+                      </a:r>
+                    </a:p>
+                  </a:txBody>
+                  <a:tcPr/>
+                </a:tc>
+                <a:tc>
+                  <a:txBody>
+                    <a:bodyPr/>
+                    <a:lstStyle/>
+                    <a:p>
+                      <a:pPr algn="ctr"/>
+                      <a:r>
+                        <a:rPr lang="de-CH" dirty="0"/>
+                        <a:t>1</a:t>
+                      </a:r>
+                    </a:p>
+                  </a:txBody>
+                  <a:tcPr/>
+                </a:tc>
+                <a:tc>
+                  <a:txBody>
+                    <a:bodyPr/>
+                    <a:lstStyle/>
+                    <a:p>
+                      <a:pPr marL="0" algn="ctr" defTabSz="914400" rtl="0" eaLnBrk="1" latinLnBrk="0" hangingPunct="1"/>
+                      <a:r>
+                        <a:rPr lang="de-CH" sz="1800" b="1" kern="1200" dirty="0">
+                          <a:solidFill>
+                            <a:schemeClr val="dk1"/>
+                          </a:solidFill>
+                          <a:latin typeface="+mn-lt"/>
+                          <a:ea typeface="+mn-ea"/>
+                          <a:cs typeface="+mn-cs"/>
+                        </a:rPr>
+                        <a:t>1</a:t>
+                      </a:r>
+                    </a:p>
+                  </a:txBody>
+                  <a:tcPr/>
+                </a:tc>
+                <a:extLst>
+                  <a:ext uri="{0D108BD9-81ED-4DB2-BD59-A6C34878D82A}">
+                    <a16:rowId xmlns:a16="http://schemas.microsoft.com/office/drawing/2014/main" val="2098168674"/>
+                  </a:ext>
+                </a:extLst>
+              </a:tr>
+              <a:tr h="370840">
+                <a:tc>
+                  <a:txBody>
+                    <a:bodyPr/>
+                    <a:lstStyle/>
+                    <a:p>
+                      <a:pPr algn="ctr"/>
+                      <a:r>
+                        <a:rPr lang="de-CH" dirty="0"/>
+                        <a:t>1</a:t>
+                      </a:r>
+                    </a:p>
+                  </a:txBody>
+                  <a:tcPr/>
+                </a:tc>
+                <a:tc>
+                  <a:txBody>
+                    <a:bodyPr/>
+                    <a:lstStyle/>
+                    <a:p>
+                      <a:pPr algn="ctr"/>
+                      <a:r>
+                        <a:rPr lang="de-CH" dirty="0"/>
+                        <a:t>0</a:t>
+                      </a:r>
+                    </a:p>
+                  </a:txBody>
+                  <a:tcPr/>
+                </a:tc>
+                <a:tc>
+                  <a:txBody>
+                    <a:bodyPr/>
+                    <a:lstStyle/>
+                    <a:p>
+                      <a:pPr marL="0" algn="ctr" defTabSz="914400" rtl="0" eaLnBrk="1" latinLnBrk="0" hangingPunct="1"/>
+                      <a:r>
+                        <a:rPr lang="de-CH" sz="1800" b="1" kern="1200" dirty="0">
+                          <a:solidFill>
+                            <a:schemeClr val="dk1"/>
+                          </a:solidFill>
+                          <a:latin typeface="+mn-lt"/>
+                          <a:ea typeface="+mn-ea"/>
+                          <a:cs typeface="+mn-cs"/>
+                        </a:rPr>
+                        <a:t>1</a:t>
+                      </a:r>
+                    </a:p>
+                  </a:txBody>
+                  <a:tcPr/>
+                </a:tc>
+                <a:extLst>
+                  <a:ext uri="{0D108BD9-81ED-4DB2-BD59-A6C34878D82A}">
+                    <a16:rowId xmlns:a16="http://schemas.microsoft.com/office/drawing/2014/main" val="2474362546"/>
+                  </a:ext>
+                </a:extLst>
+              </a:tr>
+              <a:tr h="370840">
+                <a:tc>
+                  <a:txBody>
+                    <a:bodyPr/>
+                    <a:lstStyle/>
+                    <a:p>
+                      <a:pPr algn="ctr"/>
+                      <a:r>
+                        <a:rPr lang="de-CH" dirty="0"/>
+                        <a:t>1</a:t>
+                      </a:r>
+                    </a:p>
+                  </a:txBody>
+                  <a:tcPr/>
+                </a:tc>
+                <a:tc>
+                  <a:txBody>
+                    <a:bodyPr/>
+                    <a:lstStyle/>
+                    <a:p>
+                      <a:pPr algn="ctr"/>
+                      <a:r>
+                        <a:rPr lang="de-CH" dirty="0"/>
+                        <a:t>1</a:t>
+                      </a:r>
+                    </a:p>
+                  </a:txBody>
+                  <a:tcPr/>
+                </a:tc>
+                <a:tc>
+                  <a:txBody>
+                    <a:bodyPr/>
+                    <a:lstStyle/>
+                    <a:p>
+                      <a:pPr marL="0" algn="ctr" defTabSz="914400" rtl="0" eaLnBrk="1" latinLnBrk="0" hangingPunct="1"/>
+                      <a:r>
+                        <a:rPr lang="de-CH" sz="1800" b="1" kern="1200" dirty="0">
+                          <a:solidFill>
+                            <a:schemeClr val="dk1"/>
+                          </a:solidFill>
+                          <a:latin typeface="+mn-lt"/>
+                          <a:ea typeface="+mn-ea"/>
+                          <a:cs typeface="+mn-cs"/>
+                        </a:rPr>
+                        <a:t>0</a:t>
+                      </a:r>
+                    </a:p>
+                  </a:txBody>
+                  <a:tcPr/>
+                </a:tc>
+                <a:extLst>
+                  <a:ext uri="{0D108BD9-81ED-4DB2-BD59-A6C34878D82A}">
+                    <a16:rowId xmlns:a16="http://schemas.microsoft.com/office/drawing/2014/main" val="3492551129"/>
+                  </a:ext>
+                </a:extLst>
+              </a:tr>
+            </a:tbl>
+          </a:graphicData>
+        </a:graphic>
+      </p:graphicFrame>
+      <p:graphicFrame>
+        <p:nvGraphicFramePr>
+          <p:cNvPr id="8" name="Tabelle 7">
+            <a:extLst>
+              <a:ext uri="{FF2B5EF4-FFF2-40B4-BE49-F238E27FC236}">
+                <a16:creationId xmlns:a16="http://schemas.microsoft.com/office/drawing/2014/main" id="{87CAE0D0-D1ED-45B0-9A12-F7A0E2051FA3}"/>
+              </a:ext>
+            </a:extLst>
+          </p:cNvPr>
+          <p:cNvGraphicFramePr>
+            <a:graphicFrameLocks noGrp="1"/>
+          </p:cNvGraphicFramePr>
+          <p:nvPr>
+            <p:extLst>
+              <p:ext uri="{D42A27DB-BD31-4B8C-83A1-F6EECF244321}">
+                <p14:modId xmlns:p14="http://schemas.microsoft.com/office/powerpoint/2010/main" val="2637198092"/>
+              </p:ext>
+            </p:extLst>
+          </p:nvPr>
+        </p:nvGraphicFramePr>
+        <p:xfrm>
+          <a:off x="9245880" y="392142"/>
+          <a:ext cx="2107920" cy="1854200"/>
+        </p:xfrm>
+        <a:graphic>
+          <a:graphicData uri="http://schemas.openxmlformats.org/drawingml/2006/table">
+            <a:tbl>
+              <a:tblPr firstRow="1" bandRow="1">
+                <a:tableStyleId>{00A15C55-8517-42AA-B614-E9B94910E393}</a:tableStyleId>
+              </a:tblPr>
+              <a:tblGrid>
+                <a:gridCol w="702640">
+                  <a:extLst>
+                    <a:ext uri="{9D8B030D-6E8A-4147-A177-3AD203B41FA5}">
+                      <a16:colId xmlns:a16="http://schemas.microsoft.com/office/drawing/2014/main" val="2726098951"/>
+                    </a:ext>
+                  </a:extLst>
+                </a:gridCol>
+                <a:gridCol w="702640">
+                  <a:extLst>
+                    <a:ext uri="{9D8B030D-6E8A-4147-A177-3AD203B41FA5}">
+                      <a16:colId xmlns:a16="http://schemas.microsoft.com/office/drawing/2014/main" val="2091333891"/>
+                    </a:ext>
+                  </a:extLst>
+                </a:gridCol>
+                <a:gridCol w="702640">
+                  <a:extLst>
+                    <a:ext uri="{9D8B030D-6E8A-4147-A177-3AD203B41FA5}">
+                      <a16:colId xmlns:a16="http://schemas.microsoft.com/office/drawing/2014/main" val="1532233337"/>
+                    </a:ext>
+                  </a:extLst>
+                </a:gridCol>
+              </a:tblGrid>
+              <a:tr h="370840">
+                <a:tc>
+                  <a:txBody>
+                    <a:bodyPr/>
+                    <a:lstStyle/>
+                    <a:p>
+                      <a:pPr algn="ctr"/>
+                      <a:r>
+                        <a:rPr lang="de-CH" dirty="0"/>
+                        <a:t>A</a:t>
+                      </a:r>
+                    </a:p>
+                  </a:txBody>
+                  <a:tcPr/>
+                </a:tc>
+                <a:tc>
+                  <a:txBody>
+                    <a:bodyPr/>
+                    <a:lstStyle/>
+                    <a:p>
+                      <a:pPr algn="ctr"/>
+                      <a:r>
+                        <a:rPr lang="de-CH" dirty="0"/>
+                        <a:t>B</a:t>
+                      </a:r>
+                    </a:p>
+                  </a:txBody>
+                  <a:tcPr/>
+                </a:tc>
+                <a:tc>
+                  <a:txBody>
+                    <a:bodyPr/>
+                    <a:lstStyle/>
+                    <a:p>
+                      <a:pPr algn="ctr"/>
+                      <a:r>
+                        <a:rPr lang="de-CH" dirty="0"/>
+                        <a:t>X</a:t>
+                      </a:r>
+                    </a:p>
+                  </a:txBody>
+                  <a:tcPr/>
+                </a:tc>
+                <a:extLst>
+                  <a:ext uri="{0D108BD9-81ED-4DB2-BD59-A6C34878D82A}">
+                    <a16:rowId xmlns:a16="http://schemas.microsoft.com/office/drawing/2014/main" val="3102546685"/>
+                  </a:ext>
+                </a:extLst>
+              </a:tr>
+              <a:tr h="370840">
+                <a:tc>
+                  <a:txBody>
+                    <a:bodyPr/>
+                    <a:lstStyle/>
+                    <a:p>
+                      <a:pPr algn="ctr"/>
+                      <a:r>
+                        <a:rPr lang="de-CH" dirty="0"/>
+                        <a:t>0</a:t>
+                      </a:r>
+                    </a:p>
+                  </a:txBody>
+                  <a:tcPr/>
+                </a:tc>
+                <a:tc>
+                  <a:txBody>
+                    <a:bodyPr/>
+                    <a:lstStyle/>
+                    <a:p>
+                      <a:pPr algn="ctr"/>
+                      <a:r>
+                        <a:rPr lang="de-CH" dirty="0"/>
+                        <a:t>0</a:t>
+                      </a:r>
+                    </a:p>
+                  </a:txBody>
+                  <a:tcPr/>
+                </a:tc>
+                <a:tc>
+                  <a:txBody>
+                    <a:bodyPr/>
+                    <a:lstStyle/>
+                    <a:p>
+                      <a:pPr marL="0" algn="ctr" defTabSz="914400" rtl="0" eaLnBrk="1" latinLnBrk="0" hangingPunct="1"/>
+                      <a:r>
+                        <a:rPr lang="de-CH" sz="1800" b="1" kern="1200" dirty="0">
+                          <a:solidFill>
+                            <a:schemeClr val="dk1"/>
+                          </a:solidFill>
+                          <a:latin typeface="+mn-lt"/>
+                          <a:ea typeface="+mn-ea"/>
+                          <a:cs typeface="+mn-cs"/>
+                        </a:rPr>
+                        <a:t>0</a:t>
+                      </a:r>
+                    </a:p>
+                  </a:txBody>
+                  <a:tcPr/>
+                </a:tc>
+                <a:extLst>
+                  <a:ext uri="{0D108BD9-81ED-4DB2-BD59-A6C34878D82A}">
+                    <a16:rowId xmlns:a16="http://schemas.microsoft.com/office/drawing/2014/main" val="2537323295"/>
+                  </a:ext>
+                </a:extLst>
+              </a:tr>
+              <a:tr h="370840">
+                <a:tc>
+                  <a:txBody>
+                    <a:bodyPr/>
+                    <a:lstStyle/>
+                    <a:p>
+                      <a:pPr algn="ctr"/>
+                      <a:r>
+                        <a:rPr lang="de-CH" dirty="0"/>
+                        <a:t>0</a:t>
+                      </a:r>
+                    </a:p>
+                  </a:txBody>
+                  <a:tcPr/>
+                </a:tc>
+                <a:tc>
+                  <a:txBody>
+                    <a:bodyPr/>
+                    <a:lstStyle/>
+                    <a:p>
+                      <a:pPr algn="ctr"/>
+                      <a:r>
+                        <a:rPr lang="de-CH" dirty="0"/>
+                        <a:t>1</a:t>
+                      </a:r>
+                    </a:p>
+                  </a:txBody>
+                  <a:tcPr/>
+                </a:tc>
+                <a:tc>
+                  <a:txBody>
+                    <a:bodyPr/>
+                    <a:lstStyle/>
+                    <a:p>
+                      <a:pPr marL="0" algn="ctr" defTabSz="914400" rtl="0" eaLnBrk="1" latinLnBrk="0" hangingPunct="1"/>
+                      <a:r>
+                        <a:rPr lang="de-CH" sz="1800" b="1" kern="1200" dirty="0">
+                          <a:solidFill>
+                            <a:schemeClr val="dk1"/>
+                          </a:solidFill>
+                          <a:latin typeface="+mn-lt"/>
+                          <a:ea typeface="+mn-ea"/>
+                          <a:cs typeface="+mn-cs"/>
+                        </a:rPr>
+                        <a:t>0</a:t>
+                      </a:r>
+                    </a:p>
+                  </a:txBody>
+                  <a:tcPr/>
+                </a:tc>
+                <a:extLst>
+                  <a:ext uri="{0D108BD9-81ED-4DB2-BD59-A6C34878D82A}">
+                    <a16:rowId xmlns:a16="http://schemas.microsoft.com/office/drawing/2014/main" val="2098168674"/>
+                  </a:ext>
+                </a:extLst>
+              </a:tr>
+              <a:tr h="370840">
+                <a:tc>
+                  <a:txBody>
+                    <a:bodyPr/>
+                    <a:lstStyle/>
+                    <a:p>
+                      <a:pPr algn="ctr"/>
+                      <a:r>
+                        <a:rPr lang="de-CH" dirty="0"/>
+                        <a:t>1</a:t>
+                      </a:r>
+                    </a:p>
+                  </a:txBody>
+                  <a:tcPr/>
+                </a:tc>
+                <a:tc>
+                  <a:txBody>
+                    <a:bodyPr/>
+                    <a:lstStyle/>
+                    <a:p>
+                      <a:pPr algn="ctr"/>
+                      <a:r>
+                        <a:rPr lang="de-CH" dirty="0"/>
+                        <a:t>0</a:t>
+                      </a:r>
+                    </a:p>
+                  </a:txBody>
+                  <a:tcPr/>
+                </a:tc>
+                <a:tc>
+                  <a:txBody>
+                    <a:bodyPr/>
+                    <a:lstStyle/>
+                    <a:p>
+                      <a:pPr marL="0" algn="ctr" defTabSz="914400" rtl="0" eaLnBrk="1" latinLnBrk="0" hangingPunct="1"/>
+                      <a:r>
+                        <a:rPr lang="de-CH" sz="1800" b="1" kern="1200" dirty="0">
+                          <a:solidFill>
+                            <a:schemeClr val="dk1"/>
+                          </a:solidFill>
+                          <a:latin typeface="+mn-lt"/>
+                          <a:ea typeface="+mn-ea"/>
+                          <a:cs typeface="+mn-cs"/>
+                        </a:rPr>
+                        <a:t>1</a:t>
+                      </a:r>
+                    </a:p>
+                  </a:txBody>
+                  <a:tcPr/>
+                </a:tc>
+                <a:extLst>
+                  <a:ext uri="{0D108BD9-81ED-4DB2-BD59-A6C34878D82A}">
+                    <a16:rowId xmlns:a16="http://schemas.microsoft.com/office/drawing/2014/main" val="2474362546"/>
+                  </a:ext>
+                </a:extLst>
+              </a:tr>
+              <a:tr h="370840">
+                <a:tc>
+                  <a:txBody>
+                    <a:bodyPr/>
+                    <a:lstStyle/>
+                    <a:p>
+                      <a:pPr algn="ctr"/>
+                      <a:r>
+                        <a:rPr lang="de-CH" dirty="0"/>
+                        <a:t>1</a:t>
+                      </a:r>
+                    </a:p>
+                  </a:txBody>
+                  <a:tcPr/>
+                </a:tc>
+                <a:tc>
+                  <a:txBody>
+                    <a:bodyPr/>
+                    <a:lstStyle/>
+                    <a:p>
+                      <a:pPr algn="ctr"/>
+                      <a:r>
+                        <a:rPr lang="de-CH" dirty="0"/>
+                        <a:t>1</a:t>
+                      </a:r>
+                    </a:p>
+                  </a:txBody>
+                  <a:tcPr/>
+                </a:tc>
+                <a:tc>
+                  <a:txBody>
+                    <a:bodyPr/>
+                    <a:lstStyle/>
+                    <a:p>
+                      <a:pPr marL="0" algn="ctr" defTabSz="914400" rtl="0" eaLnBrk="1" latinLnBrk="0" hangingPunct="1"/>
+                      <a:r>
+                        <a:rPr lang="de-CH" sz="1800" b="1" kern="1200" dirty="0">
+                          <a:solidFill>
+                            <a:schemeClr val="dk1"/>
+                          </a:solidFill>
+                          <a:latin typeface="+mn-lt"/>
+                          <a:ea typeface="+mn-ea"/>
+                          <a:cs typeface="+mn-cs"/>
+                        </a:rPr>
+                        <a:t>1</a:t>
+                      </a:r>
+                    </a:p>
+                  </a:txBody>
+                  <a:tcPr/>
+                </a:tc>
+                <a:extLst>
+                  <a:ext uri="{0D108BD9-81ED-4DB2-BD59-A6C34878D82A}">
+                    <a16:rowId xmlns:a16="http://schemas.microsoft.com/office/drawing/2014/main" val="3492551129"/>
+                  </a:ext>
+                </a:extLst>
+              </a:tr>
+            </a:tbl>
+          </a:graphicData>
+        </a:graphic>
+      </p:graphicFrame>
+      <p:graphicFrame>
+        <p:nvGraphicFramePr>
+          <p:cNvPr id="9" name="Tabelle 8">
+            <a:extLst>
+              <a:ext uri="{FF2B5EF4-FFF2-40B4-BE49-F238E27FC236}">
+                <a16:creationId xmlns:a16="http://schemas.microsoft.com/office/drawing/2014/main" id="{4328D762-1BC2-4319-9452-6B68E1A3A249}"/>
+              </a:ext>
+            </a:extLst>
+          </p:cNvPr>
+          <p:cNvGraphicFramePr>
+            <a:graphicFrameLocks noGrp="1"/>
+          </p:cNvGraphicFramePr>
+          <p:nvPr>
+            <p:extLst>
+              <p:ext uri="{D42A27DB-BD31-4B8C-83A1-F6EECF244321}">
+                <p14:modId xmlns:p14="http://schemas.microsoft.com/office/powerpoint/2010/main" val="1268666093"/>
+              </p:ext>
+            </p:extLst>
+          </p:nvPr>
+        </p:nvGraphicFramePr>
+        <p:xfrm>
+          <a:off x="956828" y="3577281"/>
+          <a:ext cx="2107920" cy="1854200"/>
+        </p:xfrm>
+        <a:graphic>
+          <a:graphicData uri="http://schemas.openxmlformats.org/drawingml/2006/table">
+            <a:tbl>
+              <a:tblPr firstRow="1" bandRow="1">
+                <a:tableStyleId>{00A15C55-8517-42AA-B614-E9B94910E393}</a:tableStyleId>
+              </a:tblPr>
+              <a:tblGrid>
+                <a:gridCol w="702640">
+                  <a:extLst>
+                    <a:ext uri="{9D8B030D-6E8A-4147-A177-3AD203B41FA5}">
+                      <a16:colId xmlns:a16="http://schemas.microsoft.com/office/drawing/2014/main" val="2726098951"/>
+                    </a:ext>
+                  </a:extLst>
+                </a:gridCol>
+                <a:gridCol w="702640">
+                  <a:extLst>
+                    <a:ext uri="{9D8B030D-6E8A-4147-A177-3AD203B41FA5}">
+                      <a16:colId xmlns:a16="http://schemas.microsoft.com/office/drawing/2014/main" val="2091333891"/>
+                    </a:ext>
+                  </a:extLst>
+                </a:gridCol>
+                <a:gridCol w="702640">
+                  <a:extLst>
+                    <a:ext uri="{9D8B030D-6E8A-4147-A177-3AD203B41FA5}">
+                      <a16:colId xmlns:a16="http://schemas.microsoft.com/office/drawing/2014/main" val="1532233337"/>
+                    </a:ext>
+                  </a:extLst>
+                </a:gridCol>
+              </a:tblGrid>
+              <a:tr h="370840">
+                <a:tc>
+                  <a:txBody>
+                    <a:bodyPr/>
+                    <a:lstStyle/>
+                    <a:p>
+                      <a:pPr algn="ctr"/>
+                      <a:r>
+                        <a:rPr lang="de-CH" dirty="0"/>
+                        <a:t>A</a:t>
+                      </a:r>
+                    </a:p>
+                  </a:txBody>
+                  <a:tcPr/>
+                </a:tc>
+                <a:tc>
+                  <a:txBody>
+                    <a:bodyPr/>
+                    <a:lstStyle/>
+                    <a:p>
+                      <a:pPr algn="ctr"/>
+                      <a:r>
+                        <a:rPr lang="de-CH" dirty="0"/>
+                        <a:t>B</a:t>
+                      </a:r>
+                    </a:p>
+                  </a:txBody>
+                  <a:tcPr/>
+                </a:tc>
+                <a:tc>
+                  <a:txBody>
+                    <a:bodyPr/>
+                    <a:lstStyle/>
+                    <a:p>
+                      <a:pPr algn="ctr"/>
+                      <a:r>
+                        <a:rPr lang="de-CH" dirty="0"/>
+                        <a:t>X</a:t>
+                      </a:r>
+                    </a:p>
+                  </a:txBody>
+                  <a:tcPr/>
+                </a:tc>
+                <a:extLst>
+                  <a:ext uri="{0D108BD9-81ED-4DB2-BD59-A6C34878D82A}">
+                    <a16:rowId xmlns:a16="http://schemas.microsoft.com/office/drawing/2014/main" val="3102546685"/>
+                  </a:ext>
+                </a:extLst>
+              </a:tr>
+              <a:tr h="370840">
+                <a:tc>
+                  <a:txBody>
+                    <a:bodyPr/>
+                    <a:lstStyle/>
+                    <a:p>
+                      <a:pPr algn="ctr"/>
+                      <a:r>
+                        <a:rPr lang="de-CH" dirty="0"/>
+                        <a:t>0</a:t>
+                      </a:r>
+                    </a:p>
+                  </a:txBody>
+                  <a:tcPr/>
+                </a:tc>
+                <a:tc>
+                  <a:txBody>
+                    <a:bodyPr/>
+                    <a:lstStyle/>
+                    <a:p>
+                      <a:pPr algn="ctr"/>
+                      <a:r>
+                        <a:rPr lang="de-CH" dirty="0"/>
+                        <a:t>0</a:t>
+                      </a:r>
+                    </a:p>
+                  </a:txBody>
+                  <a:tcPr/>
+                </a:tc>
+                <a:tc>
+                  <a:txBody>
+                    <a:bodyPr/>
+                    <a:lstStyle/>
+                    <a:p>
+                      <a:pPr marL="0" algn="ctr" defTabSz="914400" rtl="0" eaLnBrk="1" latinLnBrk="0" hangingPunct="1"/>
+                      <a:r>
+                        <a:rPr lang="de-CH" sz="1800" b="1" kern="1200" dirty="0">
+                          <a:solidFill>
+                            <a:schemeClr val="dk1"/>
+                          </a:solidFill>
+                          <a:latin typeface="+mn-lt"/>
+                          <a:ea typeface="+mn-ea"/>
+                          <a:cs typeface="+mn-cs"/>
+                        </a:rPr>
+                        <a:t>1</a:t>
+                      </a:r>
+                    </a:p>
+                  </a:txBody>
+                  <a:tcPr/>
+                </a:tc>
+                <a:extLst>
+                  <a:ext uri="{0D108BD9-81ED-4DB2-BD59-A6C34878D82A}">
+                    <a16:rowId xmlns:a16="http://schemas.microsoft.com/office/drawing/2014/main" val="2537323295"/>
+                  </a:ext>
+                </a:extLst>
+              </a:tr>
+              <a:tr h="370840">
+                <a:tc>
+                  <a:txBody>
+                    <a:bodyPr/>
+                    <a:lstStyle/>
+                    <a:p>
+                      <a:pPr algn="ctr"/>
+                      <a:r>
+                        <a:rPr lang="de-CH" dirty="0"/>
+                        <a:t>0</a:t>
+                      </a:r>
+                    </a:p>
+                  </a:txBody>
+                  <a:tcPr/>
+                </a:tc>
+                <a:tc>
+                  <a:txBody>
+                    <a:bodyPr/>
+                    <a:lstStyle/>
+                    <a:p>
+                      <a:pPr algn="ctr"/>
+                      <a:r>
+                        <a:rPr lang="de-CH" dirty="0"/>
+                        <a:t>1</a:t>
+                      </a:r>
+                    </a:p>
+                  </a:txBody>
+                  <a:tcPr/>
+                </a:tc>
+                <a:tc>
+                  <a:txBody>
+                    <a:bodyPr/>
+                    <a:lstStyle/>
+                    <a:p>
+                      <a:pPr marL="0" algn="ctr" defTabSz="914400" rtl="0" eaLnBrk="1" latinLnBrk="0" hangingPunct="1"/>
+                      <a:r>
+                        <a:rPr lang="de-CH" sz="1800" b="1" kern="1200" dirty="0">
+                          <a:solidFill>
+                            <a:schemeClr val="dk1"/>
+                          </a:solidFill>
+                          <a:latin typeface="+mn-lt"/>
+                          <a:ea typeface="+mn-ea"/>
+                          <a:cs typeface="+mn-cs"/>
+                        </a:rPr>
+                        <a:t>1</a:t>
+                      </a:r>
+                    </a:p>
+                  </a:txBody>
+                  <a:tcPr/>
+                </a:tc>
+                <a:extLst>
+                  <a:ext uri="{0D108BD9-81ED-4DB2-BD59-A6C34878D82A}">
+                    <a16:rowId xmlns:a16="http://schemas.microsoft.com/office/drawing/2014/main" val="2098168674"/>
+                  </a:ext>
+                </a:extLst>
+              </a:tr>
+              <a:tr h="370840">
+                <a:tc>
+                  <a:txBody>
+                    <a:bodyPr/>
+                    <a:lstStyle/>
+                    <a:p>
+                      <a:pPr algn="ctr"/>
+                      <a:r>
+                        <a:rPr lang="de-CH" dirty="0"/>
+                        <a:t>1</a:t>
+                      </a:r>
+                    </a:p>
+                  </a:txBody>
+                  <a:tcPr/>
+                </a:tc>
+                <a:tc>
+                  <a:txBody>
+                    <a:bodyPr/>
+                    <a:lstStyle/>
+                    <a:p>
+                      <a:pPr algn="ctr"/>
+                      <a:r>
+                        <a:rPr lang="de-CH" dirty="0"/>
+                        <a:t>0</a:t>
+                      </a:r>
+                    </a:p>
+                  </a:txBody>
+                  <a:tcPr/>
+                </a:tc>
+                <a:tc>
+                  <a:txBody>
+                    <a:bodyPr/>
+                    <a:lstStyle/>
+                    <a:p>
+                      <a:pPr marL="0" algn="ctr" defTabSz="914400" rtl="0" eaLnBrk="1" latinLnBrk="0" hangingPunct="1"/>
+                      <a:r>
+                        <a:rPr lang="de-CH" sz="1800" b="1" kern="1200" dirty="0">
+                          <a:solidFill>
+                            <a:schemeClr val="dk1"/>
+                          </a:solidFill>
+                          <a:latin typeface="+mn-lt"/>
+                          <a:ea typeface="+mn-ea"/>
+                          <a:cs typeface="+mn-cs"/>
+                        </a:rPr>
+                        <a:t>1</a:t>
+                      </a:r>
+                    </a:p>
+                  </a:txBody>
+                  <a:tcPr/>
+                </a:tc>
+                <a:extLst>
+                  <a:ext uri="{0D108BD9-81ED-4DB2-BD59-A6C34878D82A}">
+                    <a16:rowId xmlns:a16="http://schemas.microsoft.com/office/drawing/2014/main" val="2474362546"/>
+                  </a:ext>
+                </a:extLst>
+              </a:tr>
+              <a:tr h="370840">
+                <a:tc>
+                  <a:txBody>
+                    <a:bodyPr/>
+                    <a:lstStyle/>
+                    <a:p>
+                      <a:pPr algn="ctr"/>
+                      <a:r>
+                        <a:rPr lang="de-CH" dirty="0"/>
+                        <a:t>1</a:t>
+                      </a:r>
+                    </a:p>
+                  </a:txBody>
+                  <a:tcPr/>
+                </a:tc>
+                <a:tc>
+                  <a:txBody>
+                    <a:bodyPr/>
+                    <a:lstStyle/>
+                    <a:p>
+                      <a:pPr algn="ctr"/>
+                      <a:r>
+                        <a:rPr lang="de-CH" dirty="0"/>
+                        <a:t>1</a:t>
+                      </a:r>
+                    </a:p>
+                  </a:txBody>
+                  <a:tcPr/>
+                </a:tc>
+                <a:tc>
+                  <a:txBody>
+                    <a:bodyPr/>
+                    <a:lstStyle/>
+                    <a:p>
+                      <a:pPr marL="0" algn="ctr" defTabSz="914400" rtl="0" eaLnBrk="1" latinLnBrk="0" hangingPunct="1"/>
+                      <a:r>
+                        <a:rPr lang="de-CH" sz="1800" b="1" kern="1200" dirty="0">
+                          <a:solidFill>
+                            <a:schemeClr val="dk1"/>
+                          </a:solidFill>
+                          <a:latin typeface="+mn-lt"/>
+                          <a:ea typeface="+mn-ea"/>
+                          <a:cs typeface="+mn-cs"/>
+                        </a:rPr>
+                        <a:t>0</a:t>
+                      </a:r>
+                    </a:p>
+                  </a:txBody>
+                  <a:tcPr/>
+                </a:tc>
+                <a:extLst>
+                  <a:ext uri="{0D108BD9-81ED-4DB2-BD59-A6C34878D82A}">
+                    <a16:rowId xmlns:a16="http://schemas.microsoft.com/office/drawing/2014/main" val="3492551129"/>
+                  </a:ext>
+                </a:extLst>
+              </a:tr>
+            </a:tbl>
+          </a:graphicData>
+        </a:graphic>
+      </p:graphicFrame>
+      <p:graphicFrame>
+        <p:nvGraphicFramePr>
+          <p:cNvPr id="10" name="Tabelle 9">
+            <a:extLst>
+              <a:ext uri="{FF2B5EF4-FFF2-40B4-BE49-F238E27FC236}">
+                <a16:creationId xmlns:a16="http://schemas.microsoft.com/office/drawing/2014/main" id="{B87D6331-AA48-41B6-8D54-6E55D892633B}"/>
+              </a:ext>
+            </a:extLst>
+          </p:cNvPr>
+          <p:cNvGraphicFramePr>
+            <a:graphicFrameLocks noGrp="1"/>
+          </p:cNvGraphicFramePr>
+          <p:nvPr>
+            <p:extLst>
+              <p:ext uri="{D42A27DB-BD31-4B8C-83A1-F6EECF244321}">
+                <p14:modId xmlns:p14="http://schemas.microsoft.com/office/powerpoint/2010/main" val="2091273786"/>
+              </p:ext>
+            </p:extLst>
+          </p:nvPr>
+        </p:nvGraphicFramePr>
+        <p:xfrm>
+          <a:off x="3719845" y="3577281"/>
+          <a:ext cx="2107920" cy="1854200"/>
+        </p:xfrm>
+        <a:graphic>
+          <a:graphicData uri="http://schemas.openxmlformats.org/drawingml/2006/table">
+            <a:tbl>
+              <a:tblPr firstRow="1" bandRow="1">
+                <a:tableStyleId>{00A15C55-8517-42AA-B614-E9B94910E393}</a:tableStyleId>
+              </a:tblPr>
+              <a:tblGrid>
+                <a:gridCol w="702640">
+                  <a:extLst>
+                    <a:ext uri="{9D8B030D-6E8A-4147-A177-3AD203B41FA5}">
+                      <a16:colId xmlns:a16="http://schemas.microsoft.com/office/drawing/2014/main" val="2726098951"/>
+                    </a:ext>
+                  </a:extLst>
+                </a:gridCol>
+                <a:gridCol w="702640">
+                  <a:extLst>
+                    <a:ext uri="{9D8B030D-6E8A-4147-A177-3AD203B41FA5}">
+                      <a16:colId xmlns:a16="http://schemas.microsoft.com/office/drawing/2014/main" val="2091333891"/>
+                    </a:ext>
+                  </a:extLst>
+                </a:gridCol>
+                <a:gridCol w="702640">
+                  <a:extLst>
+                    <a:ext uri="{9D8B030D-6E8A-4147-A177-3AD203B41FA5}">
+                      <a16:colId xmlns:a16="http://schemas.microsoft.com/office/drawing/2014/main" val="1532233337"/>
+                    </a:ext>
+                  </a:extLst>
+                </a:gridCol>
+              </a:tblGrid>
+              <a:tr h="370840">
+                <a:tc>
+                  <a:txBody>
+                    <a:bodyPr/>
+                    <a:lstStyle/>
+                    <a:p>
+                      <a:pPr algn="ctr"/>
+                      <a:r>
+                        <a:rPr lang="de-CH" dirty="0"/>
+                        <a:t>A</a:t>
+                      </a:r>
+                    </a:p>
+                  </a:txBody>
+                  <a:tcPr/>
+                </a:tc>
+                <a:tc>
+                  <a:txBody>
+                    <a:bodyPr/>
+                    <a:lstStyle/>
+                    <a:p>
+                      <a:pPr algn="ctr"/>
+                      <a:r>
+                        <a:rPr lang="de-CH" dirty="0"/>
+                        <a:t>B</a:t>
+                      </a:r>
+                    </a:p>
+                  </a:txBody>
+                  <a:tcPr/>
+                </a:tc>
+                <a:tc>
+                  <a:txBody>
+                    <a:bodyPr/>
+                    <a:lstStyle/>
+                    <a:p>
+                      <a:pPr algn="ctr"/>
+                      <a:r>
+                        <a:rPr lang="de-CH" dirty="0"/>
+                        <a:t>X</a:t>
+                      </a:r>
+                    </a:p>
+                  </a:txBody>
+                  <a:tcPr/>
+                </a:tc>
+                <a:extLst>
+                  <a:ext uri="{0D108BD9-81ED-4DB2-BD59-A6C34878D82A}">
+                    <a16:rowId xmlns:a16="http://schemas.microsoft.com/office/drawing/2014/main" val="3102546685"/>
+                  </a:ext>
+                </a:extLst>
+              </a:tr>
+              <a:tr h="370840">
+                <a:tc>
+                  <a:txBody>
+                    <a:bodyPr/>
+                    <a:lstStyle/>
+                    <a:p>
+                      <a:pPr algn="ctr"/>
+                      <a:r>
+                        <a:rPr lang="de-CH" dirty="0"/>
+                        <a:t>0</a:t>
+                      </a:r>
+                    </a:p>
+                  </a:txBody>
+                  <a:tcPr/>
+                </a:tc>
+                <a:tc>
+                  <a:txBody>
+                    <a:bodyPr/>
+                    <a:lstStyle/>
+                    <a:p>
+                      <a:pPr algn="ctr"/>
+                      <a:r>
+                        <a:rPr lang="de-CH" dirty="0"/>
+                        <a:t>0</a:t>
+                      </a:r>
+                    </a:p>
+                  </a:txBody>
+                  <a:tcPr/>
+                </a:tc>
+                <a:tc>
+                  <a:txBody>
+                    <a:bodyPr/>
+                    <a:lstStyle/>
+                    <a:p>
+                      <a:pPr marL="0" algn="ctr" defTabSz="914400" rtl="0" eaLnBrk="1" latinLnBrk="0" hangingPunct="1"/>
+                      <a:r>
+                        <a:rPr lang="de-CH" sz="1800" b="1" kern="1200" dirty="0">
+                          <a:solidFill>
+                            <a:schemeClr val="dk1"/>
+                          </a:solidFill>
+                          <a:latin typeface="+mn-lt"/>
+                          <a:ea typeface="+mn-ea"/>
+                          <a:cs typeface="+mn-cs"/>
+                        </a:rPr>
+                        <a:t>1</a:t>
+                      </a:r>
+                    </a:p>
+                  </a:txBody>
+                  <a:tcPr/>
+                </a:tc>
+                <a:extLst>
+                  <a:ext uri="{0D108BD9-81ED-4DB2-BD59-A6C34878D82A}">
+                    <a16:rowId xmlns:a16="http://schemas.microsoft.com/office/drawing/2014/main" val="2537323295"/>
+                  </a:ext>
+                </a:extLst>
+              </a:tr>
+              <a:tr h="370840">
+                <a:tc>
+                  <a:txBody>
+                    <a:bodyPr/>
+                    <a:lstStyle/>
+                    <a:p>
+                      <a:pPr algn="ctr"/>
+                      <a:r>
+                        <a:rPr lang="de-CH" dirty="0"/>
+                        <a:t>0</a:t>
+                      </a:r>
+                    </a:p>
+                  </a:txBody>
+                  <a:tcPr/>
+                </a:tc>
+                <a:tc>
+                  <a:txBody>
+                    <a:bodyPr/>
+                    <a:lstStyle/>
+                    <a:p>
+                      <a:pPr algn="ctr"/>
+                      <a:r>
+                        <a:rPr lang="de-CH" dirty="0"/>
+                        <a:t>1</a:t>
+                      </a:r>
+                    </a:p>
+                  </a:txBody>
+                  <a:tcPr/>
+                </a:tc>
+                <a:tc>
+                  <a:txBody>
+                    <a:bodyPr/>
+                    <a:lstStyle/>
+                    <a:p>
+                      <a:pPr marL="0" algn="ctr" defTabSz="914400" rtl="0" eaLnBrk="1" latinLnBrk="0" hangingPunct="1"/>
+                      <a:r>
+                        <a:rPr lang="de-CH" sz="1800" b="1" kern="1200" dirty="0">
+                          <a:solidFill>
+                            <a:schemeClr val="dk1"/>
+                          </a:solidFill>
+                          <a:latin typeface="+mn-lt"/>
+                          <a:ea typeface="+mn-ea"/>
+                          <a:cs typeface="+mn-cs"/>
+                        </a:rPr>
+                        <a:t>0</a:t>
+                      </a:r>
+                    </a:p>
+                  </a:txBody>
+                  <a:tcPr/>
+                </a:tc>
+                <a:extLst>
+                  <a:ext uri="{0D108BD9-81ED-4DB2-BD59-A6C34878D82A}">
+                    <a16:rowId xmlns:a16="http://schemas.microsoft.com/office/drawing/2014/main" val="2098168674"/>
+                  </a:ext>
+                </a:extLst>
+              </a:tr>
+              <a:tr h="370840">
+                <a:tc>
+                  <a:txBody>
+                    <a:bodyPr/>
+                    <a:lstStyle/>
+                    <a:p>
+                      <a:pPr algn="ctr"/>
+                      <a:r>
+                        <a:rPr lang="de-CH" dirty="0"/>
+                        <a:t>1</a:t>
+                      </a:r>
+                    </a:p>
+                  </a:txBody>
+                  <a:tcPr/>
+                </a:tc>
+                <a:tc>
+                  <a:txBody>
+                    <a:bodyPr/>
+                    <a:lstStyle/>
+                    <a:p>
+                      <a:pPr algn="ctr"/>
+                      <a:r>
+                        <a:rPr lang="de-CH" dirty="0"/>
+                        <a:t>0</a:t>
+                      </a:r>
+                    </a:p>
+                  </a:txBody>
+                  <a:tcPr/>
+                </a:tc>
+                <a:tc>
+                  <a:txBody>
+                    <a:bodyPr/>
+                    <a:lstStyle/>
+                    <a:p>
+                      <a:pPr marL="0" algn="ctr" defTabSz="914400" rtl="0" eaLnBrk="1" latinLnBrk="0" hangingPunct="1"/>
+                      <a:r>
+                        <a:rPr lang="de-CH" sz="1800" b="1" kern="1200" dirty="0">
+                          <a:solidFill>
+                            <a:schemeClr val="dk1"/>
+                          </a:solidFill>
+                          <a:latin typeface="+mn-lt"/>
+                          <a:ea typeface="+mn-ea"/>
+                          <a:cs typeface="+mn-cs"/>
+                        </a:rPr>
+                        <a:t>0</a:t>
+                      </a:r>
+                    </a:p>
+                  </a:txBody>
+                  <a:tcPr/>
+                </a:tc>
+                <a:extLst>
+                  <a:ext uri="{0D108BD9-81ED-4DB2-BD59-A6C34878D82A}">
+                    <a16:rowId xmlns:a16="http://schemas.microsoft.com/office/drawing/2014/main" val="2474362546"/>
+                  </a:ext>
+                </a:extLst>
+              </a:tr>
+              <a:tr h="370840">
+                <a:tc>
+                  <a:txBody>
+                    <a:bodyPr/>
+                    <a:lstStyle/>
+                    <a:p>
+                      <a:pPr algn="ctr"/>
+                      <a:r>
+                        <a:rPr lang="de-CH" dirty="0"/>
+                        <a:t>1</a:t>
+                      </a:r>
+                    </a:p>
+                  </a:txBody>
+                  <a:tcPr/>
+                </a:tc>
+                <a:tc>
+                  <a:txBody>
+                    <a:bodyPr/>
+                    <a:lstStyle/>
+                    <a:p>
+                      <a:pPr algn="ctr"/>
+                      <a:r>
+                        <a:rPr lang="de-CH" dirty="0"/>
+                        <a:t>1</a:t>
+                      </a:r>
+                    </a:p>
+                  </a:txBody>
+                  <a:tcPr/>
+                </a:tc>
+                <a:tc>
+                  <a:txBody>
+                    <a:bodyPr/>
+                    <a:lstStyle/>
+                    <a:p>
+                      <a:pPr marL="0" algn="ctr" defTabSz="914400" rtl="0" eaLnBrk="1" latinLnBrk="0" hangingPunct="1"/>
+                      <a:r>
+                        <a:rPr lang="de-CH" sz="1800" b="1" kern="1200" dirty="0">
+                          <a:solidFill>
+                            <a:schemeClr val="dk1"/>
+                          </a:solidFill>
+                          <a:latin typeface="+mn-lt"/>
+                          <a:ea typeface="+mn-ea"/>
+                          <a:cs typeface="+mn-cs"/>
+                        </a:rPr>
+                        <a:t>0</a:t>
+                      </a:r>
+                    </a:p>
+                  </a:txBody>
+                  <a:tcPr/>
+                </a:tc>
+                <a:extLst>
+                  <a:ext uri="{0D108BD9-81ED-4DB2-BD59-A6C34878D82A}">
+                    <a16:rowId xmlns:a16="http://schemas.microsoft.com/office/drawing/2014/main" val="3492551129"/>
+                  </a:ext>
+                </a:extLst>
+              </a:tr>
+            </a:tbl>
+          </a:graphicData>
+        </a:graphic>
+      </p:graphicFrame>
+      <p:graphicFrame>
+        <p:nvGraphicFramePr>
+          <p:cNvPr id="11" name="Tabelle 10">
+            <a:extLst>
+              <a:ext uri="{FF2B5EF4-FFF2-40B4-BE49-F238E27FC236}">
+                <a16:creationId xmlns:a16="http://schemas.microsoft.com/office/drawing/2014/main" id="{43D2E383-FA10-4A66-8E40-997ECC0DE7ED}"/>
+              </a:ext>
+            </a:extLst>
+          </p:cNvPr>
+          <p:cNvGraphicFramePr>
+            <a:graphicFrameLocks noGrp="1"/>
+          </p:cNvGraphicFramePr>
+          <p:nvPr>
+            <p:extLst>
+              <p:ext uri="{D42A27DB-BD31-4B8C-83A1-F6EECF244321}">
+                <p14:modId xmlns:p14="http://schemas.microsoft.com/office/powerpoint/2010/main" val="609637882"/>
+              </p:ext>
+            </p:extLst>
+          </p:nvPr>
+        </p:nvGraphicFramePr>
+        <p:xfrm>
+          <a:off x="6482862" y="3577281"/>
+          <a:ext cx="2107920" cy="1854200"/>
+        </p:xfrm>
+        <a:graphic>
+          <a:graphicData uri="http://schemas.openxmlformats.org/drawingml/2006/table">
+            <a:tbl>
+              <a:tblPr firstRow="1" bandRow="1">
+                <a:tableStyleId>{00A15C55-8517-42AA-B614-E9B94910E393}</a:tableStyleId>
+              </a:tblPr>
+              <a:tblGrid>
+                <a:gridCol w="702640">
+                  <a:extLst>
+                    <a:ext uri="{9D8B030D-6E8A-4147-A177-3AD203B41FA5}">
+                      <a16:colId xmlns:a16="http://schemas.microsoft.com/office/drawing/2014/main" val="2726098951"/>
+                    </a:ext>
+                  </a:extLst>
+                </a:gridCol>
+                <a:gridCol w="702640">
+                  <a:extLst>
+                    <a:ext uri="{9D8B030D-6E8A-4147-A177-3AD203B41FA5}">
+                      <a16:colId xmlns:a16="http://schemas.microsoft.com/office/drawing/2014/main" val="2091333891"/>
+                    </a:ext>
+                  </a:extLst>
+                </a:gridCol>
+                <a:gridCol w="702640">
+                  <a:extLst>
+                    <a:ext uri="{9D8B030D-6E8A-4147-A177-3AD203B41FA5}">
+                      <a16:colId xmlns:a16="http://schemas.microsoft.com/office/drawing/2014/main" val="1532233337"/>
+                    </a:ext>
+                  </a:extLst>
+                </a:gridCol>
+              </a:tblGrid>
+              <a:tr h="370840">
+                <a:tc>
+                  <a:txBody>
+                    <a:bodyPr/>
+                    <a:lstStyle/>
+                    <a:p>
+                      <a:pPr algn="ctr"/>
+                      <a:r>
+                        <a:rPr lang="de-CH" dirty="0"/>
+                        <a:t>A</a:t>
+                      </a:r>
+                    </a:p>
+                  </a:txBody>
+                  <a:tcPr/>
+                </a:tc>
+                <a:tc>
+                  <a:txBody>
+                    <a:bodyPr/>
+                    <a:lstStyle/>
+                    <a:p>
+                      <a:pPr algn="ctr"/>
+                      <a:r>
+                        <a:rPr lang="de-CH" dirty="0"/>
+                        <a:t>B</a:t>
+                      </a:r>
+                    </a:p>
+                  </a:txBody>
+                  <a:tcPr/>
+                </a:tc>
+                <a:tc>
+                  <a:txBody>
+                    <a:bodyPr/>
+                    <a:lstStyle/>
+                    <a:p>
+                      <a:pPr algn="ctr"/>
+                      <a:r>
+                        <a:rPr lang="de-CH" dirty="0"/>
+                        <a:t>X</a:t>
+                      </a:r>
+                    </a:p>
+                  </a:txBody>
+                  <a:tcPr/>
+                </a:tc>
+                <a:extLst>
+                  <a:ext uri="{0D108BD9-81ED-4DB2-BD59-A6C34878D82A}">
+                    <a16:rowId xmlns:a16="http://schemas.microsoft.com/office/drawing/2014/main" val="3102546685"/>
+                  </a:ext>
+                </a:extLst>
+              </a:tr>
+              <a:tr h="370840">
+                <a:tc>
+                  <a:txBody>
+                    <a:bodyPr/>
+                    <a:lstStyle/>
+                    <a:p>
+                      <a:pPr algn="ctr"/>
+                      <a:r>
+                        <a:rPr lang="de-CH" dirty="0"/>
+                        <a:t>0</a:t>
+                      </a:r>
+                    </a:p>
+                  </a:txBody>
+                  <a:tcPr/>
+                </a:tc>
+                <a:tc>
+                  <a:txBody>
+                    <a:bodyPr/>
+                    <a:lstStyle/>
+                    <a:p>
+                      <a:pPr algn="ctr"/>
+                      <a:r>
+                        <a:rPr lang="de-CH" dirty="0"/>
+                        <a:t>0</a:t>
+                      </a:r>
+                    </a:p>
+                  </a:txBody>
+                  <a:tcPr/>
+                </a:tc>
+                <a:tc>
+                  <a:txBody>
+                    <a:bodyPr/>
+                    <a:lstStyle/>
+                    <a:p>
+                      <a:pPr marL="0" algn="ctr" defTabSz="914400" rtl="0" eaLnBrk="1" latinLnBrk="0" hangingPunct="1"/>
+                      <a:r>
+                        <a:rPr lang="de-CH" sz="1800" b="1" kern="1200" dirty="0">
+                          <a:solidFill>
+                            <a:schemeClr val="dk1"/>
+                          </a:solidFill>
+                          <a:latin typeface="+mn-lt"/>
+                          <a:ea typeface="+mn-ea"/>
+                          <a:cs typeface="+mn-cs"/>
+                        </a:rPr>
+                        <a:t>1</a:t>
+                      </a:r>
+                    </a:p>
+                  </a:txBody>
+                  <a:tcPr/>
+                </a:tc>
+                <a:extLst>
+                  <a:ext uri="{0D108BD9-81ED-4DB2-BD59-A6C34878D82A}">
+                    <a16:rowId xmlns:a16="http://schemas.microsoft.com/office/drawing/2014/main" val="2537323295"/>
+                  </a:ext>
+                </a:extLst>
+              </a:tr>
+              <a:tr h="370840">
+                <a:tc>
+                  <a:txBody>
+                    <a:bodyPr/>
+                    <a:lstStyle/>
+                    <a:p>
+                      <a:pPr algn="ctr"/>
+                      <a:r>
+                        <a:rPr lang="de-CH" dirty="0"/>
+                        <a:t>0</a:t>
+                      </a:r>
+                    </a:p>
+                  </a:txBody>
+                  <a:tcPr/>
+                </a:tc>
+                <a:tc>
+                  <a:txBody>
+                    <a:bodyPr/>
+                    <a:lstStyle/>
+                    <a:p>
+                      <a:pPr algn="ctr"/>
+                      <a:r>
+                        <a:rPr lang="de-CH" dirty="0"/>
+                        <a:t>1</a:t>
+                      </a:r>
+                    </a:p>
+                  </a:txBody>
+                  <a:tcPr/>
+                </a:tc>
+                <a:tc>
+                  <a:txBody>
+                    <a:bodyPr/>
+                    <a:lstStyle/>
+                    <a:p>
+                      <a:pPr marL="0" algn="ctr" defTabSz="914400" rtl="0" eaLnBrk="1" latinLnBrk="0" hangingPunct="1"/>
+                      <a:r>
+                        <a:rPr lang="de-CH" sz="1800" b="1" kern="1200" dirty="0">
+                          <a:solidFill>
+                            <a:schemeClr val="dk1"/>
+                          </a:solidFill>
+                          <a:latin typeface="+mn-lt"/>
+                          <a:ea typeface="+mn-ea"/>
+                          <a:cs typeface="+mn-cs"/>
+                        </a:rPr>
+                        <a:t>0</a:t>
+                      </a:r>
+                    </a:p>
+                  </a:txBody>
+                  <a:tcPr/>
+                </a:tc>
+                <a:extLst>
+                  <a:ext uri="{0D108BD9-81ED-4DB2-BD59-A6C34878D82A}">
+                    <a16:rowId xmlns:a16="http://schemas.microsoft.com/office/drawing/2014/main" val="2098168674"/>
+                  </a:ext>
+                </a:extLst>
+              </a:tr>
+              <a:tr h="370840">
+                <a:tc>
+                  <a:txBody>
+                    <a:bodyPr/>
+                    <a:lstStyle/>
+                    <a:p>
+                      <a:pPr algn="ctr"/>
+                      <a:r>
+                        <a:rPr lang="de-CH" dirty="0"/>
+                        <a:t>1</a:t>
+                      </a:r>
+                    </a:p>
+                  </a:txBody>
+                  <a:tcPr/>
+                </a:tc>
+                <a:tc>
+                  <a:txBody>
+                    <a:bodyPr/>
+                    <a:lstStyle/>
+                    <a:p>
+                      <a:pPr algn="ctr"/>
+                      <a:r>
+                        <a:rPr lang="de-CH" dirty="0"/>
+                        <a:t>0</a:t>
+                      </a:r>
+                    </a:p>
+                  </a:txBody>
+                  <a:tcPr/>
+                </a:tc>
+                <a:tc>
+                  <a:txBody>
+                    <a:bodyPr/>
+                    <a:lstStyle/>
+                    <a:p>
+                      <a:pPr marL="0" algn="ctr" defTabSz="914400" rtl="0" eaLnBrk="1" latinLnBrk="0" hangingPunct="1"/>
+                      <a:r>
+                        <a:rPr lang="de-CH" sz="1800" b="1" kern="1200" dirty="0">
+                          <a:solidFill>
+                            <a:schemeClr val="dk1"/>
+                          </a:solidFill>
+                          <a:latin typeface="+mn-lt"/>
+                          <a:ea typeface="+mn-ea"/>
+                          <a:cs typeface="+mn-cs"/>
+                        </a:rPr>
+                        <a:t>0</a:t>
+                      </a:r>
+                    </a:p>
+                  </a:txBody>
+                  <a:tcPr/>
+                </a:tc>
+                <a:extLst>
+                  <a:ext uri="{0D108BD9-81ED-4DB2-BD59-A6C34878D82A}">
+                    <a16:rowId xmlns:a16="http://schemas.microsoft.com/office/drawing/2014/main" val="2474362546"/>
+                  </a:ext>
+                </a:extLst>
+              </a:tr>
+              <a:tr h="370840">
+                <a:tc>
+                  <a:txBody>
+                    <a:bodyPr/>
+                    <a:lstStyle/>
+                    <a:p>
+                      <a:pPr algn="ctr"/>
+                      <a:r>
+                        <a:rPr lang="de-CH" dirty="0"/>
+                        <a:t>1</a:t>
+                      </a:r>
+                    </a:p>
+                  </a:txBody>
+                  <a:tcPr/>
+                </a:tc>
+                <a:tc>
+                  <a:txBody>
+                    <a:bodyPr/>
+                    <a:lstStyle/>
+                    <a:p>
+                      <a:pPr algn="ctr"/>
+                      <a:r>
+                        <a:rPr lang="de-CH" dirty="0"/>
+                        <a:t>1</a:t>
+                      </a:r>
+                    </a:p>
+                  </a:txBody>
+                  <a:tcPr/>
+                </a:tc>
+                <a:tc>
+                  <a:txBody>
+                    <a:bodyPr/>
+                    <a:lstStyle/>
+                    <a:p>
+                      <a:pPr marL="0" algn="ctr" defTabSz="914400" rtl="0" eaLnBrk="1" latinLnBrk="0" hangingPunct="1"/>
+                      <a:r>
+                        <a:rPr lang="de-CH" sz="1800" b="1" kern="1200" dirty="0">
+                          <a:solidFill>
+                            <a:schemeClr val="dk1"/>
+                          </a:solidFill>
+                          <a:latin typeface="+mn-lt"/>
+                          <a:ea typeface="+mn-ea"/>
+                          <a:cs typeface="+mn-cs"/>
+                        </a:rPr>
+                        <a:t>1</a:t>
+                      </a:r>
+                    </a:p>
+                  </a:txBody>
+                  <a:tcPr/>
+                </a:tc>
+                <a:extLst>
+                  <a:ext uri="{0D108BD9-81ED-4DB2-BD59-A6C34878D82A}">
+                    <a16:rowId xmlns:a16="http://schemas.microsoft.com/office/drawing/2014/main" val="3492551129"/>
+                  </a:ext>
+                </a:extLst>
+              </a:tr>
+            </a:tbl>
+          </a:graphicData>
+        </a:graphic>
+      </p:graphicFrame>
+      <p:graphicFrame>
+        <p:nvGraphicFramePr>
+          <p:cNvPr id="12" name="Tabelle 11">
+            <a:extLst>
+              <a:ext uri="{FF2B5EF4-FFF2-40B4-BE49-F238E27FC236}">
+                <a16:creationId xmlns:a16="http://schemas.microsoft.com/office/drawing/2014/main" id="{3ADF81FC-D9C1-4998-B3D6-5F082A326E74}"/>
+              </a:ext>
+            </a:extLst>
+          </p:cNvPr>
+          <p:cNvGraphicFramePr>
+            <a:graphicFrameLocks noGrp="1"/>
+          </p:cNvGraphicFramePr>
+          <p:nvPr>
+            <p:extLst>
+              <p:ext uri="{D42A27DB-BD31-4B8C-83A1-F6EECF244321}">
+                <p14:modId xmlns:p14="http://schemas.microsoft.com/office/powerpoint/2010/main" val="3739270571"/>
+              </p:ext>
+            </p:extLst>
+          </p:nvPr>
+        </p:nvGraphicFramePr>
+        <p:xfrm>
+          <a:off x="9245880" y="3577281"/>
+          <a:ext cx="2107920" cy="1854200"/>
+        </p:xfrm>
+        <a:graphic>
+          <a:graphicData uri="http://schemas.openxmlformats.org/drawingml/2006/table">
+            <a:tbl>
+              <a:tblPr firstRow="1" bandRow="1">
+                <a:tableStyleId>{00A15C55-8517-42AA-B614-E9B94910E393}</a:tableStyleId>
+              </a:tblPr>
+              <a:tblGrid>
+                <a:gridCol w="702640">
+                  <a:extLst>
+                    <a:ext uri="{9D8B030D-6E8A-4147-A177-3AD203B41FA5}">
+                      <a16:colId xmlns:a16="http://schemas.microsoft.com/office/drawing/2014/main" val="2726098951"/>
+                    </a:ext>
+                  </a:extLst>
+                </a:gridCol>
+                <a:gridCol w="702640">
+                  <a:extLst>
+                    <a:ext uri="{9D8B030D-6E8A-4147-A177-3AD203B41FA5}">
+                      <a16:colId xmlns:a16="http://schemas.microsoft.com/office/drawing/2014/main" val="2091333891"/>
+                    </a:ext>
+                  </a:extLst>
+                </a:gridCol>
+                <a:gridCol w="702640">
+                  <a:extLst>
+                    <a:ext uri="{9D8B030D-6E8A-4147-A177-3AD203B41FA5}">
+                      <a16:colId xmlns:a16="http://schemas.microsoft.com/office/drawing/2014/main" val="1532233337"/>
+                    </a:ext>
+                  </a:extLst>
+                </a:gridCol>
+              </a:tblGrid>
+              <a:tr h="370840">
+                <a:tc>
+                  <a:txBody>
+                    <a:bodyPr/>
+                    <a:lstStyle/>
+                    <a:p>
+                      <a:pPr algn="ctr"/>
+                      <a:r>
+                        <a:rPr lang="de-CH" dirty="0"/>
+                        <a:t>A</a:t>
+                      </a:r>
+                    </a:p>
+                  </a:txBody>
+                  <a:tcPr/>
+                </a:tc>
+                <a:tc>
+                  <a:txBody>
+                    <a:bodyPr/>
+                    <a:lstStyle/>
+                    <a:p>
+                      <a:pPr algn="ctr"/>
+                      <a:r>
+                        <a:rPr lang="de-CH" dirty="0"/>
+                        <a:t>B</a:t>
+                      </a:r>
+                    </a:p>
+                  </a:txBody>
+                  <a:tcPr/>
+                </a:tc>
+                <a:tc>
+                  <a:txBody>
+                    <a:bodyPr/>
+                    <a:lstStyle/>
+                    <a:p>
+                      <a:pPr algn="ctr"/>
+                      <a:r>
+                        <a:rPr lang="de-CH" dirty="0"/>
+                        <a:t>X</a:t>
+                      </a:r>
+                    </a:p>
+                  </a:txBody>
+                  <a:tcPr/>
+                </a:tc>
+                <a:extLst>
+                  <a:ext uri="{0D108BD9-81ED-4DB2-BD59-A6C34878D82A}">
+                    <a16:rowId xmlns:a16="http://schemas.microsoft.com/office/drawing/2014/main" val="3102546685"/>
+                  </a:ext>
+                </a:extLst>
+              </a:tr>
+              <a:tr h="370840">
+                <a:tc>
+                  <a:txBody>
+                    <a:bodyPr/>
+                    <a:lstStyle/>
+                    <a:p>
+                      <a:pPr algn="ctr"/>
+                      <a:r>
+                        <a:rPr lang="de-CH" dirty="0"/>
+                        <a:t>0</a:t>
+                      </a:r>
+                    </a:p>
+                  </a:txBody>
+                  <a:tcPr/>
+                </a:tc>
+                <a:tc>
+                  <a:txBody>
+                    <a:bodyPr/>
+                    <a:lstStyle/>
+                    <a:p>
+                      <a:pPr algn="ctr"/>
+                      <a:r>
+                        <a:rPr lang="de-CH" dirty="0"/>
+                        <a:t>0</a:t>
+                      </a:r>
+                    </a:p>
+                  </a:txBody>
+                  <a:tcPr/>
+                </a:tc>
+                <a:tc>
+                  <a:txBody>
+                    <a:bodyPr/>
+                    <a:lstStyle/>
+                    <a:p>
+                      <a:pPr marL="0" algn="ctr" defTabSz="914400" rtl="0" eaLnBrk="1" latinLnBrk="0" hangingPunct="1"/>
+                      <a:r>
+                        <a:rPr lang="de-CH" sz="1800" b="1" kern="1200" dirty="0">
+                          <a:solidFill>
+                            <a:schemeClr val="dk1"/>
+                          </a:solidFill>
+                          <a:latin typeface="+mn-lt"/>
+                          <a:ea typeface="+mn-ea"/>
+                          <a:cs typeface="+mn-cs"/>
+                        </a:rPr>
+                        <a:t>0</a:t>
+                      </a:r>
+                    </a:p>
+                  </a:txBody>
+                  <a:tcPr/>
+                </a:tc>
+                <a:extLst>
+                  <a:ext uri="{0D108BD9-81ED-4DB2-BD59-A6C34878D82A}">
+                    <a16:rowId xmlns:a16="http://schemas.microsoft.com/office/drawing/2014/main" val="2537323295"/>
+                  </a:ext>
+                </a:extLst>
+              </a:tr>
+              <a:tr h="370840">
+                <a:tc>
+                  <a:txBody>
+                    <a:bodyPr/>
+                    <a:lstStyle/>
+                    <a:p>
+                      <a:pPr algn="ctr"/>
+                      <a:r>
+                        <a:rPr lang="de-CH" dirty="0"/>
+                        <a:t>0</a:t>
+                      </a:r>
+                    </a:p>
+                  </a:txBody>
+                  <a:tcPr/>
+                </a:tc>
+                <a:tc>
+                  <a:txBody>
+                    <a:bodyPr/>
+                    <a:lstStyle/>
+                    <a:p>
+                      <a:pPr algn="ctr"/>
+                      <a:r>
+                        <a:rPr lang="de-CH" dirty="0"/>
+                        <a:t>1</a:t>
+                      </a:r>
+                    </a:p>
+                  </a:txBody>
+                  <a:tcPr/>
+                </a:tc>
+                <a:tc>
+                  <a:txBody>
+                    <a:bodyPr/>
+                    <a:lstStyle/>
+                    <a:p>
+                      <a:pPr marL="0" algn="ctr" defTabSz="914400" rtl="0" eaLnBrk="1" latinLnBrk="0" hangingPunct="1"/>
+                      <a:r>
+                        <a:rPr lang="de-CH" sz="1800" b="1" kern="1200" dirty="0">
+                          <a:solidFill>
+                            <a:schemeClr val="dk1"/>
+                          </a:solidFill>
+                          <a:latin typeface="+mn-lt"/>
+                          <a:ea typeface="+mn-ea"/>
+                          <a:cs typeface="+mn-cs"/>
+                        </a:rPr>
+                        <a:t>1</a:t>
+                      </a:r>
+                    </a:p>
+                  </a:txBody>
+                  <a:tcPr/>
+                </a:tc>
+                <a:extLst>
+                  <a:ext uri="{0D108BD9-81ED-4DB2-BD59-A6C34878D82A}">
+                    <a16:rowId xmlns:a16="http://schemas.microsoft.com/office/drawing/2014/main" val="2098168674"/>
+                  </a:ext>
+                </a:extLst>
+              </a:tr>
+              <a:tr h="370840">
+                <a:tc>
+                  <a:txBody>
+                    <a:bodyPr/>
+                    <a:lstStyle/>
+                    <a:p>
+                      <a:pPr algn="ctr"/>
+                      <a:r>
+                        <a:rPr lang="de-CH" dirty="0"/>
+                        <a:t>1</a:t>
+                      </a:r>
+                    </a:p>
+                  </a:txBody>
+                  <a:tcPr/>
+                </a:tc>
+                <a:tc>
+                  <a:txBody>
+                    <a:bodyPr/>
+                    <a:lstStyle/>
+                    <a:p>
+                      <a:pPr algn="ctr"/>
+                      <a:r>
+                        <a:rPr lang="de-CH" dirty="0"/>
+                        <a:t>0</a:t>
+                      </a:r>
+                    </a:p>
+                  </a:txBody>
+                  <a:tcPr/>
+                </a:tc>
+                <a:tc>
+                  <a:txBody>
+                    <a:bodyPr/>
+                    <a:lstStyle/>
+                    <a:p>
+                      <a:pPr marL="0" algn="ctr" defTabSz="914400" rtl="0" eaLnBrk="1" latinLnBrk="0" hangingPunct="1"/>
+                      <a:r>
+                        <a:rPr lang="de-CH" sz="1800" b="1" kern="1200" dirty="0">
+                          <a:solidFill>
+                            <a:schemeClr val="dk1"/>
+                          </a:solidFill>
+                          <a:latin typeface="+mn-lt"/>
+                          <a:ea typeface="+mn-ea"/>
+                          <a:cs typeface="+mn-cs"/>
+                        </a:rPr>
+                        <a:t>0</a:t>
+                      </a:r>
+                    </a:p>
+                  </a:txBody>
+                  <a:tcPr/>
+                </a:tc>
+                <a:extLst>
+                  <a:ext uri="{0D108BD9-81ED-4DB2-BD59-A6C34878D82A}">
+                    <a16:rowId xmlns:a16="http://schemas.microsoft.com/office/drawing/2014/main" val="2474362546"/>
+                  </a:ext>
+                </a:extLst>
+              </a:tr>
+              <a:tr h="370840">
+                <a:tc>
+                  <a:txBody>
+                    <a:bodyPr/>
+                    <a:lstStyle/>
+                    <a:p>
+                      <a:pPr algn="ctr"/>
+                      <a:r>
+                        <a:rPr lang="de-CH" dirty="0"/>
+                        <a:t>1</a:t>
+                      </a:r>
+                    </a:p>
+                  </a:txBody>
+                  <a:tcPr/>
+                </a:tc>
+                <a:tc>
+                  <a:txBody>
+                    <a:bodyPr/>
+                    <a:lstStyle/>
+                    <a:p>
+                      <a:pPr algn="ctr"/>
+                      <a:r>
+                        <a:rPr lang="de-CH" dirty="0"/>
+                        <a:t>1</a:t>
+                      </a:r>
+                    </a:p>
+                  </a:txBody>
+                  <a:tcPr/>
+                </a:tc>
+                <a:tc>
+                  <a:txBody>
+                    <a:bodyPr/>
+                    <a:lstStyle/>
+                    <a:p>
+                      <a:pPr marL="0" algn="ctr" defTabSz="914400" rtl="0" eaLnBrk="1" latinLnBrk="0" hangingPunct="1"/>
+                      <a:r>
+                        <a:rPr lang="de-CH" sz="1800" b="1" kern="1200" dirty="0">
+                          <a:solidFill>
+                            <a:schemeClr val="dk1"/>
+                          </a:solidFill>
+                          <a:latin typeface="+mn-lt"/>
+                          <a:ea typeface="+mn-ea"/>
+                          <a:cs typeface="+mn-cs"/>
+                        </a:rPr>
+                        <a:t>1</a:t>
+                      </a:r>
+                    </a:p>
+                  </a:txBody>
+                  <a:tcPr/>
+                </a:tc>
+                <a:extLst>
+                  <a:ext uri="{0D108BD9-81ED-4DB2-BD59-A6C34878D82A}">
+                    <a16:rowId xmlns:a16="http://schemas.microsoft.com/office/drawing/2014/main" val="3492551129"/>
+                  </a:ext>
+                </a:extLst>
+              </a:tr>
+            </a:tbl>
+          </a:graphicData>
+        </a:graphic>
+      </p:graphicFrame>
+    </p:spTree>
+    <p:extLst>
+      <p:ext uri="{BB962C8B-B14F-4D97-AF65-F5344CB8AC3E}">
+        <p14:creationId xmlns:p14="http://schemas.microsoft.com/office/powerpoint/2010/main" val="400099497"/>
+      </p:ext>
+    </p:extLst>
+  </p:cSld>
+  <p:clrMapOvr>
+    <a:masterClrMapping/>
+  </p:clrMapOvr>
+  <p:timing>
+    <p:tnLst>
+      <p:par>
+        <p:cTn id="1" dur="indefinite" restart="never" nodeType="tmRoot">
+          <p:childTnLst>
+            <p:seq concurrent="1" nextAc="seek">
+              <p:cTn id="2" dur="indefinite" nodeType="mainSeq">
+                <p:childTnLst>
+                  <p:par>
+                    <p:cTn id="3" fill="hold">
+                      <p:stCondLst>
+                        <p:cond delay="indefinite"/>
+                      </p:stCondLst>
+                      <p:childTnLst>
+                        <p:par>
+                          <p:cTn id="4" fill="hold">
+                            <p:stCondLst>
+                              <p:cond delay="0"/>
+                            </p:stCondLst>
+                            <p:childTnLst>
+                              <p:par>
+                                <p:cTn id="5" presetID="1" presetClass="entr" presetSubtype="0" fill="hold" nodeType="clickEffect">
+                                  <p:stCondLst>
+                                    <p:cond delay="0"/>
+                                  </p:stCondLst>
+                                  <p:childTnLst>
+                                    <p:set>
+                                      <p:cBhvr>
+                                        <p:cTn id="6" dur="1" fill="hold">
+                                          <p:stCondLst>
+                                            <p:cond delay="0"/>
+                                          </p:stCondLst>
+                                        </p:cTn>
+                                        <p:tgtEl>
+                                          <p:spTgt spid="5"/>
+                                        </p:tgtEl>
+                                        <p:attrNameLst>
+                                          <p:attrName>style.visibility</p:attrName>
+                                        </p:attrNameLst>
+                                      </p:cBhvr>
+                                      <p:to>
+                                        <p:strVal val="visible"/>
+                                      </p:to>
+                                    </p:set>
+                                  </p:childTnLst>
+                                </p:cTn>
+                              </p:par>
+                              <p:par>
+                                <p:cTn id="7" presetID="1" presetClass="entr" presetSubtype="0" fill="hold" nodeType="withEffect">
+                                  <p:stCondLst>
+                                    <p:cond delay="0"/>
+                                  </p:stCondLst>
+                                  <p:childTnLst>
+                                    <p:set>
+                                      <p:cBhvr>
+                                        <p:cTn id="8" dur="1" fill="hold">
+                                          <p:stCondLst>
+                                            <p:cond delay="0"/>
+                                          </p:stCondLst>
+                                        </p:cTn>
+                                        <p:tgtEl>
+                                          <p:spTgt spid="6"/>
+                                        </p:tgtEl>
+                                        <p:attrNameLst>
+                                          <p:attrName>style.visibility</p:attrName>
+                                        </p:attrNameLst>
+                                      </p:cBhvr>
+                                      <p:to>
+                                        <p:strVal val="visible"/>
+                                      </p:to>
+                                    </p:set>
+                                  </p:childTnLst>
+                                </p:cTn>
+                              </p:par>
+                              <p:par>
+                                <p:cTn id="9" presetID="1" presetClass="entr" presetSubtype="0" fill="hold" nodeType="withEffect">
+                                  <p:stCondLst>
+                                    <p:cond delay="0"/>
+                                  </p:stCondLst>
+                                  <p:childTnLst>
+                                    <p:set>
+                                      <p:cBhvr>
+                                        <p:cTn id="10" dur="1" fill="hold">
+                                          <p:stCondLst>
+                                            <p:cond delay="0"/>
+                                          </p:stCondLst>
+                                        </p:cTn>
+                                        <p:tgtEl>
+                                          <p:spTgt spid="7"/>
+                                        </p:tgtEl>
+                                        <p:attrNameLst>
+                                          <p:attrName>style.visibility</p:attrName>
+                                        </p:attrNameLst>
+                                      </p:cBhvr>
+                                      <p:to>
+                                        <p:strVal val="visible"/>
+                                      </p:to>
+                                    </p:set>
+                                  </p:childTnLst>
+                                </p:cTn>
+                              </p:par>
+                            </p:childTnLst>
+                          </p:cTn>
+                        </p:par>
+                      </p:childTnLst>
+                    </p:cTn>
+                  </p:par>
+                  <p:par>
+                    <p:cTn id="11" fill="hold">
+                      <p:stCondLst>
+                        <p:cond delay="indefinite"/>
+                      </p:stCondLst>
+                      <p:childTnLst>
+                        <p:par>
+                          <p:cTn id="12" fill="hold">
+                            <p:stCondLst>
+                              <p:cond delay="0"/>
+                            </p:stCondLst>
+                            <p:childTnLst>
+                              <p:par>
+                                <p:cTn id="13" presetID="1" presetClass="entr" presetSubtype="0" fill="hold" nodeType="clickEffect">
+                                  <p:stCondLst>
+                                    <p:cond delay="0"/>
+                                  </p:stCondLst>
+                                  <p:childTnLst>
+                                    <p:set>
+                                      <p:cBhvr>
+                                        <p:cTn id="14" dur="1" fill="hold">
+                                          <p:stCondLst>
+                                            <p:cond delay="0"/>
+                                          </p:stCondLst>
+                                        </p:cTn>
+                                        <p:tgtEl>
+                                          <p:spTgt spid="9"/>
+                                        </p:tgtEl>
+                                        <p:attrNameLst>
+                                          <p:attrName>style.visibility</p:attrName>
+                                        </p:attrNameLst>
+                                      </p:cBhvr>
+                                      <p:to>
+                                        <p:strVal val="visible"/>
+                                      </p:to>
+                                    </p:set>
+                                  </p:childTnLst>
+                                </p:cTn>
+                              </p:par>
+                              <p:par>
+                                <p:cTn id="15" presetID="1" presetClass="entr" presetSubtype="0" fill="hold" nodeType="withEffect">
+                                  <p:stCondLst>
+                                    <p:cond delay="0"/>
+                                  </p:stCondLst>
+                                  <p:childTnLst>
+                                    <p:set>
+                                      <p:cBhvr>
+                                        <p:cTn id="16" dur="1" fill="hold">
+                                          <p:stCondLst>
+                                            <p:cond delay="0"/>
+                                          </p:stCondLst>
+                                        </p:cTn>
+                                        <p:tgtEl>
+                                          <p:spTgt spid="10"/>
+                                        </p:tgtEl>
+                                        <p:attrNameLst>
+                                          <p:attrName>style.visibility</p:attrName>
+                                        </p:attrNameLst>
+                                      </p:cBhvr>
+                                      <p:to>
+                                        <p:strVal val="visible"/>
+                                      </p:to>
+                                    </p:set>
+                                  </p:childTnLst>
+                                </p:cTn>
+                              </p:par>
+                              <p:par>
+                                <p:cTn id="17" presetID="1" presetClass="entr" presetSubtype="0" fill="hold" nodeType="withEffect">
+                                  <p:stCondLst>
+                                    <p:cond delay="0"/>
+                                  </p:stCondLst>
+                                  <p:childTnLst>
+                                    <p:set>
+                                      <p:cBhvr>
+                                        <p:cTn id="18" dur="1" fill="hold">
+                                          <p:stCondLst>
+                                            <p:cond delay="0"/>
+                                          </p:stCondLst>
+                                        </p:cTn>
+                                        <p:tgtEl>
+                                          <p:spTgt spid="11"/>
+                                        </p:tgtEl>
+                                        <p:attrNameLst>
+                                          <p:attrName>style.visibility</p:attrName>
+                                        </p:attrNameLst>
+                                      </p:cBhvr>
+                                      <p:to>
+                                        <p:strVal val="visible"/>
+                                      </p:to>
+                                    </p:set>
+                                  </p:childTnLst>
+                                </p:cTn>
+                              </p:par>
+                            </p:childTnLst>
+                          </p:cTn>
+                        </p:par>
+                      </p:childTnLst>
+                    </p:cTn>
+                  </p:par>
+                  <p:par>
+                    <p:cTn id="19" fill="hold">
+                      <p:stCondLst>
+                        <p:cond delay="indefinite"/>
+                      </p:stCondLst>
+                      <p:childTnLst>
+                        <p:par>
+                          <p:cTn id="20" fill="hold">
+                            <p:stCondLst>
+                              <p:cond delay="0"/>
+                            </p:stCondLst>
+                            <p:childTnLst>
+                              <p:par>
+                                <p:cTn id="21" presetID="1" presetClass="entr" presetSubtype="0" fill="hold" nodeType="clickEffect">
+                                  <p:stCondLst>
+                                    <p:cond delay="0"/>
+                                  </p:stCondLst>
+                                  <p:childTnLst>
+                                    <p:set>
+                                      <p:cBhvr>
+                                        <p:cTn id="22" dur="1" fill="hold">
+                                          <p:stCondLst>
+                                            <p:cond delay="0"/>
+                                          </p:stCondLst>
+                                        </p:cTn>
+                                        <p:tgtEl>
+                                          <p:spTgt spid="8"/>
+                                        </p:tgtEl>
+                                        <p:attrNameLst>
+                                          <p:attrName>style.visibility</p:attrName>
+                                        </p:attrNameLst>
+                                      </p:cBhvr>
+                                      <p:to>
+                                        <p:strVal val="visible"/>
+                                      </p:to>
+                                    </p:set>
+                                  </p:childTnLst>
+                                </p:cTn>
+                              </p:par>
+                              <p:par>
+                                <p:cTn id="23" presetID="1" presetClass="entr" presetSubtype="0" fill="hold" nodeType="withEffect">
+                                  <p:stCondLst>
+                                    <p:cond delay="0"/>
+                                  </p:stCondLst>
+                                  <p:childTnLst>
+                                    <p:set>
+                                      <p:cBhvr>
+                                        <p:cTn id="24" dur="1" fill="hold">
+                                          <p:stCondLst>
+                                            <p:cond delay="0"/>
+                                          </p:stCondLst>
+                                        </p:cTn>
+                                        <p:tgtEl>
+                                          <p:spTgt spid="12"/>
+                                        </p:tgtEl>
+                                        <p:attrNameLst>
+                                          <p:attrName>style.visibility</p:attrName>
+                                        </p:attrNameLst>
+                                      </p:cBhvr>
+                                      <p:to>
+                                        <p:strVal val="visible"/>
+                                      </p:to>
+                                    </p:set>
+                                  </p:childTnLst>
+                                </p:cTn>
+                              </p:par>
+                            </p:childTnLst>
+                          </p:cTn>
+                        </p:par>
+                      </p:childTnLst>
+                    </p:cTn>
+                  </p:par>
+                </p:childTnLst>
+              </p:cTn>
+              <p:prevCondLst>
+                <p:cond evt="onPrev" delay="0">
+                  <p:tgtEl>
+                    <p:sldTgt/>
+                  </p:tgtEl>
+                </p:cond>
+              </p:prevCondLst>
+              <p:nextCondLst>
+                <p:cond evt="onNext" delay="0">
+                  <p:tgtEl>
+                    <p:sldTgt/>
+                  </p:tgtEl>
+                </p:cond>
+              </p:nextCondLst>
+            </p:seq>
+          </p:childTnLst>
+        </p:cTn>
+      </p:par>
+    </p:tnLst>
+  </p:timing>
+</p:sld>
+</file>
+
+<file path=ppt/slides/slide4.xml><?xml version="1.0" encoding="utf-8"?>
+<p:sld xmlns:a="http://schemas.openxmlformats.org/drawingml/2006/main" xmlns:r="http://schemas.openxmlformats.org/officeDocument/2006/relationships" xmlns:p="http://schemas.openxmlformats.org/presentationml/2006/main">
+  <p:cSld>
+    <p:spTree>
+      <p:nvGrpSpPr>
+        <p:cNvPr id="1" name=""/>
+        <p:cNvGrpSpPr/>
+        <p:nvPr/>
+      </p:nvGrpSpPr>
+      <p:grpSpPr>
+        <a:xfrm>
+          <a:off x="0" y="0"/>
+          <a:ext cx="0" cy="0"/>
+          <a:chOff x="0" y="0"/>
+          <a:chExt cx="0" cy="0"/>
+        </a:xfrm>
+      </p:grpSpPr>
+      <p:graphicFrame>
+        <p:nvGraphicFramePr>
+          <p:cNvPr id="5" name="Tabelle 4">
+            <a:extLst>
+              <a:ext uri="{FF2B5EF4-FFF2-40B4-BE49-F238E27FC236}">
+                <a16:creationId xmlns:a16="http://schemas.microsoft.com/office/drawing/2014/main" id="{61120E8F-6FC3-4FE7-8508-FC16C70189B9}"/>
+              </a:ext>
+            </a:extLst>
+          </p:cNvPr>
+          <p:cNvGraphicFramePr>
+            <a:graphicFrameLocks noGrp="1"/>
+          </p:cNvGraphicFramePr>
+          <p:nvPr>
+            <p:extLst>
+              <p:ext uri="{D42A27DB-BD31-4B8C-83A1-F6EECF244321}">
+                <p14:modId xmlns:p14="http://schemas.microsoft.com/office/powerpoint/2010/main" val="284470946"/>
+              </p:ext>
+            </p:extLst>
+          </p:nvPr>
+        </p:nvGraphicFramePr>
+        <p:xfrm>
+          <a:off x="956828" y="395492"/>
+          <a:ext cx="2107920" cy="1854200"/>
+        </p:xfrm>
+        <a:graphic>
+          <a:graphicData uri="http://schemas.openxmlformats.org/drawingml/2006/table">
+            <a:tbl>
+              <a:tblPr firstRow="1" bandRow="1">
+                <a:tableStyleId>{7DF18680-E054-41AD-8BC1-D1AEF772440D}</a:tableStyleId>
+              </a:tblPr>
+              <a:tblGrid>
+                <a:gridCol w="702640">
+                  <a:extLst>
+                    <a:ext uri="{9D8B030D-6E8A-4147-A177-3AD203B41FA5}">
+                      <a16:colId xmlns:a16="http://schemas.microsoft.com/office/drawing/2014/main" val="2726098951"/>
+                    </a:ext>
+                  </a:extLst>
+                </a:gridCol>
+                <a:gridCol w="702640">
+                  <a:extLst>
+                    <a:ext uri="{9D8B030D-6E8A-4147-A177-3AD203B41FA5}">
+                      <a16:colId xmlns:a16="http://schemas.microsoft.com/office/drawing/2014/main" val="2091333891"/>
+                    </a:ext>
+                  </a:extLst>
+                </a:gridCol>
+                <a:gridCol w="702640">
+                  <a:extLst>
+                    <a:ext uri="{9D8B030D-6E8A-4147-A177-3AD203B41FA5}">
+                      <a16:colId xmlns:a16="http://schemas.microsoft.com/office/drawing/2014/main" val="1532233337"/>
+                    </a:ext>
+                  </a:extLst>
+                </a:gridCol>
+              </a:tblGrid>
+              <a:tr h="370840">
+                <a:tc>
+                  <a:txBody>
+                    <a:bodyPr/>
+                    <a:lstStyle/>
+                    <a:p>
+                      <a:pPr algn="ctr"/>
+                      <a:r>
+                        <a:rPr lang="de-CH" dirty="0"/>
+                        <a:t>A</a:t>
+                      </a:r>
+                    </a:p>
+                  </a:txBody>
+                  <a:tcPr/>
+                </a:tc>
+                <a:tc>
+                  <a:txBody>
+                    <a:bodyPr/>
+                    <a:lstStyle/>
+                    <a:p>
+                      <a:pPr algn="ctr"/>
+                      <a:r>
+                        <a:rPr lang="de-CH" dirty="0"/>
+                        <a:t>B</a:t>
+                      </a:r>
+                    </a:p>
+                  </a:txBody>
+                  <a:tcPr/>
+                </a:tc>
+                <a:tc>
+                  <a:txBody>
+                    <a:bodyPr/>
+                    <a:lstStyle/>
+                    <a:p>
+                      <a:pPr algn="ctr"/>
+                      <a:r>
+                        <a:rPr lang="de-CH" dirty="0"/>
+                        <a:t>X</a:t>
+                      </a:r>
+                    </a:p>
+                  </a:txBody>
+                  <a:tcPr/>
+                </a:tc>
+                <a:extLst>
+                  <a:ext uri="{0D108BD9-81ED-4DB2-BD59-A6C34878D82A}">
+                    <a16:rowId xmlns:a16="http://schemas.microsoft.com/office/drawing/2014/main" val="3102546685"/>
+                  </a:ext>
+                </a:extLst>
+              </a:tr>
+              <a:tr h="370840">
+                <a:tc>
+                  <a:txBody>
+                    <a:bodyPr/>
+                    <a:lstStyle/>
+                    <a:p>
+                      <a:pPr algn="ctr"/>
+                      <a:r>
+                        <a:rPr lang="de-CH" dirty="0"/>
+                        <a:t>0</a:t>
+                      </a:r>
+                    </a:p>
+                  </a:txBody>
+                  <a:tcPr/>
+                </a:tc>
+                <a:tc>
+                  <a:txBody>
+                    <a:bodyPr/>
+                    <a:lstStyle/>
+                    <a:p>
+                      <a:pPr algn="ctr"/>
+                      <a:r>
+                        <a:rPr lang="de-CH" dirty="0"/>
+                        <a:t>0</a:t>
+                      </a:r>
+                    </a:p>
+                  </a:txBody>
+                  <a:tcPr/>
+                </a:tc>
+                <a:tc>
+                  <a:txBody>
+                    <a:bodyPr/>
+                    <a:lstStyle/>
+                    <a:p>
+                      <a:pPr algn="ctr"/>
+                      <a:r>
+                        <a:rPr lang="de-CH" b="1" dirty="0"/>
+                        <a:t>1</a:t>
+                      </a:r>
+                    </a:p>
+                  </a:txBody>
+                  <a:tcPr/>
+                </a:tc>
+                <a:extLst>
+                  <a:ext uri="{0D108BD9-81ED-4DB2-BD59-A6C34878D82A}">
+                    <a16:rowId xmlns:a16="http://schemas.microsoft.com/office/drawing/2014/main" val="2537323295"/>
+                  </a:ext>
+                </a:extLst>
+              </a:tr>
+              <a:tr h="370840">
+                <a:tc>
+                  <a:txBody>
+                    <a:bodyPr/>
+                    <a:lstStyle/>
+                    <a:p>
+                      <a:pPr algn="ctr"/>
+                      <a:r>
+                        <a:rPr lang="de-CH" dirty="0"/>
+                        <a:t>0</a:t>
+                      </a:r>
+                    </a:p>
+                  </a:txBody>
+                  <a:tcPr/>
+                </a:tc>
+                <a:tc>
+                  <a:txBody>
+                    <a:bodyPr/>
+                    <a:lstStyle/>
+                    <a:p>
+                      <a:pPr algn="ctr"/>
+                      <a:r>
+                        <a:rPr lang="de-CH" dirty="0"/>
+                        <a:t>1</a:t>
+                      </a:r>
+                    </a:p>
+                  </a:txBody>
+                  <a:tcPr/>
+                </a:tc>
+                <a:tc>
+                  <a:txBody>
+                    <a:bodyPr/>
+                    <a:lstStyle/>
+                    <a:p>
+                      <a:pPr algn="ctr"/>
+                      <a:r>
+                        <a:rPr lang="de-CH" b="1" dirty="0"/>
+                        <a:t>1</a:t>
+                      </a:r>
+                    </a:p>
+                  </a:txBody>
+                  <a:tcPr/>
+                </a:tc>
+                <a:extLst>
+                  <a:ext uri="{0D108BD9-81ED-4DB2-BD59-A6C34878D82A}">
+                    <a16:rowId xmlns:a16="http://schemas.microsoft.com/office/drawing/2014/main" val="2098168674"/>
+                  </a:ext>
+                </a:extLst>
+              </a:tr>
+              <a:tr h="370840">
+                <a:tc>
+                  <a:txBody>
+                    <a:bodyPr/>
+                    <a:lstStyle/>
+                    <a:p>
+                      <a:pPr algn="ctr"/>
+                      <a:r>
+                        <a:rPr lang="de-CH" dirty="0"/>
+                        <a:t>1</a:t>
+                      </a:r>
+                    </a:p>
+                  </a:txBody>
+                  <a:tcPr/>
+                </a:tc>
+                <a:tc>
+                  <a:txBody>
+                    <a:bodyPr/>
+                    <a:lstStyle/>
+                    <a:p>
+                      <a:pPr algn="ctr"/>
+                      <a:r>
+                        <a:rPr lang="de-CH" dirty="0"/>
+                        <a:t>0</a:t>
+                      </a:r>
+                    </a:p>
+                  </a:txBody>
+                  <a:tcPr/>
+                </a:tc>
+                <a:tc>
+                  <a:txBody>
+                    <a:bodyPr/>
+                    <a:lstStyle/>
+                    <a:p>
+                      <a:pPr algn="ctr"/>
+                      <a:r>
+                        <a:rPr lang="de-CH" b="1" dirty="0"/>
+                        <a:t>0</a:t>
+                      </a:r>
+                    </a:p>
+                  </a:txBody>
+                  <a:tcPr/>
+                </a:tc>
+                <a:extLst>
+                  <a:ext uri="{0D108BD9-81ED-4DB2-BD59-A6C34878D82A}">
+                    <a16:rowId xmlns:a16="http://schemas.microsoft.com/office/drawing/2014/main" val="2474362546"/>
+                  </a:ext>
+                </a:extLst>
+              </a:tr>
+              <a:tr h="370840">
+                <a:tc>
+                  <a:txBody>
+                    <a:bodyPr/>
+                    <a:lstStyle/>
+                    <a:p>
+                      <a:pPr algn="ctr"/>
+                      <a:r>
+                        <a:rPr lang="de-CH" dirty="0"/>
+                        <a:t>1</a:t>
+                      </a:r>
+                    </a:p>
+                  </a:txBody>
+                  <a:tcPr/>
+                </a:tc>
+                <a:tc>
+                  <a:txBody>
+                    <a:bodyPr/>
+                    <a:lstStyle/>
+                    <a:p>
+                      <a:pPr algn="ctr"/>
+                      <a:r>
+                        <a:rPr lang="de-CH" dirty="0"/>
+                        <a:t>1</a:t>
+                      </a:r>
+                    </a:p>
+                  </a:txBody>
+                  <a:tcPr/>
+                </a:tc>
+                <a:tc>
+                  <a:txBody>
+                    <a:bodyPr/>
+                    <a:lstStyle/>
+                    <a:p>
+                      <a:pPr algn="ctr"/>
+                      <a:r>
+                        <a:rPr lang="de-CH" b="1" dirty="0"/>
+                        <a:t>0</a:t>
+                      </a:r>
+                    </a:p>
+                  </a:txBody>
+                  <a:tcPr/>
+                </a:tc>
+                <a:extLst>
+                  <a:ext uri="{0D108BD9-81ED-4DB2-BD59-A6C34878D82A}">
+                    <a16:rowId xmlns:a16="http://schemas.microsoft.com/office/drawing/2014/main" val="3492551129"/>
+                  </a:ext>
+                </a:extLst>
+              </a:tr>
+            </a:tbl>
+          </a:graphicData>
+        </a:graphic>
+      </p:graphicFrame>
+      <p:graphicFrame>
+        <p:nvGraphicFramePr>
+          <p:cNvPr id="6" name="Tabelle 5">
+            <a:extLst>
+              <a:ext uri="{FF2B5EF4-FFF2-40B4-BE49-F238E27FC236}">
+                <a16:creationId xmlns:a16="http://schemas.microsoft.com/office/drawing/2014/main" id="{CD8F3576-9E0F-456A-953C-6850A3DDA8E1}"/>
+              </a:ext>
+            </a:extLst>
+          </p:cNvPr>
+          <p:cNvGraphicFramePr>
+            <a:graphicFrameLocks noGrp="1"/>
+          </p:cNvGraphicFramePr>
+          <p:nvPr>
+            <p:extLst>
+              <p:ext uri="{D42A27DB-BD31-4B8C-83A1-F6EECF244321}">
+                <p14:modId xmlns:p14="http://schemas.microsoft.com/office/powerpoint/2010/main" val="632732183"/>
+              </p:ext>
+            </p:extLst>
+          </p:nvPr>
+        </p:nvGraphicFramePr>
+        <p:xfrm>
+          <a:off x="3719845" y="409727"/>
+          <a:ext cx="2107920" cy="1854200"/>
+        </p:xfrm>
+        <a:graphic>
+          <a:graphicData uri="http://schemas.openxmlformats.org/drawingml/2006/table">
+            <a:tbl>
+              <a:tblPr firstRow="1" bandRow="1">
+                <a:tableStyleId>{7DF18680-E054-41AD-8BC1-D1AEF772440D}</a:tableStyleId>
+              </a:tblPr>
+              <a:tblGrid>
+                <a:gridCol w="702640">
+                  <a:extLst>
+                    <a:ext uri="{9D8B030D-6E8A-4147-A177-3AD203B41FA5}">
+                      <a16:colId xmlns:a16="http://schemas.microsoft.com/office/drawing/2014/main" val="2726098951"/>
+                    </a:ext>
+                  </a:extLst>
+                </a:gridCol>
+                <a:gridCol w="702640">
+                  <a:extLst>
+                    <a:ext uri="{9D8B030D-6E8A-4147-A177-3AD203B41FA5}">
+                      <a16:colId xmlns:a16="http://schemas.microsoft.com/office/drawing/2014/main" val="2091333891"/>
+                    </a:ext>
+                  </a:extLst>
+                </a:gridCol>
+                <a:gridCol w="702640">
+                  <a:extLst>
+                    <a:ext uri="{9D8B030D-6E8A-4147-A177-3AD203B41FA5}">
+                      <a16:colId xmlns:a16="http://schemas.microsoft.com/office/drawing/2014/main" val="1532233337"/>
+                    </a:ext>
+                  </a:extLst>
+                </a:gridCol>
+              </a:tblGrid>
+              <a:tr h="370840">
+                <a:tc>
+                  <a:txBody>
+                    <a:bodyPr/>
+                    <a:lstStyle/>
+                    <a:p>
+                      <a:pPr algn="ctr"/>
+                      <a:r>
+                        <a:rPr lang="de-CH" dirty="0"/>
+                        <a:t>A</a:t>
+                      </a:r>
+                    </a:p>
+                  </a:txBody>
+                  <a:tcPr/>
+                </a:tc>
+                <a:tc>
+                  <a:txBody>
+                    <a:bodyPr/>
+                    <a:lstStyle/>
+                    <a:p>
+                      <a:pPr algn="ctr"/>
+                      <a:r>
+                        <a:rPr lang="de-CH" dirty="0"/>
+                        <a:t>B</a:t>
+                      </a:r>
+                    </a:p>
+                  </a:txBody>
+                  <a:tcPr/>
+                </a:tc>
+                <a:tc>
+                  <a:txBody>
+                    <a:bodyPr/>
+                    <a:lstStyle/>
+                    <a:p>
+                      <a:pPr algn="ctr"/>
+                      <a:r>
+                        <a:rPr lang="de-CH" dirty="0"/>
+                        <a:t>X</a:t>
+                      </a:r>
+                    </a:p>
+                  </a:txBody>
+                  <a:tcPr/>
+                </a:tc>
+                <a:extLst>
+                  <a:ext uri="{0D108BD9-81ED-4DB2-BD59-A6C34878D82A}">
+                    <a16:rowId xmlns:a16="http://schemas.microsoft.com/office/drawing/2014/main" val="3102546685"/>
+                  </a:ext>
+                </a:extLst>
+              </a:tr>
+              <a:tr h="370840">
+                <a:tc>
+                  <a:txBody>
+                    <a:bodyPr/>
+                    <a:lstStyle/>
+                    <a:p>
+                      <a:pPr algn="ctr"/>
+                      <a:r>
+                        <a:rPr lang="de-CH" dirty="0"/>
+                        <a:t>0</a:t>
+                      </a:r>
+                    </a:p>
+                  </a:txBody>
+                  <a:tcPr/>
+                </a:tc>
+                <a:tc>
+                  <a:txBody>
+                    <a:bodyPr/>
+                    <a:lstStyle/>
+                    <a:p>
+                      <a:pPr algn="ctr"/>
+                      <a:r>
+                        <a:rPr lang="de-CH" dirty="0"/>
+                        <a:t>0</a:t>
+                      </a:r>
+                    </a:p>
+                  </a:txBody>
+                  <a:tcPr/>
+                </a:tc>
+                <a:tc>
+                  <a:txBody>
+                    <a:bodyPr/>
+                    <a:lstStyle/>
+                    <a:p>
+                      <a:pPr marL="0" algn="ctr" defTabSz="914400" rtl="0" eaLnBrk="1" latinLnBrk="0" hangingPunct="1"/>
+                      <a:r>
+                        <a:rPr lang="de-CH" sz="1800" b="1" kern="1200" dirty="0">
+                          <a:solidFill>
+                            <a:schemeClr val="dk1"/>
+                          </a:solidFill>
+                          <a:latin typeface="+mn-lt"/>
+                          <a:ea typeface="+mn-ea"/>
+                          <a:cs typeface="+mn-cs"/>
+                        </a:rPr>
+                        <a:t>0</a:t>
+                      </a:r>
+                    </a:p>
+                  </a:txBody>
+                  <a:tcPr/>
+                </a:tc>
+                <a:extLst>
+                  <a:ext uri="{0D108BD9-81ED-4DB2-BD59-A6C34878D82A}">
+                    <a16:rowId xmlns:a16="http://schemas.microsoft.com/office/drawing/2014/main" val="2537323295"/>
+                  </a:ext>
+                </a:extLst>
+              </a:tr>
+              <a:tr h="370840">
+                <a:tc>
+                  <a:txBody>
+                    <a:bodyPr/>
+                    <a:lstStyle/>
+                    <a:p>
+                      <a:pPr algn="ctr"/>
+                      <a:r>
+                        <a:rPr lang="de-CH" dirty="0"/>
+                        <a:t>0</a:t>
+                      </a:r>
+                    </a:p>
+                  </a:txBody>
+                  <a:tcPr/>
+                </a:tc>
+                <a:tc>
+                  <a:txBody>
+                    <a:bodyPr/>
+                    <a:lstStyle/>
+                    <a:p>
+                      <a:pPr algn="ctr"/>
+                      <a:r>
+                        <a:rPr lang="de-CH" dirty="0"/>
+                        <a:t>1</a:t>
+                      </a:r>
+                    </a:p>
+                  </a:txBody>
+                  <a:tcPr/>
+                </a:tc>
+                <a:tc>
+                  <a:txBody>
+                    <a:bodyPr/>
+                    <a:lstStyle/>
+                    <a:p>
+                      <a:pPr marL="0" algn="ctr" defTabSz="914400" rtl="0" eaLnBrk="1" latinLnBrk="0" hangingPunct="1"/>
+                      <a:r>
+                        <a:rPr lang="de-CH" sz="1800" b="1" kern="1200" dirty="0">
+                          <a:solidFill>
+                            <a:schemeClr val="dk1"/>
+                          </a:solidFill>
+                          <a:latin typeface="+mn-lt"/>
+                          <a:ea typeface="+mn-ea"/>
+                          <a:cs typeface="+mn-cs"/>
+                        </a:rPr>
+                        <a:t>0</a:t>
+                      </a:r>
+                    </a:p>
+                  </a:txBody>
+                  <a:tcPr/>
+                </a:tc>
+                <a:extLst>
+                  <a:ext uri="{0D108BD9-81ED-4DB2-BD59-A6C34878D82A}">
+                    <a16:rowId xmlns:a16="http://schemas.microsoft.com/office/drawing/2014/main" val="2098168674"/>
+                  </a:ext>
+                </a:extLst>
+              </a:tr>
+              <a:tr h="370840">
+                <a:tc>
+                  <a:txBody>
+                    <a:bodyPr/>
+                    <a:lstStyle/>
+                    <a:p>
+                      <a:pPr algn="ctr"/>
+                      <a:r>
+                        <a:rPr lang="de-CH" dirty="0"/>
+                        <a:t>1</a:t>
+                      </a:r>
+                    </a:p>
+                  </a:txBody>
+                  <a:tcPr/>
+                </a:tc>
+                <a:tc>
+                  <a:txBody>
+                    <a:bodyPr/>
+                    <a:lstStyle/>
+                    <a:p>
+                      <a:pPr algn="ctr"/>
+                      <a:r>
+                        <a:rPr lang="de-CH" dirty="0"/>
+                        <a:t>0</a:t>
+                      </a:r>
+                    </a:p>
+                  </a:txBody>
+                  <a:tcPr/>
+                </a:tc>
+                <a:tc>
+                  <a:txBody>
+                    <a:bodyPr/>
+                    <a:lstStyle/>
+                    <a:p>
+                      <a:pPr marL="0" algn="ctr" defTabSz="914400" rtl="0" eaLnBrk="1" latinLnBrk="0" hangingPunct="1"/>
+                      <a:r>
+                        <a:rPr lang="de-CH" sz="1800" b="1" kern="1200" dirty="0">
+                          <a:solidFill>
+                            <a:schemeClr val="dk1"/>
+                          </a:solidFill>
+                          <a:latin typeface="+mn-lt"/>
+                          <a:ea typeface="+mn-ea"/>
+                          <a:cs typeface="+mn-cs"/>
+                        </a:rPr>
+                        <a:t>1</a:t>
+                      </a:r>
+                    </a:p>
+                  </a:txBody>
+                  <a:tcPr/>
+                </a:tc>
+                <a:extLst>
+                  <a:ext uri="{0D108BD9-81ED-4DB2-BD59-A6C34878D82A}">
+                    <a16:rowId xmlns:a16="http://schemas.microsoft.com/office/drawing/2014/main" val="2474362546"/>
+                  </a:ext>
+                </a:extLst>
+              </a:tr>
+              <a:tr h="370840">
+                <a:tc>
+                  <a:txBody>
+                    <a:bodyPr/>
+                    <a:lstStyle/>
+                    <a:p>
+                      <a:pPr algn="ctr"/>
+                      <a:r>
+                        <a:rPr lang="de-CH" dirty="0"/>
+                        <a:t>1</a:t>
+                      </a:r>
+                    </a:p>
+                  </a:txBody>
+                  <a:tcPr/>
+                </a:tc>
+                <a:tc>
+                  <a:txBody>
+                    <a:bodyPr/>
+                    <a:lstStyle/>
+                    <a:p>
+                      <a:pPr algn="ctr"/>
+                      <a:r>
+                        <a:rPr lang="de-CH" dirty="0"/>
+                        <a:t>1</a:t>
+                      </a:r>
+                    </a:p>
+                  </a:txBody>
+                  <a:tcPr/>
+                </a:tc>
+                <a:tc>
+                  <a:txBody>
+                    <a:bodyPr/>
+                    <a:lstStyle/>
+                    <a:p>
+                      <a:pPr marL="0" algn="ctr" defTabSz="914400" rtl="0" eaLnBrk="1" latinLnBrk="0" hangingPunct="1"/>
+                      <a:r>
+                        <a:rPr lang="de-CH" sz="1800" b="1" kern="1200" dirty="0">
+                          <a:solidFill>
+                            <a:schemeClr val="dk1"/>
+                          </a:solidFill>
+                          <a:latin typeface="+mn-lt"/>
+                          <a:ea typeface="+mn-ea"/>
+                          <a:cs typeface="+mn-cs"/>
+                        </a:rPr>
+                        <a:t>0</a:t>
+                      </a:r>
+                    </a:p>
+                  </a:txBody>
+                  <a:tcPr/>
+                </a:tc>
+                <a:extLst>
+                  <a:ext uri="{0D108BD9-81ED-4DB2-BD59-A6C34878D82A}">
+                    <a16:rowId xmlns:a16="http://schemas.microsoft.com/office/drawing/2014/main" val="3492551129"/>
+                  </a:ext>
+                </a:extLst>
+              </a:tr>
+            </a:tbl>
+          </a:graphicData>
+        </a:graphic>
+      </p:graphicFrame>
+      <p:graphicFrame>
+        <p:nvGraphicFramePr>
+          <p:cNvPr id="7" name="Tabelle 6">
+            <a:extLst>
+              <a:ext uri="{FF2B5EF4-FFF2-40B4-BE49-F238E27FC236}">
+                <a16:creationId xmlns:a16="http://schemas.microsoft.com/office/drawing/2014/main" id="{7FE6AD01-BA39-4457-822E-49A1AA9157AD}"/>
+              </a:ext>
+            </a:extLst>
+          </p:cNvPr>
+          <p:cNvGraphicFramePr>
+            <a:graphicFrameLocks noGrp="1"/>
+          </p:cNvGraphicFramePr>
+          <p:nvPr>
+            <p:extLst>
+              <p:ext uri="{D42A27DB-BD31-4B8C-83A1-F6EECF244321}">
+                <p14:modId xmlns:p14="http://schemas.microsoft.com/office/powerpoint/2010/main" val="3095937752"/>
+              </p:ext>
+            </p:extLst>
+          </p:nvPr>
+        </p:nvGraphicFramePr>
+        <p:xfrm>
+          <a:off x="6482862" y="409727"/>
+          <a:ext cx="2107920" cy="1854200"/>
+        </p:xfrm>
+        <a:graphic>
+          <a:graphicData uri="http://schemas.openxmlformats.org/drawingml/2006/table">
+            <a:tbl>
+              <a:tblPr firstRow="1" bandRow="1">
+                <a:tableStyleId>{7DF18680-E054-41AD-8BC1-D1AEF772440D}</a:tableStyleId>
+              </a:tblPr>
+              <a:tblGrid>
+                <a:gridCol w="702640">
+                  <a:extLst>
+                    <a:ext uri="{9D8B030D-6E8A-4147-A177-3AD203B41FA5}">
+                      <a16:colId xmlns:a16="http://schemas.microsoft.com/office/drawing/2014/main" val="2726098951"/>
+                    </a:ext>
+                  </a:extLst>
+                </a:gridCol>
+                <a:gridCol w="702640">
+                  <a:extLst>
+                    <a:ext uri="{9D8B030D-6E8A-4147-A177-3AD203B41FA5}">
+                      <a16:colId xmlns:a16="http://schemas.microsoft.com/office/drawing/2014/main" val="2091333891"/>
+                    </a:ext>
+                  </a:extLst>
+                </a:gridCol>
+                <a:gridCol w="702640">
+                  <a:extLst>
+                    <a:ext uri="{9D8B030D-6E8A-4147-A177-3AD203B41FA5}">
+                      <a16:colId xmlns:a16="http://schemas.microsoft.com/office/drawing/2014/main" val="1532233337"/>
+                    </a:ext>
+                  </a:extLst>
+                </a:gridCol>
+              </a:tblGrid>
+              <a:tr h="370840">
+                <a:tc>
+                  <a:txBody>
+                    <a:bodyPr/>
+                    <a:lstStyle/>
+                    <a:p>
+                      <a:pPr algn="ctr"/>
+                      <a:r>
+                        <a:rPr lang="de-CH" dirty="0"/>
+                        <a:t>A</a:t>
+                      </a:r>
+                    </a:p>
+                  </a:txBody>
+                  <a:tcPr/>
+                </a:tc>
+                <a:tc>
+                  <a:txBody>
+                    <a:bodyPr/>
+                    <a:lstStyle/>
+                    <a:p>
+                      <a:pPr algn="ctr"/>
+                      <a:r>
+                        <a:rPr lang="de-CH" dirty="0"/>
+                        <a:t>B</a:t>
+                      </a:r>
+                    </a:p>
+                  </a:txBody>
+                  <a:tcPr/>
+                </a:tc>
+                <a:tc>
+                  <a:txBody>
+                    <a:bodyPr/>
+                    <a:lstStyle/>
+                    <a:p>
+                      <a:pPr algn="ctr"/>
+                      <a:r>
+                        <a:rPr lang="de-CH" dirty="0"/>
+                        <a:t>X</a:t>
+                      </a:r>
+                    </a:p>
+                  </a:txBody>
+                  <a:tcPr/>
+                </a:tc>
+                <a:extLst>
+                  <a:ext uri="{0D108BD9-81ED-4DB2-BD59-A6C34878D82A}">
+                    <a16:rowId xmlns:a16="http://schemas.microsoft.com/office/drawing/2014/main" val="3102546685"/>
+                  </a:ext>
+                </a:extLst>
+              </a:tr>
+              <a:tr h="370840">
+                <a:tc>
+                  <a:txBody>
+                    <a:bodyPr/>
+                    <a:lstStyle/>
+                    <a:p>
+                      <a:pPr algn="ctr"/>
+                      <a:r>
+                        <a:rPr lang="de-CH" dirty="0"/>
+                        <a:t>0</a:t>
+                      </a:r>
+                    </a:p>
+                  </a:txBody>
+                  <a:tcPr/>
+                </a:tc>
+                <a:tc>
+                  <a:txBody>
+                    <a:bodyPr/>
+                    <a:lstStyle/>
+                    <a:p>
+                      <a:pPr algn="ctr"/>
+                      <a:r>
+                        <a:rPr lang="de-CH" dirty="0"/>
+                        <a:t>0</a:t>
+                      </a:r>
+                    </a:p>
+                  </a:txBody>
+                  <a:tcPr/>
+                </a:tc>
+                <a:tc>
+                  <a:txBody>
+                    <a:bodyPr/>
+                    <a:lstStyle/>
+                    <a:p>
+                      <a:pPr marL="0" algn="ctr" defTabSz="914400" rtl="0" eaLnBrk="1" latinLnBrk="0" hangingPunct="1"/>
+                      <a:r>
+                        <a:rPr lang="de-CH" sz="1800" b="1" kern="1200" dirty="0">
+                          <a:solidFill>
+                            <a:schemeClr val="dk1"/>
+                          </a:solidFill>
+                          <a:latin typeface="+mn-lt"/>
+                          <a:ea typeface="+mn-ea"/>
+                          <a:cs typeface="+mn-cs"/>
+                        </a:rPr>
+                        <a:t>1</a:t>
+                      </a:r>
+                    </a:p>
+                  </a:txBody>
+                  <a:tcPr/>
+                </a:tc>
+                <a:extLst>
+                  <a:ext uri="{0D108BD9-81ED-4DB2-BD59-A6C34878D82A}">
+                    <a16:rowId xmlns:a16="http://schemas.microsoft.com/office/drawing/2014/main" val="2537323295"/>
+                  </a:ext>
+                </a:extLst>
+              </a:tr>
+              <a:tr h="370840">
+                <a:tc>
+                  <a:txBody>
+                    <a:bodyPr/>
+                    <a:lstStyle/>
+                    <a:p>
+                      <a:pPr algn="ctr"/>
+                      <a:r>
+                        <a:rPr lang="de-CH" dirty="0"/>
+                        <a:t>0</a:t>
+                      </a:r>
+                    </a:p>
+                  </a:txBody>
+                  <a:tcPr/>
+                </a:tc>
+                <a:tc>
+                  <a:txBody>
+                    <a:bodyPr/>
+                    <a:lstStyle/>
+                    <a:p>
+                      <a:pPr algn="ctr"/>
+                      <a:r>
+                        <a:rPr lang="de-CH" dirty="0"/>
+                        <a:t>1</a:t>
+                      </a:r>
+                    </a:p>
+                  </a:txBody>
+                  <a:tcPr/>
+                </a:tc>
+                <a:tc>
+                  <a:txBody>
+                    <a:bodyPr/>
+                    <a:lstStyle/>
+                    <a:p>
+                      <a:pPr marL="0" algn="ctr" defTabSz="914400" rtl="0" eaLnBrk="1" latinLnBrk="0" hangingPunct="1"/>
+                      <a:r>
+                        <a:rPr lang="de-CH" sz="1800" b="1" kern="1200" dirty="0">
+                          <a:solidFill>
+                            <a:schemeClr val="dk1"/>
+                          </a:solidFill>
+                          <a:latin typeface="+mn-lt"/>
+                          <a:ea typeface="+mn-ea"/>
+                          <a:cs typeface="+mn-cs"/>
+                        </a:rPr>
+                        <a:t>0</a:t>
+                      </a:r>
+                    </a:p>
+                  </a:txBody>
+                  <a:tcPr/>
+                </a:tc>
+                <a:extLst>
+                  <a:ext uri="{0D108BD9-81ED-4DB2-BD59-A6C34878D82A}">
+                    <a16:rowId xmlns:a16="http://schemas.microsoft.com/office/drawing/2014/main" val="2098168674"/>
+                  </a:ext>
+                </a:extLst>
+              </a:tr>
+              <a:tr h="370840">
+                <a:tc>
+                  <a:txBody>
+                    <a:bodyPr/>
+                    <a:lstStyle/>
+                    <a:p>
+                      <a:pPr algn="ctr"/>
+                      <a:r>
+                        <a:rPr lang="de-CH" dirty="0"/>
+                        <a:t>1</a:t>
+                      </a:r>
+                    </a:p>
+                  </a:txBody>
+                  <a:tcPr/>
+                </a:tc>
+                <a:tc>
+                  <a:txBody>
+                    <a:bodyPr/>
+                    <a:lstStyle/>
+                    <a:p>
+                      <a:pPr algn="ctr"/>
+                      <a:r>
+                        <a:rPr lang="de-CH" dirty="0"/>
+                        <a:t>0</a:t>
+                      </a:r>
+                    </a:p>
+                  </a:txBody>
+                  <a:tcPr/>
+                </a:tc>
+                <a:tc>
+                  <a:txBody>
+                    <a:bodyPr/>
+                    <a:lstStyle/>
+                    <a:p>
+                      <a:pPr marL="0" algn="ctr" defTabSz="914400" rtl="0" eaLnBrk="1" latinLnBrk="0" hangingPunct="1"/>
+                      <a:r>
+                        <a:rPr lang="de-CH" sz="1800" b="1" kern="1200" dirty="0">
+                          <a:solidFill>
+                            <a:schemeClr val="dk1"/>
+                          </a:solidFill>
+                          <a:latin typeface="+mn-lt"/>
+                          <a:ea typeface="+mn-ea"/>
+                          <a:cs typeface="+mn-cs"/>
+                        </a:rPr>
+                        <a:t>1</a:t>
+                      </a:r>
+                    </a:p>
+                  </a:txBody>
+                  <a:tcPr/>
+                </a:tc>
+                <a:extLst>
+                  <a:ext uri="{0D108BD9-81ED-4DB2-BD59-A6C34878D82A}">
+                    <a16:rowId xmlns:a16="http://schemas.microsoft.com/office/drawing/2014/main" val="2474362546"/>
+                  </a:ext>
+                </a:extLst>
+              </a:tr>
+              <a:tr h="370840">
+                <a:tc>
+                  <a:txBody>
+                    <a:bodyPr/>
+                    <a:lstStyle/>
+                    <a:p>
+                      <a:pPr algn="ctr"/>
+                      <a:r>
+                        <a:rPr lang="de-CH" dirty="0"/>
+                        <a:t>1</a:t>
+                      </a:r>
+                    </a:p>
+                  </a:txBody>
+                  <a:tcPr/>
+                </a:tc>
+                <a:tc>
+                  <a:txBody>
+                    <a:bodyPr/>
+                    <a:lstStyle/>
+                    <a:p>
+                      <a:pPr algn="ctr"/>
+                      <a:r>
+                        <a:rPr lang="de-CH" dirty="0"/>
+                        <a:t>1</a:t>
+                      </a:r>
+                    </a:p>
+                  </a:txBody>
+                  <a:tcPr/>
+                </a:tc>
+                <a:tc>
+                  <a:txBody>
+                    <a:bodyPr/>
+                    <a:lstStyle/>
+                    <a:p>
+                      <a:pPr marL="0" algn="ctr" defTabSz="914400" rtl="0" eaLnBrk="1" latinLnBrk="0" hangingPunct="1"/>
+                      <a:r>
+                        <a:rPr lang="de-CH" sz="1800" b="1" kern="1200" dirty="0">
+                          <a:solidFill>
+                            <a:schemeClr val="dk1"/>
+                          </a:solidFill>
+                          <a:latin typeface="+mn-lt"/>
+                          <a:ea typeface="+mn-ea"/>
+                          <a:cs typeface="+mn-cs"/>
+                        </a:rPr>
+                        <a:t>1</a:t>
+                      </a:r>
+                    </a:p>
+                  </a:txBody>
+                  <a:tcPr/>
+                </a:tc>
+                <a:extLst>
+                  <a:ext uri="{0D108BD9-81ED-4DB2-BD59-A6C34878D82A}">
+                    <a16:rowId xmlns:a16="http://schemas.microsoft.com/office/drawing/2014/main" val="3492551129"/>
+                  </a:ext>
+                </a:extLst>
+              </a:tr>
+            </a:tbl>
+          </a:graphicData>
+        </a:graphic>
+      </p:graphicFrame>
+      <p:graphicFrame>
+        <p:nvGraphicFramePr>
+          <p:cNvPr id="8" name="Tabelle 7">
+            <a:extLst>
+              <a:ext uri="{FF2B5EF4-FFF2-40B4-BE49-F238E27FC236}">
+                <a16:creationId xmlns:a16="http://schemas.microsoft.com/office/drawing/2014/main" id="{87CAE0D0-D1ED-45B0-9A12-F7A0E2051FA3}"/>
+              </a:ext>
+            </a:extLst>
+          </p:cNvPr>
+          <p:cNvGraphicFramePr>
+            <a:graphicFrameLocks noGrp="1"/>
+          </p:cNvGraphicFramePr>
+          <p:nvPr>
+            <p:extLst>
+              <p:ext uri="{D42A27DB-BD31-4B8C-83A1-F6EECF244321}">
+                <p14:modId xmlns:p14="http://schemas.microsoft.com/office/powerpoint/2010/main" val="1674927107"/>
+              </p:ext>
+            </p:extLst>
+          </p:nvPr>
+        </p:nvGraphicFramePr>
+        <p:xfrm>
+          <a:off x="9245880" y="392142"/>
+          <a:ext cx="2107920" cy="1854200"/>
+        </p:xfrm>
+        <a:graphic>
+          <a:graphicData uri="http://schemas.openxmlformats.org/drawingml/2006/table">
+            <a:tbl>
+              <a:tblPr firstRow="1" bandRow="1">
+                <a:tableStyleId>{7DF18680-E054-41AD-8BC1-D1AEF772440D}</a:tableStyleId>
+              </a:tblPr>
+              <a:tblGrid>
+                <a:gridCol w="702640">
+                  <a:extLst>
+                    <a:ext uri="{9D8B030D-6E8A-4147-A177-3AD203B41FA5}">
+                      <a16:colId xmlns:a16="http://schemas.microsoft.com/office/drawing/2014/main" val="2726098951"/>
+                    </a:ext>
+                  </a:extLst>
+                </a:gridCol>
+                <a:gridCol w="702640">
+                  <a:extLst>
+                    <a:ext uri="{9D8B030D-6E8A-4147-A177-3AD203B41FA5}">
+                      <a16:colId xmlns:a16="http://schemas.microsoft.com/office/drawing/2014/main" val="2091333891"/>
+                    </a:ext>
+                  </a:extLst>
+                </a:gridCol>
+                <a:gridCol w="702640">
+                  <a:extLst>
+                    <a:ext uri="{9D8B030D-6E8A-4147-A177-3AD203B41FA5}">
+                      <a16:colId xmlns:a16="http://schemas.microsoft.com/office/drawing/2014/main" val="1532233337"/>
+                    </a:ext>
+                  </a:extLst>
+                </a:gridCol>
+              </a:tblGrid>
+              <a:tr h="370840">
+                <a:tc>
+                  <a:txBody>
+                    <a:bodyPr/>
+                    <a:lstStyle/>
+                    <a:p>
+                      <a:pPr algn="ctr"/>
+                      <a:r>
+                        <a:rPr lang="de-CH" dirty="0"/>
+                        <a:t>A</a:t>
+                      </a:r>
+                    </a:p>
+                  </a:txBody>
+                  <a:tcPr/>
+                </a:tc>
+                <a:tc>
+                  <a:txBody>
+                    <a:bodyPr/>
+                    <a:lstStyle/>
+                    <a:p>
+                      <a:pPr algn="ctr"/>
+                      <a:r>
+                        <a:rPr lang="de-CH" dirty="0"/>
+                        <a:t>B</a:t>
+                      </a:r>
+                    </a:p>
+                  </a:txBody>
+                  <a:tcPr/>
+                </a:tc>
+                <a:tc>
+                  <a:txBody>
+                    <a:bodyPr/>
+                    <a:lstStyle/>
+                    <a:p>
+                      <a:pPr algn="ctr"/>
+                      <a:r>
+                        <a:rPr lang="de-CH" dirty="0"/>
+                        <a:t>X</a:t>
+                      </a:r>
+                    </a:p>
+                  </a:txBody>
+                  <a:tcPr/>
+                </a:tc>
+                <a:extLst>
+                  <a:ext uri="{0D108BD9-81ED-4DB2-BD59-A6C34878D82A}">
+                    <a16:rowId xmlns:a16="http://schemas.microsoft.com/office/drawing/2014/main" val="3102546685"/>
+                  </a:ext>
+                </a:extLst>
+              </a:tr>
+              <a:tr h="370840">
+                <a:tc>
+                  <a:txBody>
+                    <a:bodyPr/>
+                    <a:lstStyle/>
+                    <a:p>
+                      <a:pPr algn="ctr"/>
+                      <a:r>
+                        <a:rPr lang="de-CH" dirty="0"/>
+                        <a:t>0</a:t>
+                      </a:r>
+                    </a:p>
+                  </a:txBody>
+                  <a:tcPr/>
+                </a:tc>
+                <a:tc>
+                  <a:txBody>
+                    <a:bodyPr/>
+                    <a:lstStyle/>
+                    <a:p>
+                      <a:pPr algn="ctr"/>
+                      <a:r>
+                        <a:rPr lang="de-CH" dirty="0"/>
+                        <a:t>0</a:t>
+                      </a:r>
+                    </a:p>
+                  </a:txBody>
+                  <a:tcPr/>
+                </a:tc>
+                <a:tc>
+                  <a:txBody>
+                    <a:bodyPr/>
+                    <a:lstStyle/>
+                    <a:p>
+                      <a:pPr marL="0" algn="ctr" defTabSz="914400" rtl="0" eaLnBrk="1" latinLnBrk="0" hangingPunct="1"/>
+                      <a:r>
+                        <a:rPr lang="de-CH" sz="1800" b="1" kern="1200" dirty="0">
+                          <a:solidFill>
+                            <a:schemeClr val="dk1"/>
+                          </a:solidFill>
+                          <a:latin typeface="+mn-lt"/>
+                          <a:ea typeface="+mn-ea"/>
+                          <a:cs typeface="+mn-cs"/>
+                        </a:rPr>
+                        <a:t>0</a:t>
+                      </a:r>
+                    </a:p>
+                  </a:txBody>
+                  <a:tcPr/>
+                </a:tc>
+                <a:extLst>
+                  <a:ext uri="{0D108BD9-81ED-4DB2-BD59-A6C34878D82A}">
+                    <a16:rowId xmlns:a16="http://schemas.microsoft.com/office/drawing/2014/main" val="2537323295"/>
+                  </a:ext>
+                </a:extLst>
+              </a:tr>
+              <a:tr h="370840">
+                <a:tc>
+                  <a:txBody>
+                    <a:bodyPr/>
+                    <a:lstStyle/>
+                    <a:p>
+                      <a:pPr algn="ctr"/>
+                      <a:r>
+                        <a:rPr lang="de-CH" dirty="0"/>
+                        <a:t>0</a:t>
+                      </a:r>
+                    </a:p>
+                  </a:txBody>
+                  <a:tcPr/>
+                </a:tc>
+                <a:tc>
+                  <a:txBody>
+                    <a:bodyPr/>
+                    <a:lstStyle/>
+                    <a:p>
+                      <a:pPr algn="ctr"/>
+                      <a:r>
+                        <a:rPr lang="de-CH" dirty="0"/>
+                        <a:t>1</a:t>
+                      </a:r>
+                    </a:p>
+                  </a:txBody>
+                  <a:tcPr/>
+                </a:tc>
+                <a:tc>
+                  <a:txBody>
+                    <a:bodyPr/>
+                    <a:lstStyle/>
+                    <a:p>
+                      <a:pPr marL="0" algn="ctr" defTabSz="914400" rtl="0" eaLnBrk="1" latinLnBrk="0" hangingPunct="1"/>
+                      <a:r>
+                        <a:rPr lang="de-CH" sz="1800" b="1" kern="1200" dirty="0">
+                          <a:solidFill>
+                            <a:schemeClr val="dk1"/>
+                          </a:solidFill>
+                          <a:latin typeface="+mn-lt"/>
+                          <a:ea typeface="+mn-ea"/>
+                          <a:cs typeface="+mn-cs"/>
+                        </a:rPr>
+                        <a:t>0</a:t>
+                      </a:r>
+                    </a:p>
+                  </a:txBody>
+                  <a:tcPr/>
+                </a:tc>
+                <a:extLst>
+                  <a:ext uri="{0D108BD9-81ED-4DB2-BD59-A6C34878D82A}">
+                    <a16:rowId xmlns:a16="http://schemas.microsoft.com/office/drawing/2014/main" val="2098168674"/>
+                  </a:ext>
+                </a:extLst>
+              </a:tr>
+              <a:tr h="370840">
+                <a:tc>
+                  <a:txBody>
+                    <a:bodyPr/>
+                    <a:lstStyle/>
+                    <a:p>
+                      <a:pPr algn="ctr"/>
+                      <a:r>
+                        <a:rPr lang="de-CH" dirty="0"/>
+                        <a:t>1</a:t>
+                      </a:r>
+                    </a:p>
+                  </a:txBody>
+                  <a:tcPr/>
+                </a:tc>
+                <a:tc>
+                  <a:txBody>
+                    <a:bodyPr/>
+                    <a:lstStyle/>
+                    <a:p>
+                      <a:pPr algn="ctr"/>
+                      <a:r>
+                        <a:rPr lang="de-CH" dirty="0"/>
+                        <a:t>0</a:t>
+                      </a:r>
+                    </a:p>
+                  </a:txBody>
+                  <a:tcPr/>
+                </a:tc>
+                <a:tc>
+                  <a:txBody>
+                    <a:bodyPr/>
+                    <a:lstStyle/>
+                    <a:p>
+                      <a:pPr marL="0" algn="ctr" defTabSz="914400" rtl="0" eaLnBrk="1" latinLnBrk="0" hangingPunct="1"/>
+                      <a:r>
+                        <a:rPr lang="de-CH" sz="1800" b="1" kern="1200" dirty="0">
+                          <a:solidFill>
+                            <a:schemeClr val="dk1"/>
+                          </a:solidFill>
+                          <a:latin typeface="+mn-lt"/>
+                          <a:ea typeface="+mn-ea"/>
+                          <a:cs typeface="+mn-cs"/>
+                        </a:rPr>
+                        <a:t>0</a:t>
+                      </a:r>
+                    </a:p>
+                  </a:txBody>
+                  <a:tcPr/>
+                </a:tc>
+                <a:extLst>
+                  <a:ext uri="{0D108BD9-81ED-4DB2-BD59-A6C34878D82A}">
+                    <a16:rowId xmlns:a16="http://schemas.microsoft.com/office/drawing/2014/main" val="2474362546"/>
+                  </a:ext>
+                </a:extLst>
+              </a:tr>
+              <a:tr h="370840">
+                <a:tc>
+                  <a:txBody>
+                    <a:bodyPr/>
+                    <a:lstStyle/>
+                    <a:p>
+                      <a:pPr algn="ctr"/>
+                      <a:r>
+                        <a:rPr lang="de-CH" dirty="0"/>
+                        <a:t>1</a:t>
+                      </a:r>
+                    </a:p>
+                  </a:txBody>
+                  <a:tcPr/>
+                </a:tc>
+                <a:tc>
+                  <a:txBody>
+                    <a:bodyPr/>
+                    <a:lstStyle/>
+                    <a:p>
+                      <a:pPr algn="ctr"/>
+                      <a:r>
+                        <a:rPr lang="de-CH" dirty="0"/>
+                        <a:t>1</a:t>
+                      </a:r>
+                    </a:p>
+                  </a:txBody>
+                  <a:tcPr/>
+                </a:tc>
+                <a:tc>
+                  <a:txBody>
+                    <a:bodyPr/>
+                    <a:lstStyle/>
+                    <a:p>
+                      <a:pPr marL="0" algn="ctr" defTabSz="914400" rtl="0" eaLnBrk="1" latinLnBrk="0" hangingPunct="1"/>
+                      <a:r>
+                        <a:rPr lang="de-CH" sz="1800" b="1" kern="1200" dirty="0">
+                          <a:solidFill>
+                            <a:schemeClr val="dk1"/>
+                          </a:solidFill>
+                          <a:latin typeface="+mn-lt"/>
+                          <a:ea typeface="+mn-ea"/>
+                          <a:cs typeface="+mn-cs"/>
+                        </a:rPr>
+                        <a:t>0</a:t>
+                      </a:r>
+                    </a:p>
+                  </a:txBody>
+                  <a:tcPr/>
+                </a:tc>
+                <a:extLst>
+                  <a:ext uri="{0D108BD9-81ED-4DB2-BD59-A6C34878D82A}">
+                    <a16:rowId xmlns:a16="http://schemas.microsoft.com/office/drawing/2014/main" val="3492551129"/>
+                  </a:ext>
+                </a:extLst>
+              </a:tr>
+            </a:tbl>
+          </a:graphicData>
+        </a:graphic>
+      </p:graphicFrame>
+      <p:graphicFrame>
+        <p:nvGraphicFramePr>
+          <p:cNvPr id="9" name="Tabelle 8">
+            <a:extLst>
+              <a:ext uri="{FF2B5EF4-FFF2-40B4-BE49-F238E27FC236}">
+                <a16:creationId xmlns:a16="http://schemas.microsoft.com/office/drawing/2014/main" id="{4328D762-1BC2-4319-9452-6B68E1A3A249}"/>
+              </a:ext>
+            </a:extLst>
+          </p:cNvPr>
+          <p:cNvGraphicFramePr>
+            <a:graphicFrameLocks noGrp="1"/>
+          </p:cNvGraphicFramePr>
+          <p:nvPr>
+            <p:extLst>
+              <p:ext uri="{D42A27DB-BD31-4B8C-83A1-F6EECF244321}">
+                <p14:modId xmlns:p14="http://schemas.microsoft.com/office/powerpoint/2010/main" val="375949191"/>
+              </p:ext>
+            </p:extLst>
+          </p:nvPr>
+        </p:nvGraphicFramePr>
+        <p:xfrm>
+          <a:off x="956828" y="3564924"/>
+          <a:ext cx="2107920" cy="1854200"/>
+        </p:xfrm>
+        <a:graphic>
+          <a:graphicData uri="http://schemas.openxmlformats.org/drawingml/2006/table">
+            <a:tbl>
+              <a:tblPr firstRow="1" bandRow="1">
+                <a:tableStyleId>{7DF18680-E054-41AD-8BC1-D1AEF772440D}</a:tableStyleId>
+              </a:tblPr>
+              <a:tblGrid>
+                <a:gridCol w="702640">
+                  <a:extLst>
+                    <a:ext uri="{9D8B030D-6E8A-4147-A177-3AD203B41FA5}">
+                      <a16:colId xmlns:a16="http://schemas.microsoft.com/office/drawing/2014/main" val="2726098951"/>
+                    </a:ext>
+                  </a:extLst>
+                </a:gridCol>
+                <a:gridCol w="702640">
+                  <a:extLst>
+                    <a:ext uri="{9D8B030D-6E8A-4147-A177-3AD203B41FA5}">
+                      <a16:colId xmlns:a16="http://schemas.microsoft.com/office/drawing/2014/main" val="2091333891"/>
+                    </a:ext>
+                  </a:extLst>
+                </a:gridCol>
+                <a:gridCol w="702640">
+                  <a:extLst>
+                    <a:ext uri="{9D8B030D-6E8A-4147-A177-3AD203B41FA5}">
+                      <a16:colId xmlns:a16="http://schemas.microsoft.com/office/drawing/2014/main" val="1532233337"/>
+                    </a:ext>
+                  </a:extLst>
+                </a:gridCol>
+              </a:tblGrid>
+              <a:tr h="370840">
+                <a:tc>
+                  <a:txBody>
+                    <a:bodyPr/>
+                    <a:lstStyle/>
+                    <a:p>
+                      <a:pPr algn="ctr"/>
+                      <a:r>
+                        <a:rPr lang="de-CH" dirty="0"/>
+                        <a:t>A</a:t>
+                      </a:r>
+                    </a:p>
+                  </a:txBody>
+                  <a:tcPr/>
+                </a:tc>
+                <a:tc>
+                  <a:txBody>
+                    <a:bodyPr/>
+                    <a:lstStyle/>
+                    <a:p>
+                      <a:pPr algn="ctr"/>
+                      <a:r>
+                        <a:rPr lang="de-CH" dirty="0"/>
+                        <a:t>B</a:t>
+                      </a:r>
+                    </a:p>
+                  </a:txBody>
+                  <a:tcPr/>
+                </a:tc>
+                <a:tc>
+                  <a:txBody>
+                    <a:bodyPr/>
+                    <a:lstStyle/>
+                    <a:p>
+                      <a:pPr algn="ctr"/>
+                      <a:r>
+                        <a:rPr lang="de-CH" dirty="0"/>
+                        <a:t>X</a:t>
+                      </a:r>
+                    </a:p>
+                  </a:txBody>
+                  <a:tcPr/>
+                </a:tc>
+                <a:extLst>
+                  <a:ext uri="{0D108BD9-81ED-4DB2-BD59-A6C34878D82A}">
+                    <a16:rowId xmlns:a16="http://schemas.microsoft.com/office/drawing/2014/main" val="3102546685"/>
+                  </a:ext>
+                </a:extLst>
+              </a:tr>
+              <a:tr h="370840">
+                <a:tc>
+                  <a:txBody>
+                    <a:bodyPr/>
+                    <a:lstStyle/>
+                    <a:p>
+                      <a:pPr algn="ctr"/>
+                      <a:r>
+                        <a:rPr lang="de-CH" dirty="0"/>
+                        <a:t>0</a:t>
+                      </a:r>
+                    </a:p>
+                  </a:txBody>
+                  <a:tcPr/>
+                </a:tc>
+                <a:tc>
+                  <a:txBody>
+                    <a:bodyPr/>
+                    <a:lstStyle/>
+                    <a:p>
+                      <a:pPr algn="ctr"/>
+                      <a:r>
+                        <a:rPr lang="de-CH" dirty="0"/>
+                        <a:t>0</a:t>
+                      </a:r>
+                    </a:p>
+                  </a:txBody>
+                  <a:tcPr/>
+                </a:tc>
+                <a:tc>
+                  <a:txBody>
+                    <a:bodyPr/>
+                    <a:lstStyle/>
+                    <a:p>
+                      <a:pPr marL="0" algn="ctr" defTabSz="914400" rtl="0" eaLnBrk="1" latinLnBrk="0" hangingPunct="1"/>
+                      <a:r>
+                        <a:rPr lang="de-CH" sz="1800" b="1" kern="1200" dirty="0">
+                          <a:solidFill>
+                            <a:schemeClr val="dk1"/>
+                          </a:solidFill>
+                          <a:latin typeface="+mn-lt"/>
+                          <a:ea typeface="+mn-ea"/>
+                          <a:cs typeface="+mn-cs"/>
+                        </a:rPr>
+                        <a:t>1</a:t>
+                      </a:r>
+                    </a:p>
+                  </a:txBody>
+                  <a:tcPr/>
+                </a:tc>
+                <a:extLst>
+                  <a:ext uri="{0D108BD9-81ED-4DB2-BD59-A6C34878D82A}">
+                    <a16:rowId xmlns:a16="http://schemas.microsoft.com/office/drawing/2014/main" val="2537323295"/>
+                  </a:ext>
+                </a:extLst>
+              </a:tr>
+              <a:tr h="370840">
+                <a:tc>
+                  <a:txBody>
+                    <a:bodyPr/>
+                    <a:lstStyle/>
+                    <a:p>
+                      <a:pPr algn="ctr"/>
+                      <a:r>
+                        <a:rPr lang="de-CH" dirty="0"/>
+                        <a:t>0</a:t>
+                      </a:r>
+                    </a:p>
+                  </a:txBody>
+                  <a:tcPr/>
+                </a:tc>
+                <a:tc>
+                  <a:txBody>
+                    <a:bodyPr/>
+                    <a:lstStyle/>
+                    <a:p>
+                      <a:pPr algn="ctr"/>
+                      <a:r>
+                        <a:rPr lang="de-CH" dirty="0"/>
+                        <a:t>1</a:t>
+                      </a:r>
+                    </a:p>
+                  </a:txBody>
+                  <a:tcPr/>
+                </a:tc>
+                <a:tc>
+                  <a:txBody>
+                    <a:bodyPr/>
+                    <a:lstStyle/>
+                    <a:p>
+                      <a:pPr marL="0" algn="ctr" defTabSz="914400" rtl="0" eaLnBrk="1" latinLnBrk="0" hangingPunct="1"/>
+                      <a:r>
+                        <a:rPr lang="de-CH" sz="1800" b="1" kern="1200" dirty="0">
+                          <a:solidFill>
+                            <a:schemeClr val="dk1"/>
+                          </a:solidFill>
+                          <a:latin typeface="+mn-lt"/>
+                          <a:ea typeface="+mn-ea"/>
+                          <a:cs typeface="+mn-cs"/>
+                        </a:rPr>
+                        <a:t>0</a:t>
+                      </a:r>
+                    </a:p>
+                  </a:txBody>
+                  <a:tcPr/>
+                </a:tc>
+                <a:extLst>
+                  <a:ext uri="{0D108BD9-81ED-4DB2-BD59-A6C34878D82A}">
+                    <a16:rowId xmlns:a16="http://schemas.microsoft.com/office/drawing/2014/main" val="2098168674"/>
+                  </a:ext>
+                </a:extLst>
+              </a:tr>
+              <a:tr h="370840">
+                <a:tc>
+                  <a:txBody>
+                    <a:bodyPr/>
+                    <a:lstStyle/>
+                    <a:p>
+                      <a:pPr algn="ctr"/>
+                      <a:r>
+                        <a:rPr lang="de-CH" dirty="0"/>
+                        <a:t>1</a:t>
+                      </a:r>
+                    </a:p>
+                  </a:txBody>
+                  <a:tcPr/>
+                </a:tc>
+                <a:tc>
+                  <a:txBody>
+                    <a:bodyPr/>
+                    <a:lstStyle/>
+                    <a:p>
+                      <a:pPr algn="ctr"/>
+                      <a:r>
+                        <a:rPr lang="de-CH" dirty="0"/>
+                        <a:t>0</a:t>
+                      </a:r>
+                    </a:p>
+                  </a:txBody>
+                  <a:tcPr/>
+                </a:tc>
+                <a:tc>
+                  <a:txBody>
+                    <a:bodyPr/>
+                    <a:lstStyle/>
+                    <a:p>
+                      <a:pPr marL="0" algn="ctr" defTabSz="914400" rtl="0" eaLnBrk="1" latinLnBrk="0" hangingPunct="1"/>
+                      <a:r>
+                        <a:rPr lang="de-CH" sz="1800" b="1" kern="1200" dirty="0">
+                          <a:solidFill>
+                            <a:schemeClr val="dk1"/>
+                          </a:solidFill>
+                          <a:latin typeface="+mn-lt"/>
+                          <a:ea typeface="+mn-ea"/>
+                          <a:cs typeface="+mn-cs"/>
+                        </a:rPr>
+                        <a:t>1</a:t>
+                      </a:r>
+                    </a:p>
+                  </a:txBody>
+                  <a:tcPr/>
+                </a:tc>
+                <a:extLst>
+                  <a:ext uri="{0D108BD9-81ED-4DB2-BD59-A6C34878D82A}">
+                    <a16:rowId xmlns:a16="http://schemas.microsoft.com/office/drawing/2014/main" val="2474362546"/>
+                  </a:ext>
+                </a:extLst>
+              </a:tr>
+              <a:tr h="370840">
+                <a:tc>
+                  <a:txBody>
+                    <a:bodyPr/>
+                    <a:lstStyle/>
+                    <a:p>
+                      <a:pPr algn="ctr"/>
+                      <a:r>
+                        <a:rPr lang="de-CH" dirty="0"/>
+                        <a:t>1</a:t>
+                      </a:r>
+                    </a:p>
+                  </a:txBody>
+                  <a:tcPr/>
+                </a:tc>
+                <a:tc>
+                  <a:txBody>
+                    <a:bodyPr/>
+                    <a:lstStyle/>
+                    <a:p>
+                      <a:pPr algn="ctr"/>
+                      <a:r>
+                        <a:rPr lang="de-CH" dirty="0"/>
+                        <a:t>1</a:t>
+                      </a:r>
+                    </a:p>
+                  </a:txBody>
+                  <a:tcPr/>
+                </a:tc>
+                <a:tc>
+                  <a:txBody>
+                    <a:bodyPr/>
+                    <a:lstStyle/>
+                    <a:p>
+                      <a:pPr marL="0" algn="ctr" defTabSz="914400" rtl="0" eaLnBrk="1" latinLnBrk="0" hangingPunct="1"/>
+                      <a:r>
+                        <a:rPr lang="de-CH" sz="1800" b="1" kern="1200" dirty="0">
+                          <a:solidFill>
+                            <a:schemeClr val="dk1"/>
+                          </a:solidFill>
+                          <a:latin typeface="+mn-lt"/>
+                          <a:ea typeface="+mn-ea"/>
+                          <a:cs typeface="+mn-cs"/>
+                        </a:rPr>
+                        <a:t>0</a:t>
+                      </a:r>
+                    </a:p>
+                  </a:txBody>
+                  <a:tcPr/>
+                </a:tc>
+                <a:extLst>
+                  <a:ext uri="{0D108BD9-81ED-4DB2-BD59-A6C34878D82A}">
+                    <a16:rowId xmlns:a16="http://schemas.microsoft.com/office/drawing/2014/main" val="3492551129"/>
+                  </a:ext>
+                </a:extLst>
+              </a:tr>
+            </a:tbl>
+          </a:graphicData>
+        </a:graphic>
+      </p:graphicFrame>
+      <p:graphicFrame>
+        <p:nvGraphicFramePr>
+          <p:cNvPr id="10" name="Tabelle 9">
+            <a:extLst>
+              <a:ext uri="{FF2B5EF4-FFF2-40B4-BE49-F238E27FC236}">
+                <a16:creationId xmlns:a16="http://schemas.microsoft.com/office/drawing/2014/main" id="{B87D6331-AA48-41B6-8D54-6E55D892633B}"/>
+              </a:ext>
+            </a:extLst>
+          </p:cNvPr>
+          <p:cNvGraphicFramePr>
+            <a:graphicFrameLocks noGrp="1"/>
+          </p:cNvGraphicFramePr>
+          <p:nvPr>
+            <p:extLst>
+              <p:ext uri="{D42A27DB-BD31-4B8C-83A1-F6EECF244321}">
+                <p14:modId xmlns:p14="http://schemas.microsoft.com/office/powerpoint/2010/main" val="1702655499"/>
+              </p:ext>
+            </p:extLst>
+          </p:nvPr>
+        </p:nvGraphicFramePr>
+        <p:xfrm>
+          <a:off x="3719845" y="3564924"/>
+          <a:ext cx="2107920" cy="1854200"/>
+        </p:xfrm>
+        <a:graphic>
+          <a:graphicData uri="http://schemas.openxmlformats.org/drawingml/2006/table">
+            <a:tbl>
+              <a:tblPr firstRow="1" bandRow="1">
+                <a:tableStyleId>{7DF18680-E054-41AD-8BC1-D1AEF772440D}</a:tableStyleId>
+              </a:tblPr>
+              <a:tblGrid>
+                <a:gridCol w="702640">
+                  <a:extLst>
+                    <a:ext uri="{9D8B030D-6E8A-4147-A177-3AD203B41FA5}">
+                      <a16:colId xmlns:a16="http://schemas.microsoft.com/office/drawing/2014/main" val="2726098951"/>
+                    </a:ext>
+                  </a:extLst>
+                </a:gridCol>
+                <a:gridCol w="702640">
+                  <a:extLst>
+                    <a:ext uri="{9D8B030D-6E8A-4147-A177-3AD203B41FA5}">
+                      <a16:colId xmlns:a16="http://schemas.microsoft.com/office/drawing/2014/main" val="2091333891"/>
+                    </a:ext>
+                  </a:extLst>
+                </a:gridCol>
+                <a:gridCol w="702640">
+                  <a:extLst>
+                    <a:ext uri="{9D8B030D-6E8A-4147-A177-3AD203B41FA5}">
+                      <a16:colId xmlns:a16="http://schemas.microsoft.com/office/drawing/2014/main" val="1532233337"/>
+                    </a:ext>
+                  </a:extLst>
+                </a:gridCol>
+              </a:tblGrid>
+              <a:tr h="370840">
+                <a:tc>
+                  <a:txBody>
+                    <a:bodyPr/>
+                    <a:lstStyle/>
+                    <a:p>
+                      <a:pPr algn="ctr"/>
+                      <a:r>
+                        <a:rPr lang="de-CH" dirty="0"/>
+                        <a:t>A</a:t>
+                      </a:r>
+                    </a:p>
+                  </a:txBody>
+                  <a:tcPr/>
+                </a:tc>
+                <a:tc>
+                  <a:txBody>
+                    <a:bodyPr/>
+                    <a:lstStyle/>
+                    <a:p>
+                      <a:pPr algn="ctr"/>
+                      <a:r>
+                        <a:rPr lang="de-CH" dirty="0"/>
+                        <a:t>B</a:t>
+                      </a:r>
+                    </a:p>
+                  </a:txBody>
+                  <a:tcPr/>
+                </a:tc>
+                <a:tc>
+                  <a:txBody>
+                    <a:bodyPr/>
+                    <a:lstStyle/>
+                    <a:p>
+                      <a:pPr algn="ctr"/>
+                      <a:r>
+                        <a:rPr lang="de-CH" dirty="0"/>
+                        <a:t>X</a:t>
+                      </a:r>
+                    </a:p>
+                  </a:txBody>
+                  <a:tcPr/>
+                </a:tc>
+                <a:extLst>
+                  <a:ext uri="{0D108BD9-81ED-4DB2-BD59-A6C34878D82A}">
+                    <a16:rowId xmlns:a16="http://schemas.microsoft.com/office/drawing/2014/main" val="3102546685"/>
+                  </a:ext>
+                </a:extLst>
+              </a:tr>
+              <a:tr h="370840">
+                <a:tc>
+                  <a:txBody>
+                    <a:bodyPr/>
+                    <a:lstStyle/>
+                    <a:p>
+                      <a:pPr algn="ctr"/>
+                      <a:r>
+                        <a:rPr lang="de-CH" dirty="0"/>
+                        <a:t>0</a:t>
+                      </a:r>
+                    </a:p>
+                  </a:txBody>
+                  <a:tcPr/>
+                </a:tc>
+                <a:tc>
+                  <a:txBody>
+                    <a:bodyPr/>
+                    <a:lstStyle/>
+                    <a:p>
+                      <a:pPr algn="ctr"/>
+                      <a:r>
+                        <a:rPr lang="de-CH" dirty="0"/>
+                        <a:t>0</a:t>
+                      </a:r>
+                    </a:p>
+                  </a:txBody>
+                  <a:tcPr/>
+                </a:tc>
+                <a:tc>
+                  <a:txBody>
+                    <a:bodyPr/>
+                    <a:lstStyle/>
+                    <a:p>
+                      <a:pPr marL="0" algn="ctr" defTabSz="914400" rtl="0" eaLnBrk="1" latinLnBrk="0" hangingPunct="1"/>
+                      <a:r>
+                        <a:rPr lang="de-CH" sz="1800" b="1" kern="1200" dirty="0">
+                          <a:solidFill>
+                            <a:schemeClr val="dk1"/>
+                          </a:solidFill>
+                          <a:latin typeface="+mn-lt"/>
+                          <a:ea typeface="+mn-ea"/>
+                          <a:cs typeface="+mn-cs"/>
+                        </a:rPr>
+                        <a:t>0</a:t>
+                      </a:r>
+                    </a:p>
+                  </a:txBody>
+                  <a:tcPr/>
+                </a:tc>
+                <a:extLst>
+                  <a:ext uri="{0D108BD9-81ED-4DB2-BD59-A6C34878D82A}">
+                    <a16:rowId xmlns:a16="http://schemas.microsoft.com/office/drawing/2014/main" val="2537323295"/>
+                  </a:ext>
+                </a:extLst>
+              </a:tr>
+              <a:tr h="370840">
+                <a:tc>
+                  <a:txBody>
+                    <a:bodyPr/>
+                    <a:lstStyle/>
+                    <a:p>
+                      <a:pPr algn="ctr"/>
+                      <a:r>
+                        <a:rPr lang="de-CH" dirty="0"/>
+                        <a:t>0</a:t>
+                      </a:r>
+                    </a:p>
+                  </a:txBody>
+                  <a:tcPr/>
+                </a:tc>
+                <a:tc>
+                  <a:txBody>
+                    <a:bodyPr/>
+                    <a:lstStyle/>
+                    <a:p>
+                      <a:pPr algn="ctr"/>
+                      <a:r>
+                        <a:rPr lang="de-CH" dirty="0"/>
+                        <a:t>1</a:t>
+                      </a:r>
+                    </a:p>
+                  </a:txBody>
+                  <a:tcPr/>
+                </a:tc>
+                <a:tc>
+                  <a:txBody>
+                    <a:bodyPr/>
+                    <a:lstStyle/>
+                    <a:p>
+                      <a:pPr marL="0" algn="ctr" defTabSz="914400" rtl="0" eaLnBrk="1" latinLnBrk="0" hangingPunct="1"/>
+                      <a:r>
+                        <a:rPr lang="de-CH" sz="1800" b="1" kern="1200" dirty="0">
+                          <a:solidFill>
+                            <a:schemeClr val="dk1"/>
+                          </a:solidFill>
+                          <a:latin typeface="+mn-lt"/>
+                          <a:ea typeface="+mn-ea"/>
+                          <a:cs typeface="+mn-cs"/>
+                        </a:rPr>
+                        <a:t>1</a:t>
+                      </a:r>
+                    </a:p>
+                  </a:txBody>
+                  <a:tcPr/>
+                </a:tc>
+                <a:extLst>
+                  <a:ext uri="{0D108BD9-81ED-4DB2-BD59-A6C34878D82A}">
+                    <a16:rowId xmlns:a16="http://schemas.microsoft.com/office/drawing/2014/main" val="2098168674"/>
+                  </a:ext>
+                </a:extLst>
+              </a:tr>
+              <a:tr h="370840">
+                <a:tc>
+                  <a:txBody>
+                    <a:bodyPr/>
+                    <a:lstStyle/>
+                    <a:p>
+                      <a:pPr algn="ctr"/>
+                      <a:r>
+                        <a:rPr lang="de-CH" dirty="0"/>
+                        <a:t>1</a:t>
+                      </a:r>
+                    </a:p>
+                  </a:txBody>
+                  <a:tcPr/>
+                </a:tc>
+                <a:tc>
+                  <a:txBody>
+                    <a:bodyPr/>
+                    <a:lstStyle/>
+                    <a:p>
+                      <a:pPr algn="ctr"/>
+                      <a:r>
+                        <a:rPr lang="de-CH" dirty="0"/>
+                        <a:t>0</a:t>
+                      </a:r>
+                    </a:p>
+                  </a:txBody>
+                  <a:tcPr/>
+                </a:tc>
+                <a:tc>
+                  <a:txBody>
+                    <a:bodyPr/>
+                    <a:lstStyle/>
+                    <a:p>
+                      <a:pPr marL="0" algn="ctr" defTabSz="914400" rtl="0" eaLnBrk="1" latinLnBrk="0" hangingPunct="1"/>
+                      <a:r>
+                        <a:rPr lang="de-CH" sz="1800" b="1" kern="1200" dirty="0">
+                          <a:solidFill>
+                            <a:schemeClr val="dk1"/>
+                          </a:solidFill>
+                          <a:latin typeface="+mn-lt"/>
+                          <a:ea typeface="+mn-ea"/>
+                          <a:cs typeface="+mn-cs"/>
+                        </a:rPr>
+                        <a:t>0</a:t>
+                      </a:r>
+                    </a:p>
+                  </a:txBody>
+                  <a:tcPr/>
+                </a:tc>
+                <a:extLst>
+                  <a:ext uri="{0D108BD9-81ED-4DB2-BD59-A6C34878D82A}">
+                    <a16:rowId xmlns:a16="http://schemas.microsoft.com/office/drawing/2014/main" val="2474362546"/>
+                  </a:ext>
+                </a:extLst>
+              </a:tr>
+              <a:tr h="370840">
+                <a:tc>
+                  <a:txBody>
+                    <a:bodyPr/>
+                    <a:lstStyle/>
+                    <a:p>
+                      <a:pPr algn="ctr"/>
+                      <a:r>
+                        <a:rPr lang="de-CH" dirty="0"/>
+                        <a:t>1</a:t>
+                      </a:r>
+                    </a:p>
+                  </a:txBody>
+                  <a:tcPr/>
+                </a:tc>
+                <a:tc>
+                  <a:txBody>
+                    <a:bodyPr/>
+                    <a:lstStyle/>
+                    <a:p>
+                      <a:pPr algn="ctr"/>
+                      <a:r>
+                        <a:rPr lang="de-CH" dirty="0"/>
+                        <a:t>1</a:t>
+                      </a:r>
+                    </a:p>
+                  </a:txBody>
+                  <a:tcPr/>
+                </a:tc>
+                <a:tc>
+                  <a:txBody>
+                    <a:bodyPr/>
+                    <a:lstStyle/>
+                    <a:p>
+                      <a:pPr marL="0" algn="ctr" defTabSz="914400" rtl="0" eaLnBrk="1" latinLnBrk="0" hangingPunct="1"/>
+                      <a:r>
+                        <a:rPr lang="de-CH" sz="1800" b="1" kern="1200" dirty="0">
+                          <a:solidFill>
+                            <a:schemeClr val="dk1"/>
+                          </a:solidFill>
+                          <a:latin typeface="+mn-lt"/>
+                          <a:ea typeface="+mn-ea"/>
+                          <a:cs typeface="+mn-cs"/>
+                        </a:rPr>
+                        <a:t>0</a:t>
+                      </a:r>
+                    </a:p>
+                  </a:txBody>
+                  <a:tcPr/>
+                </a:tc>
+                <a:extLst>
+                  <a:ext uri="{0D108BD9-81ED-4DB2-BD59-A6C34878D82A}">
+                    <a16:rowId xmlns:a16="http://schemas.microsoft.com/office/drawing/2014/main" val="3492551129"/>
+                  </a:ext>
+                </a:extLst>
+              </a:tr>
+            </a:tbl>
+          </a:graphicData>
+        </a:graphic>
+      </p:graphicFrame>
+      <p:graphicFrame>
+        <p:nvGraphicFramePr>
+          <p:cNvPr id="11" name="Tabelle 10">
+            <a:extLst>
+              <a:ext uri="{FF2B5EF4-FFF2-40B4-BE49-F238E27FC236}">
+                <a16:creationId xmlns:a16="http://schemas.microsoft.com/office/drawing/2014/main" id="{43D2E383-FA10-4A66-8E40-997ECC0DE7ED}"/>
+              </a:ext>
+            </a:extLst>
+          </p:cNvPr>
+          <p:cNvGraphicFramePr>
+            <a:graphicFrameLocks noGrp="1"/>
+          </p:cNvGraphicFramePr>
+          <p:nvPr>
+            <p:extLst>
+              <p:ext uri="{D42A27DB-BD31-4B8C-83A1-F6EECF244321}">
+                <p14:modId xmlns:p14="http://schemas.microsoft.com/office/powerpoint/2010/main" val="104810734"/>
+              </p:ext>
+            </p:extLst>
+          </p:nvPr>
+        </p:nvGraphicFramePr>
+        <p:xfrm>
+          <a:off x="6482862" y="3564924"/>
+          <a:ext cx="2107920" cy="1854200"/>
+        </p:xfrm>
+        <a:graphic>
+          <a:graphicData uri="http://schemas.openxmlformats.org/drawingml/2006/table">
+            <a:tbl>
+              <a:tblPr firstRow="1" bandRow="1">
+                <a:tableStyleId>{7DF18680-E054-41AD-8BC1-D1AEF772440D}</a:tableStyleId>
+              </a:tblPr>
+              <a:tblGrid>
+                <a:gridCol w="702640">
+                  <a:extLst>
+                    <a:ext uri="{9D8B030D-6E8A-4147-A177-3AD203B41FA5}">
+                      <a16:colId xmlns:a16="http://schemas.microsoft.com/office/drawing/2014/main" val="2726098951"/>
+                    </a:ext>
+                  </a:extLst>
+                </a:gridCol>
+                <a:gridCol w="702640">
+                  <a:extLst>
+                    <a:ext uri="{9D8B030D-6E8A-4147-A177-3AD203B41FA5}">
+                      <a16:colId xmlns:a16="http://schemas.microsoft.com/office/drawing/2014/main" val="2091333891"/>
+                    </a:ext>
+                  </a:extLst>
+                </a:gridCol>
+                <a:gridCol w="702640">
+                  <a:extLst>
+                    <a:ext uri="{9D8B030D-6E8A-4147-A177-3AD203B41FA5}">
+                      <a16:colId xmlns:a16="http://schemas.microsoft.com/office/drawing/2014/main" val="1532233337"/>
+                    </a:ext>
+                  </a:extLst>
+                </a:gridCol>
+              </a:tblGrid>
+              <a:tr h="370840">
+                <a:tc>
+                  <a:txBody>
+                    <a:bodyPr/>
+                    <a:lstStyle/>
+                    <a:p>
+                      <a:pPr algn="ctr"/>
+                      <a:r>
+                        <a:rPr lang="de-CH" dirty="0"/>
+                        <a:t>A</a:t>
+                      </a:r>
+                    </a:p>
+                  </a:txBody>
+                  <a:tcPr/>
+                </a:tc>
+                <a:tc>
+                  <a:txBody>
+                    <a:bodyPr/>
+                    <a:lstStyle/>
+                    <a:p>
+                      <a:pPr algn="ctr"/>
+                      <a:r>
+                        <a:rPr lang="de-CH" dirty="0"/>
+                        <a:t>B</a:t>
+                      </a:r>
+                    </a:p>
+                  </a:txBody>
+                  <a:tcPr/>
+                </a:tc>
+                <a:tc>
+                  <a:txBody>
+                    <a:bodyPr/>
+                    <a:lstStyle/>
+                    <a:p>
+                      <a:pPr algn="ctr"/>
+                      <a:r>
+                        <a:rPr lang="de-CH" dirty="0"/>
+                        <a:t>X</a:t>
+                      </a:r>
+                    </a:p>
+                  </a:txBody>
+                  <a:tcPr/>
+                </a:tc>
+                <a:extLst>
+                  <a:ext uri="{0D108BD9-81ED-4DB2-BD59-A6C34878D82A}">
+                    <a16:rowId xmlns:a16="http://schemas.microsoft.com/office/drawing/2014/main" val="3102546685"/>
+                  </a:ext>
+                </a:extLst>
+              </a:tr>
+              <a:tr h="370840">
+                <a:tc>
+                  <a:txBody>
+                    <a:bodyPr/>
+                    <a:lstStyle/>
+                    <a:p>
+                      <a:pPr algn="ctr"/>
+                      <a:r>
+                        <a:rPr lang="de-CH" dirty="0"/>
+                        <a:t>0</a:t>
+                      </a:r>
+                    </a:p>
+                  </a:txBody>
+                  <a:tcPr/>
+                </a:tc>
+                <a:tc>
+                  <a:txBody>
+                    <a:bodyPr/>
+                    <a:lstStyle/>
+                    <a:p>
+                      <a:pPr algn="ctr"/>
+                      <a:r>
+                        <a:rPr lang="de-CH" dirty="0"/>
+                        <a:t>0</a:t>
+                      </a:r>
+                    </a:p>
+                  </a:txBody>
+                  <a:tcPr/>
+                </a:tc>
+                <a:tc>
+                  <a:txBody>
+                    <a:bodyPr/>
+                    <a:lstStyle/>
+                    <a:p>
+                      <a:pPr marL="0" algn="ctr" defTabSz="914400" rtl="0" eaLnBrk="1" latinLnBrk="0" hangingPunct="1"/>
+                      <a:r>
+                        <a:rPr lang="de-CH" sz="1800" b="1" kern="1200" dirty="0">
+                          <a:solidFill>
+                            <a:schemeClr val="dk1"/>
+                          </a:solidFill>
+                          <a:latin typeface="+mn-lt"/>
+                          <a:ea typeface="+mn-ea"/>
+                          <a:cs typeface="+mn-cs"/>
+                        </a:rPr>
+                        <a:t>1</a:t>
+                      </a:r>
+                    </a:p>
+                  </a:txBody>
+                  <a:tcPr/>
+                </a:tc>
+                <a:extLst>
+                  <a:ext uri="{0D108BD9-81ED-4DB2-BD59-A6C34878D82A}">
+                    <a16:rowId xmlns:a16="http://schemas.microsoft.com/office/drawing/2014/main" val="2537323295"/>
+                  </a:ext>
+                </a:extLst>
+              </a:tr>
+              <a:tr h="370840">
+                <a:tc>
+                  <a:txBody>
+                    <a:bodyPr/>
+                    <a:lstStyle/>
+                    <a:p>
+                      <a:pPr algn="ctr"/>
+                      <a:r>
+                        <a:rPr lang="de-CH" dirty="0"/>
+                        <a:t>0</a:t>
+                      </a:r>
+                    </a:p>
+                  </a:txBody>
+                  <a:tcPr/>
+                </a:tc>
+                <a:tc>
+                  <a:txBody>
+                    <a:bodyPr/>
+                    <a:lstStyle/>
+                    <a:p>
+                      <a:pPr algn="ctr"/>
+                      <a:r>
+                        <a:rPr lang="de-CH" dirty="0"/>
+                        <a:t>1</a:t>
+                      </a:r>
+                    </a:p>
+                  </a:txBody>
+                  <a:tcPr/>
+                </a:tc>
+                <a:tc>
+                  <a:txBody>
+                    <a:bodyPr/>
+                    <a:lstStyle/>
+                    <a:p>
+                      <a:pPr marL="0" algn="ctr" defTabSz="914400" rtl="0" eaLnBrk="1" latinLnBrk="0" hangingPunct="1"/>
+                      <a:r>
+                        <a:rPr lang="de-CH" sz="1800" b="1" kern="1200" dirty="0">
+                          <a:solidFill>
+                            <a:schemeClr val="dk1"/>
+                          </a:solidFill>
+                          <a:latin typeface="+mn-lt"/>
+                          <a:ea typeface="+mn-ea"/>
+                          <a:cs typeface="+mn-cs"/>
+                        </a:rPr>
+                        <a:t>1</a:t>
+                      </a:r>
+                    </a:p>
+                  </a:txBody>
+                  <a:tcPr/>
+                </a:tc>
+                <a:extLst>
+                  <a:ext uri="{0D108BD9-81ED-4DB2-BD59-A6C34878D82A}">
+                    <a16:rowId xmlns:a16="http://schemas.microsoft.com/office/drawing/2014/main" val="2098168674"/>
+                  </a:ext>
+                </a:extLst>
+              </a:tr>
+              <a:tr h="370840">
+                <a:tc>
+                  <a:txBody>
+                    <a:bodyPr/>
+                    <a:lstStyle/>
+                    <a:p>
+                      <a:pPr algn="ctr"/>
+                      <a:r>
+                        <a:rPr lang="de-CH" dirty="0"/>
+                        <a:t>1</a:t>
+                      </a:r>
+                    </a:p>
+                  </a:txBody>
+                  <a:tcPr/>
+                </a:tc>
+                <a:tc>
+                  <a:txBody>
+                    <a:bodyPr/>
+                    <a:lstStyle/>
+                    <a:p>
+                      <a:pPr algn="ctr"/>
+                      <a:r>
+                        <a:rPr lang="de-CH" dirty="0"/>
+                        <a:t>0</a:t>
+                      </a:r>
+                    </a:p>
+                  </a:txBody>
+                  <a:tcPr/>
+                </a:tc>
+                <a:tc>
+                  <a:txBody>
+                    <a:bodyPr/>
+                    <a:lstStyle/>
+                    <a:p>
+                      <a:pPr marL="0" algn="ctr" defTabSz="914400" rtl="0" eaLnBrk="1" latinLnBrk="0" hangingPunct="1"/>
+                      <a:r>
+                        <a:rPr lang="de-CH" sz="1800" b="1" kern="1200" dirty="0">
+                          <a:solidFill>
+                            <a:schemeClr val="dk1"/>
+                          </a:solidFill>
+                          <a:latin typeface="+mn-lt"/>
+                          <a:ea typeface="+mn-ea"/>
+                          <a:cs typeface="+mn-cs"/>
+                        </a:rPr>
+                        <a:t>0</a:t>
+                      </a:r>
+                    </a:p>
+                  </a:txBody>
+                  <a:tcPr/>
+                </a:tc>
+                <a:extLst>
+                  <a:ext uri="{0D108BD9-81ED-4DB2-BD59-A6C34878D82A}">
+                    <a16:rowId xmlns:a16="http://schemas.microsoft.com/office/drawing/2014/main" val="2474362546"/>
+                  </a:ext>
+                </a:extLst>
+              </a:tr>
+              <a:tr h="370840">
+                <a:tc>
+                  <a:txBody>
+                    <a:bodyPr/>
+                    <a:lstStyle/>
+                    <a:p>
+                      <a:pPr algn="ctr"/>
+                      <a:r>
+                        <a:rPr lang="de-CH" dirty="0"/>
+                        <a:t>1</a:t>
+                      </a:r>
+                    </a:p>
+                  </a:txBody>
+                  <a:tcPr/>
+                </a:tc>
+                <a:tc>
+                  <a:txBody>
+                    <a:bodyPr/>
+                    <a:lstStyle/>
+                    <a:p>
+                      <a:pPr algn="ctr"/>
+                      <a:r>
+                        <a:rPr lang="de-CH" dirty="0"/>
+                        <a:t>1</a:t>
+                      </a:r>
+                    </a:p>
+                  </a:txBody>
+                  <a:tcPr/>
+                </a:tc>
+                <a:tc>
+                  <a:txBody>
+                    <a:bodyPr/>
+                    <a:lstStyle/>
+                    <a:p>
+                      <a:pPr marL="0" algn="ctr" defTabSz="914400" rtl="0" eaLnBrk="1" latinLnBrk="0" hangingPunct="1"/>
+                      <a:r>
+                        <a:rPr lang="de-CH" sz="1800" b="1" kern="1200" dirty="0">
+                          <a:solidFill>
+                            <a:schemeClr val="dk1"/>
+                          </a:solidFill>
+                          <a:latin typeface="+mn-lt"/>
+                          <a:ea typeface="+mn-ea"/>
+                          <a:cs typeface="+mn-cs"/>
+                        </a:rPr>
+                        <a:t>1</a:t>
+                      </a:r>
+                    </a:p>
+                  </a:txBody>
+                  <a:tcPr/>
+                </a:tc>
+                <a:extLst>
+                  <a:ext uri="{0D108BD9-81ED-4DB2-BD59-A6C34878D82A}">
+                    <a16:rowId xmlns:a16="http://schemas.microsoft.com/office/drawing/2014/main" val="3492551129"/>
+                  </a:ext>
+                </a:extLst>
+              </a:tr>
+            </a:tbl>
+          </a:graphicData>
+        </a:graphic>
+      </p:graphicFrame>
+      <p:graphicFrame>
+        <p:nvGraphicFramePr>
+          <p:cNvPr id="12" name="Tabelle 11">
+            <a:extLst>
+              <a:ext uri="{FF2B5EF4-FFF2-40B4-BE49-F238E27FC236}">
+                <a16:creationId xmlns:a16="http://schemas.microsoft.com/office/drawing/2014/main" id="{3ADF81FC-D9C1-4998-B3D6-5F082A326E74}"/>
+              </a:ext>
+            </a:extLst>
+          </p:cNvPr>
+          <p:cNvGraphicFramePr>
+            <a:graphicFrameLocks noGrp="1"/>
+          </p:cNvGraphicFramePr>
+          <p:nvPr>
+            <p:extLst>
+              <p:ext uri="{D42A27DB-BD31-4B8C-83A1-F6EECF244321}">
+                <p14:modId xmlns:p14="http://schemas.microsoft.com/office/powerpoint/2010/main" val="1085798782"/>
+              </p:ext>
+            </p:extLst>
+          </p:nvPr>
+        </p:nvGraphicFramePr>
+        <p:xfrm>
+          <a:off x="9245880" y="3564924"/>
+          <a:ext cx="2107920" cy="1854200"/>
+        </p:xfrm>
+        <a:graphic>
+          <a:graphicData uri="http://schemas.openxmlformats.org/drawingml/2006/table">
+            <a:tbl>
+              <a:tblPr firstRow="1" bandRow="1">
+                <a:tableStyleId>{7DF18680-E054-41AD-8BC1-D1AEF772440D}</a:tableStyleId>
+              </a:tblPr>
+              <a:tblGrid>
+                <a:gridCol w="702640">
+                  <a:extLst>
+                    <a:ext uri="{9D8B030D-6E8A-4147-A177-3AD203B41FA5}">
+                      <a16:colId xmlns:a16="http://schemas.microsoft.com/office/drawing/2014/main" val="2726098951"/>
+                    </a:ext>
+                  </a:extLst>
+                </a:gridCol>
+                <a:gridCol w="702640">
+                  <a:extLst>
+                    <a:ext uri="{9D8B030D-6E8A-4147-A177-3AD203B41FA5}">
+                      <a16:colId xmlns:a16="http://schemas.microsoft.com/office/drawing/2014/main" val="2091333891"/>
+                    </a:ext>
+                  </a:extLst>
+                </a:gridCol>
+                <a:gridCol w="702640">
+                  <a:extLst>
+                    <a:ext uri="{9D8B030D-6E8A-4147-A177-3AD203B41FA5}">
+                      <a16:colId xmlns:a16="http://schemas.microsoft.com/office/drawing/2014/main" val="1532233337"/>
+                    </a:ext>
+                  </a:extLst>
+                </a:gridCol>
+              </a:tblGrid>
+              <a:tr h="370840">
+                <a:tc>
+                  <a:txBody>
+                    <a:bodyPr/>
+                    <a:lstStyle/>
+                    <a:p>
+                      <a:pPr algn="ctr"/>
+                      <a:r>
+                        <a:rPr lang="de-CH" dirty="0"/>
+                        <a:t>A</a:t>
+                      </a:r>
+                    </a:p>
+                  </a:txBody>
+                  <a:tcPr/>
+                </a:tc>
+                <a:tc>
+                  <a:txBody>
+                    <a:bodyPr/>
+                    <a:lstStyle/>
+                    <a:p>
+                      <a:pPr algn="ctr"/>
+                      <a:r>
+                        <a:rPr lang="de-CH" dirty="0"/>
+                        <a:t>B</a:t>
+                      </a:r>
+                    </a:p>
+                  </a:txBody>
+                  <a:tcPr/>
+                </a:tc>
+                <a:tc>
+                  <a:txBody>
+                    <a:bodyPr/>
+                    <a:lstStyle/>
+                    <a:p>
+                      <a:pPr algn="ctr"/>
+                      <a:r>
+                        <a:rPr lang="de-CH" dirty="0"/>
+                        <a:t>X</a:t>
+                      </a:r>
+                    </a:p>
+                  </a:txBody>
+                  <a:tcPr/>
+                </a:tc>
+                <a:extLst>
+                  <a:ext uri="{0D108BD9-81ED-4DB2-BD59-A6C34878D82A}">
+                    <a16:rowId xmlns:a16="http://schemas.microsoft.com/office/drawing/2014/main" val="3102546685"/>
+                  </a:ext>
+                </a:extLst>
+              </a:tr>
+              <a:tr h="370840">
+                <a:tc>
+                  <a:txBody>
+                    <a:bodyPr/>
+                    <a:lstStyle/>
+                    <a:p>
+                      <a:pPr algn="ctr"/>
+                      <a:r>
+                        <a:rPr lang="de-CH" dirty="0"/>
+                        <a:t>0</a:t>
+                      </a:r>
+                    </a:p>
+                  </a:txBody>
+                  <a:tcPr/>
+                </a:tc>
+                <a:tc>
+                  <a:txBody>
+                    <a:bodyPr/>
+                    <a:lstStyle/>
+                    <a:p>
+                      <a:pPr algn="ctr"/>
+                      <a:r>
+                        <a:rPr lang="de-CH" dirty="0"/>
+                        <a:t>0</a:t>
+                      </a:r>
+                    </a:p>
+                  </a:txBody>
+                  <a:tcPr/>
+                </a:tc>
+                <a:tc>
+                  <a:txBody>
+                    <a:bodyPr/>
+                    <a:lstStyle/>
+                    <a:p>
+                      <a:pPr marL="0" algn="ctr" defTabSz="914400" rtl="0" eaLnBrk="1" latinLnBrk="0" hangingPunct="1"/>
+                      <a:r>
+                        <a:rPr lang="de-CH" sz="1800" b="1" kern="1200" dirty="0">
+                          <a:solidFill>
+                            <a:schemeClr val="dk1"/>
+                          </a:solidFill>
+                          <a:latin typeface="+mn-lt"/>
+                          <a:ea typeface="+mn-ea"/>
+                          <a:cs typeface="+mn-cs"/>
+                        </a:rPr>
+                        <a:t>1</a:t>
+                      </a:r>
+                    </a:p>
+                  </a:txBody>
+                  <a:tcPr/>
+                </a:tc>
+                <a:extLst>
+                  <a:ext uri="{0D108BD9-81ED-4DB2-BD59-A6C34878D82A}">
+                    <a16:rowId xmlns:a16="http://schemas.microsoft.com/office/drawing/2014/main" val="2537323295"/>
+                  </a:ext>
+                </a:extLst>
+              </a:tr>
+              <a:tr h="370840">
+                <a:tc>
+                  <a:txBody>
+                    <a:bodyPr/>
+                    <a:lstStyle/>
+                    <a:p>
+                      <a:pPr algn="ctr"/>
+                      <a:r>
+                        <a:rPr lang="de-CH" dirty="0"/>
+                        <a:t>0</a:t>
+                      </a:r>
+                    </a:p>
+                  </a:txBody>
+                  <a:tcPr/>
+                </a:tc>
+                <a:tc>
+                  <a:txBody>
+                    <a:bodyPr/>
+                    <a:lstStyle/>
+                    <a:p>
+                      <a:pPr algn="ctr"/>
+                      <a:r>
+                        <a:rPr lang="de-CH" dirty="0"/>
+                        <a:t>1</a:t>
+                      </a:r>
+                    </a:p>
+                  </a:txBody>
+                  <a:tcPr/>
+                </a:tc>
+                <a:tc>
+                  <a:txBody>
+                    <a:bodyPr/>
+                    <a:lstStyle/>
+                    <a:p>
+                      <a:pPr marL="0" algn="ctr" defTabSz="914400" rtl="0" eaLnBrk="1" latinLnBrk="0" hangingPunct="1"/>
+                      <a:r>
+                        <a:rPr lang="de-CH" sz="1800" b="1" kern="1200" dirty="0">
+                          <a:solidFill>
+                            <a:schemeClr val="dk1"/>
+                          </a:solidFill>
+                          <a:latin typeface="+mn-lt"/>
+                          <a:ea typeface="+mn-ea"/>
+                          <a:cs typeface="+mn-cs"/>
+                        </a:rPr>
+                        <a:t>1</a:t>
+                      </a:r>
+                    </a:p>
+                  </a:txBody>
+                  <a:tcPr/>
+                </a:tc>
+                <a:extLst>
+                  <a:ext uri="{0D108BD9-81ED-4DB2-BD59-A6C34878D82A}">
+                    <a16:rowId xmlns:a16="http://schemas.microsoft.com/office/drawing/2014/main" val="2098168674"/>
+                  </a:ext>
+                </a:extLst>
+              </a:tr>
+              <a:tr h="370840">
+                <a:tc>
+                  <a:txBody>
+                    <a:bodyPr/>
+                    <a:lstStyle/>
+                    <a:p>
+                      <a:pPr algn="ctr"/>
+                      <a:r>
+                        <a:rPr lang="de-CH" dirty="0"/>
+                        <a:t>1</a:t>
+                      </a:r>
+                    </a:p>
+                  </a:txBody>
+                  <a:tcPr/>
+                </a:tc>
+                <a:tc>
+                  <a:txBody>
+                    <a:bodyPr/>
+                    <a:lstStyle/>
+                    <a:p>
+                      <a:pPr algn="ctr"/>
+                      <a:r>
+                        <a:rPr lang="de-CH" dirty="0"/>
+                        <a:t>0</a:t>
+                      </a:r>
+                    </a:p>
+                  </a:txBody>
+                  <a:tcPr/>
+                </a:tc>
+                <a:tc>
+                  <a:txBody>
+                    <a:bodyPr/>
+                    <a:lstStyle/>
+                    <a:p>
+                      <a:pPr marL="0" algn="ctr" defTabSz="914400" rtl="0" eaLnBrk="1" latinLnBrk="0" hangingPunct="1"/>
+                      <a:r>
+                        <a:rPr lang="de-CH" sz="1800" b="1" kern="1200" dirty="0">
+                          <a:solidFill>
+                            <a:schemeClr val="dk1"/>
+                          </a:solidFill>
+                          <a:latin typeface="+mn-lt"/>
+                          <a:ea typeface="+mn-ea"/>
+                          <a:cs typeface="+mn-cs"/>
+                        </a:rPr>
+                        <a:t>1</a:t>
+                      </a:r>
+                    </a:p>
+                  </a:txBody>
+                  <a:tcPr/>
+                </a:tc>
+                <a:extLst>
+                  <a:ext uri="{0D108BD9-81ED-4DB2-BD59-A6C34878D82A}">
+                    <a16:rowId xmlns:a16="http://schemas.microsoft.com/office/drawing/2014/main" val="2474362546"/>
+                  </a:ext>
+                </a:extLst>
+              </a:tr>
+              <a:tr h="370840">
+                <a:tc>
+                  <a:txBody>
+                    <a:bodyPr/>
+                    <a:lstStyle/>
+                    <a:p>
+                      <a:pPr algn="ctr"/>
+                      <a:r>
+                        <a:rPr lang="de-CH" dirty="0"/>
+                        <a:t>1</a:t>
+                      </a:r>
+                    </a:p>
+                  </a:txBody>
+                  <a:tcPr/>
+                </a:tc>
+                <a:tc>
+                  <a:txBody>
+                    <a:bodyPr/>
+                    <a:lstStyle/>
+                    <a:p>
+                      <a:pPr algn="ctr"/>
+                      <a:r>
+                        <a:rPr lang="de-CH" dirty="0"/>
+                        <a:t>1</a:t>
+                      </a:r>
+                    </a:p>
+                  </a:txBody>
+                  <a:tcPr/>
+                </a:tc>
+                <a:tc>
+                  <a:txBody>
+                    <a:bodyPr/>
+                    <a:lstStyle/>
+                    <a:p>
+                      <a:pPr marL="0" algn="ctr" defTabSz="914400" rtl="0" eaLnBrk="1" latinLnBrk="0" hangingPunct="1"/>
+                      <a:r>
+                        <a:rPr lang="de-CH" sz="1800" b="1" kern="1200" dirty="0">
+                          <a:solidFill>
+                            <a:schemeClr val="dk1"/>
+                          </a:solidFill>
+                          <a:latin typeface="+mn-lt"/>
+                          <a:ea typeface="+mn-ea"/>
+                          <a:cs typeface="+mn-cs"/>
+                        </a:rPr>
+                        <a:t>1</a:t>
+                      </a:r>
+                    </a:p>
+                  </a:txBody>
+                  <a:tcPr/>
+                </a:tc>
+                <a:extLst>
+                  <a:ext uri="{0D108BD9-81ED-4DB2-BD59-A6C34878D82A}">
+                    <a16:rowId xmlns:a16="http://schemas.microsoft.com/office/drawing/2014/main" val="3492551129"/>
+                  </a:ext>
+                </a:extLst>
+              </a:tr>
+            </a:tbl>
+          </a:graphicData>
+        </a:graphic>
+      </p:graphicFrame>
+    </p:spTree>
+    <p:extLst>
+      <p:ext uri="{BB962C8B-B14F-4D97-AF65-F5344CB8AC3E}">
+        <p14:creationId xmlns:p14="http://schemas.microsoft.com/office/powerpoint/2010/main" val="3263952702"/>
+      </p:ext>
+    </p:extLst>
+  </p:cSld>
+  <p:clrMapOvr>
+    <a:masterClrMapping/>
+  </p:clrMapOvr>
+  <p:timing>
+    <p:tnLst>
+      <p:par>
+        <p:cTn id="1" dur="indefinite" restart="never" nodeType="tmRoot">
+          <p:childTnLst>
+            <p:seq concurrent="1" nextAc="seek">
+              <p:cTn id="2" dur="indefinite" nodeType="mainSeq">
+                <p:childTnLst>
+                  <p:par>
+                    <p:cTn id="3" fill="hold">
+                      <p:stCondLst>
+                        <p:cond delay="indefinite"/>
+                      </p:stCondLst>
+                      <p:childTnLst>
+                        <p:par>
+                          <p:cTn id="4" fill="hold">
+                            <p:stCondLst>
+                              <p:cond delay="0"/>
+                            </p:stCondLst>
+                            <p:childTnLst>
+                              <p:par>
+                                <p:cTn id="5" presetID="1" presetClass="entr" presetSubtype="0" fill="hold" nodeType="clickEffect">
+                                  <p:stCondLst>
+                                    <p:cond delay="0"/>
+                                  </p:stCondLst>
+                                  <p:childTnLst>
+                                    <p:set>
+                                      <p:cBhvr>
+                                        <p:cTn id="6" dur="1" fill="hold">
+                                          <p:stCondLst>
+                                            <p:cond delay="0"/>
+                                          </p:stCondLst>
+                                        </p:cTn>
+                                        <p:tgtEl>
+                                          <p:spTgt spid="5"/>
+                                        </p:tgtEl>
+                                        <p:attrNameLst>
+                                          <p:attrName>style.visibility</p:attrName>
+                                        </p:attrNameLst>
+                                      </p:cBhvr>
+                                      <p:to>
+                                        <p:strVal val="visible"/>
+                                      </p:to>
+                                    </p:set>
+                                  </p:childTnLst>
+                                </p:cTn>
+                              </p:par>
+                              <p:par>
+                                <p:cTn id="7" presetID="1" presetClass="entr" presetSubtype="0" fill="hold" nodeType="withEffect">
+                                  <p:stCondLst>
+                                    <p:cond delay="0"/>
+                                  </p:stCondLst>
+                                  <p:childTnLst>
+                                    <p:set>
+                                      <p:cBhvr>
+                                        <p:cTn id="8" dur="1" fill="hold">
+                                          <p:stCondLst>
+                                            <p:cond delay="0"/>
+                                          </p:stCondLst>
+                                        </p:cTn>
+                                        <p:tgtEl>
+                                          <p:spTgt spid="9"/>
+                                        </p:tgtEl>
+                                        <p:attrNameLst>
+                                          <p:attrName>style.visibility</p:attrName>
+                                        </p:attrNameLst>
+                                      </p:cBhvr>
+                                      <p:to>
+                                        <p:strVal val="visible"/>
+                                      </p:to>
+                                    </p:set>
+                                  </p:childTnLst>
+                                </p:cTn>
+                              </p:par>
+                            </p:childTnLst>
+                          </p:cTn>
+                        </p:par>
+                      </p:childTnLst>
+                    </p:cTn>
+                  </p:par>
+                  <p:par>
+                    <p:cTn id="9" fill="hold">
+                      <p:stCondLst>
+                        <p:cond delay="indefinite"/>
+                      </p:stCondLst>
+                      <p:childTnLst>
+                        <p:par>
+                          <p:cTn id="10" fill="hold">
+                            <p:stCondLst>
+                              <p:cond delay="0"/>
+                            </p:stCondLst>
+                            <p:childTnLst>
+                              <p:par>
+                                <p:cTn id="11" presetID="1" presetClass="entr" presetSubtype="0" fill="hold" nodeType="clickEffect">
+                                  <p:stCondLst>
+                                    <p:cond delay="0"/>
+                                  </p:stCondLst>
+                                  <p:childTnLst>
+                                    <p:set>
+                                      <p:cBhvr>
+                                        <p:cTn id="12" dur="1" fill="hold">
+                                          <p:stCondLst>
+                                            <p:cond delay="0"/>
+                                          </p:stCondLst>
+                                        </p:cTn>
+                                        <p:tgtEl>
+                                          <p:spTgt spid="6"/>
+                                        </p:tgtEl>
+                                        <p:attrNameLst>
+                                          <p:attrName>style.visibility</p:attrName>
+                                        </p:attrNameLst>
+                                      </p:cBhvr>
+                                      <p:to>
+                                        <p:strVal val="visible"/>
+                                      </p:to>
+                                    </p:set>
+                                  </p:childTnLst>
+                                </p:cTn>
+                              </p:par>
+                              <p:par>
+                                <p:cTn id="13" presetID="1" presetClass="entr" presetSubtype="0" fill="hold" nodeType="withEffect">
+                                  <p:stCondLst>
+                                    <p:cond delay="0"/>
+                                  </p:stCondLst>
+                                  <p:childTnLst>
+                                    <p:set>
+                                      <p:cBhvr>
+                                        <p:cTn id="14" dur="1" fill="hold">
+                                          <p:stCondLst>
+                                            <p:cond delay="0"/>
+                                          </p:stCondLst>
+                                        </p:cTn>
+                                        <p:tgtEl>
+                                          <p:spTgt spid="10"/>
+                                        </p:tgtEl>
+                                        <p:attrNameLst>
+                                          <p:attrName>style.visibility</p:attrName>
+                                        </p:attrNameLst>
+                                      </p:cBhvr>
+                                      <p:to>
+                                        <p:strVal val="visible"/>
+                                      </p:to>
+                                    </p:set>
+                                  </p:childTnLst>
+                                </p:cTn>
+                              </p:par>
+                            </p:childTnLst>
+                          </p:cTn>
+                        </p:par>
+                      </p:childTnLst>
+                    </p:cTn>
+                  </p:par>
+                  <p:par>
+                    <p:cTn id="15" fill="hold">
+                      <p:stCondLst>
+                        <p:cond delay="indefinite"/>
+                      </p:stCondLst>
+                      <p:childTnLst>
+                        <p:par>
+                          <p:cTn id="16" fill="hold">
+                            <p:stCondLst>
+                              <p:cond delay="0"/>
+                            </p:stCondLst>
+                            <p:childTnLst>
+                              <p:par>
+                                <p:cTn id="17" presetID="1" presetClass="entr" presetSubtype="0" fill="hold" nodeType="clickEffect">
+                                  <p:stCondLst>
+                                    <p:cond delay="0"/>
+                                  </p:stCondLst>
+                                  <p:childTnLst>
+                                    <p:set>
+                                      <p:cBhvr>
+                                        <p:cTn id="18" dur="1" fill="hold">
+                                          <p:stCondLst>
+                                            <p:cond delay="0"/>
+                                          </p:stCondLst>
+                                        </p:cTn>
+                                        <p:tgtEl>
+                                          <p:spTgt spid="7"/>
+                                        </p:tgtEl>
+                                        <p:attrNameLst>
+                                          <p:attrName>style.visibility</p:attrName>
+                                        </p:attrNameLst>
+                                      </p:cBhvr>
+                                      <p:to>
+                                        <p:strVal val="visible"/>
+                                      </p:to>
+                                    </p:set>
+                                  </p:childTnLst>
+                                </p:cTn>
+                              </p:par>
+                              <p:par>
+                                <p:cTn id="19" presetID="1" presetClass="entr" presetSubtype="0" fill="hold" nodeType="withEffect">
+                                  <p:stCondLst>
+                                    <p:cond delay="0"/>
+                                  </p:stCondLst>
+                                  <p:childTnLst>
+                                    <p:set>
+                                      <p:cBhvr>
+                                        <p:cTn id="20" dur="1" fill="hold">
+                                          <p:stCondLst>
+                                            <p:cond delay="0"/>
+                                          </p:stCondLst>
+                                        </p:cTn>
+                                        <p:tgtEl>
+                                          <p:spTgt spid="11"/>
+                                        </p:tgtEl>
+                                        <p:attrNameLst>
+                                          <p:attrName>style.visibility</p:attrName>
+                                        </p:attrNameLst>
+                                      </p:cBhvr>
+                                      <p:to>
+                                        <p:strVal val="visible"/>
+                                      </p:to>
+                                    </p:set>
+                                  </p:childTnLst>
+                                </p:cTn>
+                              </p:par>
+                            </p:childTnLst>
+                          </p:cTn>
+                        </p:par>
+                      </p:childTnLst>
+                    </p:cTn>
+                  </p:par>
+                  <p:par>
+                    <p:cTn id="21" fill="hold">
+                      <p:stCondLst>
+                        <p:cond delay="indefinite"/>
+                      </p:stCondLst>
+                      <p:childTnLst>
+                        <p:par>
+                          <p:cTn id="22" fill="hold">
+                            <p:stCondLst>
+                              <p:cond delay="0"/>
+                            </p:stCondLst>
+                            <p:childTnLst>
+                              <p:par>
+                                <p:cTn id="23" presetID="1" presetClass="entr" presetSubtype="0" fill="hold" nodeType="clickEffect">
+                                  <p:stCondLst>
+                                    <p:cond delay="0"/>
+                                  </p:stCondLst>
+                                  <p:childTnLst>
+                                    <p:set>
+                                      <p:cBhvr>
+                                        <p:cTn id="24" dur="1" fill="hold">
+                                          <p:stCondLst>
+                                            <p:cond delay="0"/>
+                                          </p:stCondLst>
+                                        </p:cTn>
+                                        <p:tgtEl>
+                                          <p:spTgt spid="8"/>
+                                        </p:tgtEl>
+                                        <p:attrNameLst>
+                                          <p:attrName>style.visibility</p:attrName>
+                                        </p:attrNameLst>
+                                      </p:cBhvr>
+                                      <p:to>
+                                        <p:strVal val="visible"/>
+                                      </p:to>
+                                    </p:set>
+                                  </p:childTnLst>
+                                </p:cTn>
+                              </p:par>
+                              <p:par>
+                                <p:cTn id="25" presetID="1" presetClass="entr" presetSubtype="0" fill="hold" nodeType="withEffect">
+                                  <p:stCondLst>
+                                    <p:cond delay="0"/>
+                                  </p:stCondLst>
+                                  <p:childTnLst>
+                                    <p:set>
+                                      <p:cBhvr>
+                                        <p:cTn id="26" dur="1" fill="hold">
+                                          <p:stCondLst>
+                                            <p:cond delay="0"/>
+                                          </p:stCondLst>
+                                        </p:cTn>
+                                        <p:tgtEl>
+                                          <p:spTgt spid="12"/>
+                                        </p:tgtEl>
+                                        <p:attrNameLst>
+                                          <p:attrName>style.visibility</p:attrName>
+                                        </p:attrNameLst>
+                                      </p:cBhvr>
+                                      <p:to>
+                                        <p:strVal val="visible"/>
+                                      </p:to>
+                                    </p:set>
+                                  </p:childTnLst>
+                                </p:cTn>
+                              </p:par>
+                            </p:childTnLst>
+                          </p:cTn>
+                        </p:par>
+                      </p:childTnLst>
+                    </p:cTn>
+                  </p:par>
+                </p:childTnLst>
+              </p:cTn>
+              <p:prevCondLst>
+                <p:cond evt="onPrev" delay="0">
+                  <p:tgtEl>
+                    <p:sldTgt/>
+                  </p:tgtEl>
+                </p:cond>
+              </p:prevCondLst>
+              <p:nextCondLst>
+                <p:cond evt="onNext" delay="0">
+                  <p:tgtEl>
+                    <p:sldTgt/>
+                  </p:tgtEl>
+                </p:cond>
+              </p:nextCondLst>
+            </p:seq>
+          </p:childTnLst>
+        </p:cTn>
+      </p:par>
+    </p:tnLst>
+  </p:timing>
+</p:sld>
+</file>
+
+<file path=ppt/slides/slide5.xml><?xml version="1.0" encoding="utf-8"?>
+<p:sld xmlns:a="http://schemas.openxmlformats.org/drawingml/2006/main" xmlns:r="http://schemas.openxmlformats.org/officeDocument/2006/relationships" xmlns:p="http://schemas.openxmlformats.org/presentationml/2006/main">
+  <p:cSld>
+    <p:spTree>
+      <p:nvGrpSpPr>
+        <p:cNvPr id="1" name=""/>
+        <p:cNvGrpSpPr/>
+        <p:nvPr/>
+      </p:nvGrpSpPr>
+      <p:grpSpPr>
+        <a:xfrm>
+          <a:off x="0" y="0"/>
+          <a:ext cx="0" cy="0"/>
+          <a:chOff x="0" y="0"/>
+          <a:chExt cx="0" cy="0"/>
+        </a:xfrm>
+      </p:grpSpPr>
       <p:sp>
         <p:nvSpPr>
           <p:cNvPr id="4" name="Titel 3">
@@ -2233,13 +8137,7 @@
           <p:cNvGraphicFramePr>
             <a:graphicFrameLocks noGrp="1"/>
           </p:cNvGraphicFramePr>
-          <p:nvPr>
-            <p:extLst>
-              <p:ext uri="{D42A27DB-BD31-4B8C-83A1-F6EECF244321}">
-                <p14:modId xmlns:p14="http://schemas.microsoft.com/office/powerpoint/2010/main" val="875476167"/>
-              </p:ext>
-            </p:extLst>
-          </p:nvPr>
+          <p:nvPr/>
         </p:nvGraphicFramePr>
         <p:xfrm>
           <a:off x="956828" y="1680595"/>
@@ -2535,13 +8433,7 @@
           <p:cNvGraphicFramePr>
             <a:graphicFrameLocks noGrp="1"/>
           </p:cNvGraphicFramePr>
-          <p:nvPr>
-            <p:extLst>
-              <p:ext uri="{D42A27DB-BD31-4B8C-83A1-F6EECF244321}">
-                <p14:modId xmlns:p14="http://schemas.microsoft.com/office/powerpoint/2010/main" val="3463072762"/>
-              </p:ext>
-            </p:extLst>
-          </p:nvPr>
+          <p:nvPr/>
         </p:nvGraphicFramePr>
         <p:xfrm>
           <a:off x="3719845" y="1694830"/>
@@ -2865,13 +8757,7 @@
           <p:cNvGraphicFramePr>
             <a:graphicFrameLocks noGrp="1"/>
           </p:cNvGraphicFramePr>
-          <p:nvPr>
-            <p:extLst>
-              <p:ext uri="{D42A27DB-BD31-4B8C-83A1-F6EECF244321}">
-                <p14:modId xmlns:p14="http://schemas.microsoft.com/office/powerpoint/2010/main" val="3825304840"/>
-              </p:ext>
-            </p:extLst>
-          </p:nvPr>
+          <p:nvPr/>
         </p:nvGraphicFramePr>
         <p:xfrm>
           <a:off x="6482862" y="1694830"/>
@@ -3195,13 +9081,7 @@
           <p:cNvGraphicFramePr>
             <a:graphicFrameLocks noGrp="1"/>
           </p:cNvGraphicFramePr>
-          <p:nvPr>
-            <p:extLst>
-              <p:ext uri="{D42A27DB-BD31-4B8C-83A1-F6EECF244321}">
-                <p14:modId xmlns:p14="http://schemas.microsoft.com/office/powerpoint/2010/main" val="2759572130"/>
-              </p:ext>
-            </p:extLst>
-          </p:nvPr>
+          <p:nvPr/>
         </p:nvGraphicFramePr>
         <p:xfrm>
           <a:off x="9245880" y="1677245"/>
@@ -3525,13 +9405,7 @@
           <p:cNvGraphicFramePr>
             <a:graphicFrameLocks noGrp="1"/>
           </p:cNvGraphicFramePr>
-          <p:nvPr>
-            <p:extLst>
-              <p:ext uri="{D42A27DB-BD31-4B8C-83A1-F6EECF244321}">
-                <p14:modId xmlns:p14="http://schemas.microsoft.com/office/powerpoint/2010/main" val="2117193221"/>
-              </p:ext>
-            </p:extLst>
-          </p:nvPr>
+          <p:nvPr/>
         </p:nvGraphicFramePr>
         <p:xfrm>
           <a:off x="956828" y="4228070"/>
@@ -3855,13 +9729,7 @@
           <p:cNvGraphicFramePr>
             <a:graphicFrameLocks noGrp="1"/>
           </p:cNvGraphicFramePr>
-          <p:nvPr>
-            <p:extLst>
-              <p:ext uri="{D42A27DB-BD31-4B8C-83A1-F6EECF244321}">
-                <p14:modId xmlns:p14="http://schemas.microsoft.com/office/powerpoint/2010/main" val="3003555975"/>
-              </p:ext>
-            </p:extLst>
-          </p:nvPr>
+          <p:nvPr/>
         </p:nvGraphicFramePr>
         <p:xfrm>
           <a:off x="3719845" y="4228070"/>
@@ -4185,13 +10053,7 @@
           <p:cNvGraphicFramePr>
             <a:graphicFrameLocks noGrp="1"/>
           </p:cNvGraphicFramePr>
-          <p:nvPr>
-            <p:extLst>
-              <p:ext uri="{D42A27DB-BD31-4B8C-83A1-F6EECF244321}">
-                <p14:modId xmlns:p14="http://schemas.microsoft.com/office/powerpoint/2010/main" val="2150940644"/>
-              </p:ext>
-            </p:extLst>
-          </p:nvPr>
+          <p:nvPr/>
         </p:nvGraphicFramePr>
         <p:xfrm>
           <a:off x="6482862" y="4228070"/>
@@ -4515,13 +10377,7 @@
           <p:cNvGraphicFramePr>
             <a:graphicFrameLocks noGrp="1"/>
           </p:cNvGraphicFramePr>
-          <p:nvPr>
-            <p:extLst>
-              <p:ext uri="{D42A27DB-BD31-4B8C-83A1-F6EECF244321}">
-                <p14:modId xmlns:p14="http://schemas.microsoft.com/office/powerpoint/2010/main" val="1017661063"/>
-              </p:ext>
-            </p:extLst>
-          </p:nvPr>
+          <p:nvPr/>
         </p:nvGraphicFramePr>
         <p:xfrm>
           <a:off x="9245880" y="4228070"/>
@@ -5124,7 +10980,7 @@
     </p:spTree>
     <p:extLst>
       <p:ext uri="{BB962C8B-B14F-4D97-AF65-F5344CB8AC3E}">
-        <p14:creationId xmlns:p14="http://schemas.microsoft.com/office/powerpoint/2010/main" val="2186279554"/>
+        <p14:creationId xmlns:p14="http://schemas.microsoft.com/office/powerpoint/2010/main" val="1331328614"/>
       </p:ext>
     </p:extLst>
   </p:cSld>
@@ -5804,7 +11660,7 @@
 </p:sld>
 </file>
 
-<file path=ppt/slides/slide4.xml><?xml version="1.0" encoding="utf-8"?>
+<file path=ppt/slides/slide6.xml><?xml version="1.0" encoding="utf-8"?>
 <p:sld xmlns:a="http://schemas.openxmlformats.org/drawingml/2006/main" xmlns:r="http://schemas.openxmlformats.org/officeDocument/2006/relationships" xmlns:p="http://schemas.openxmlformats.org/presentationml/2006/main">
   <p:cSld>
     <p:spTree>
@@ -5861,13 +11717,7 @@
           <p:cNvGraphicFramePr>
             <a:graphicFrameLocks noGrp="1"/>
           </p:cNvGraphicFramePr>
-          <p:nvPr>
-            <p:extLst>
-              <p:ext uri="{D42A27DB-BD31-4B8C-83A1-F6EECF244321}">
-                <p14:modId xmlns:p14="http://schemas.microsoft.com/office/powerpoint/2010/main" val="511314202"/>
-              </p:ext>
-            </p:extLst>
-          </p:nvPr>
+          <p:nvPr/>
         </p:nvGraphicFramePr>
         <p:xfrm>
           <a:off x="956828" y="1680595"/>
@@ -6163,13 +12013,7 @@
           <p:cNvGraphicFramePr>
             <a:graphicFrameLocks noGrp="1"/>
           </p:cNvGraphicFramePr>
-          <p:nvPr>
-            <p:extLst>
-              <p:ext uri="{D42A27DB-BD31-4B8C-83A1-F6EECF244321}">
-                <p14:modId xmlns:p14="http://schemas.microsoft.com/office/powerpoint/2010/main" val="2028948824"/>
-              </p:ext>
-            </p:extLst>
-          </p:nvPr>
+          <p:nvPr/>
         </p:nvGraphicFramePr>
         <p:xfrm>
           <a:off x="3719845" y="1694830"/>
@@ -6493,13 +12337,7 @@
           <p:cNvGraphicFramePr>
             <a:graphicFrameLocks noGrp="1"/>
           </p:cNvGraphicFramePr>
-          <p:nvPr>
-            <p:extLst>
-              <p:ext uri="{D42A27DB-BD31-4B8C-83A1-F6EECF244321}">
-                <p14:modId xmlns:p14="http://schemas.microsoft.com/office/powerpoint/2010/main" val="1071270129"/>
-              </p:ext>
-            </p:extLst>
-          </p:nvPr>
+          <p:nvPr/>
         </p:nvGraphicFramePr>
         <p:xfrm>
           <a:off x="6482862" y="1694830"/>
@@ -6823,13 +12661,7 @@
           <p:cNvGraphicFramePr>
             <a:graphicFrameLocks noGrp="1"/>
           </p:cNvGraphicFramePr>
-          <p:nvPr>
-            <p:extLst>
-              <p:ext uri="{D42A27DB-BD31-4B8C-83A1-F6EECF244321}">
-                <p14:modId xmlns:p14="http://schemas.microsoft.com/office/powerpoint/2010/main" val="3788211018"/>
-              </p:ext>
-            </p:extLst>
-          </p:nvPr>
+          <p:nvPr/>
         </p:nvGraphicFramePr>
         <p:xfrm>
           <a:off x="9245880" y="1677245"/>
@@ -7153,13 +12985,7 @@
           <p:cNvGraphicFramePr>
             <a:graphicFrameLocks noGrp="1"/>
           </p:cNvGraphicFramePr>
-          <p:nvPr>
-            <p:extLst>
-              <p:ext uri="{D42A27DB-BD31-4B8C-83A1-F6EECF244321}">
-                <p14:modId xmlns:p14="http://schemas.microsoft.com/office/powerpoint/2010/main" val="219262586"/>
-              </p:ext>
-            </p:extLst>
-          </p:nvPr>
+          <p:nvPr/>
         </p:nvGraphicFramePr>
         <p:xfrm>
           <a:off x="956828" y="4228070"/>
@@ -7483,13 +13309,7 @@
           <p:cNvGraphicFramePr>
             <a:graphicFrameLocks noGrp="1"/>
           </p:cNvGraphicFramePr>
-          <p:nvPr>
-            <p:extLst>
-              <p:ext uri="{D42A27DB-BD31-4B8C-83A1-F6EECF244321}">
-                <p14:modId xmlns:p14="http://schemas.microsoft.com/office/powerpoint/2010/main" val="662156344"/>
-              </p:ext>
-            </p:extLst>
-          </p:nvPr>
+          <p:nvPr/>
         </p:nvGraphicFramePr>
         <p:xfrm>
           <a:off x="3719845" y="4228070"/>
@@ -7813,13 +13633,7 @@
           <p:cNvGraphicFramePr>
             <a:graphicFrameLocks noGrp="1"/>
           </p:cNvGraphicFramePr>
-          <p:nvPr>
-            <p:extLst>
-              <p:ext uri="{D42A27DB-BD31-4B8C-83A1-F6EECF244321}">
-                <p14:modId xmlns:p14="http://schemas.microsoft.com/office/powerpoint/2010/main" val="2831999762"/>
-              </p:ext>
-            </p:extLst>
-          </p:nvPr>
+          <p:nvPr/>
         </p:nvGraphicFramePr>
         <p:xfrm>
           <a:off x="6482862" y="4228070"/>
@@ -8143,13 +13957,7 @@
           <p:cNvGraphicFramePr>
             <a:graphicFrameLocks noGrp="1"/>
           </p:cNvGraphicFramePr>
-          <p:nvPr>
-            <p:extLst>
-              <p:ext uri="{D42A27DB-BD31-4B8C-83A1-F6EECF244321}">
-                <p14:modId xmlns:p14="http://schemas.microsoft.com/office/powerpoint/2010/main" val="1083675098"/>
-              </p:ext>
-            </p:extLst>
-          </p:nvPr>
+          <p:nvPr/>
         </p:nvGraphicFramePr>
         <p:xfrm>
           <a:off x="9245880" y="4228070"/>
@@ -8528,7 +14336,7 @@
             <a:pPr algn="ctr"/>
             <a:r>
               <a:rPr lang="de-CH" dirty="0"/>
-              <a:t>A AND NOT B</a:t>
+              <a:t>A AND (NOT B)</a:t>
             </a:r>
           </a:p>
         </p:txBody>
@@ -8564,7 +14372,7 @@
             <a:pPr algn="ctr"/>
             <a:r>
               <a:rPr lang="de-CH" dirty="0"/>
-              <a:t>A OR NOT B</a:t>
+              <a:t>A OR (NOT B)</a:t>
             </a:r>
           </a:p>
         </p:txBody>
@@ -8600,18 +14408,14 @@
             <a:pPr algn="ctr"/>
             <a:r>
               <a:rPr lang="de-CH" dirty="0"/>
-              <a:t>A AND NOT A</a:t>
+              <a:t>A AND (NOT A)</a:t>
             </a:r>
             <a:br>
               <a:rPr lang="de-CH" dirty="0"/>
             </a:br>
             <a:r>
-              <a:rPr lang="de-CH" dirty="0" err="1"/>
-              <a:t>A</a:t>
-            </a:r>
-            <a:r>
               <a:rPr lang="de-CH" dirty="0"/>
-              <a:t> XOR A</a:t>
+              <a:t>A XOR A</a:t>
             </a:r>
           </a:p>
         </p:txBody>
@@ -8683,7 +14487,7 @@
             <a:pPr algn="ctr"/>
             <a:r>
               <a:rPr lang="de-CH" dirty="0"/>
-              <a:t>NOT A AND B</a:t>
+              <a:t>(NOT A) AND B</a:t>
             </a:r>
           </a:p>
         </p:txBody>
@@ -8719,7 +14523,7 @@
             <a:pPr algn="ctr"/>
             <a:r>
               <a:rPr lang="de-CH" dirty="0"/>
-              <a:t>NOT A OR B</a:t>
+              <a:t>(NOT A) OR B</a:t>
             </a:r>
           </a:p>
         </p:txBody>
@@ -8755,18 +14559,14 @@
             <a:pPr algn="ctr"/>
             <a:r>
               <a:rPr lang="de-CH" dirty="0"/>
-              <a:t>A OR NOT A</a:t>
+              <a:t>A OR (NOT A)</a:t>
             </a:r>
             <a:br>
               <a:rPr lang="de-CH" dirty="0"/>
             </a:br>
             <a:r>
-              <a:rPr lang="de-CH" dirty="0" err="1"/>
-              <a:t>A</a:t>
-            </a:r>
-            <a:r>
               <a:rPr lang="de-CH" dirty="0"/>
-              <a:t> XNOR A</a:t>
+              <a:t>A XNOR A</a:t>
             </a:r>
           </a:p>
         </p:txBody>
@@ -8774,7 +14574,7 @@
     </p:spTree>
     <p:extLst>
       <p:ext uri="{BB962C8B-B14F-4D97-AF65-F5344CB8AC3E}">
-        <p14:creationId xmlns:p14="http://schemas.microsoft.com/office/powerpoint/2010/main" val="901063561"/>
+        <p14:creationId xmlns:p14="http://schemas.microsoft.com/office/powerpoint/2010/main" val="251611188"/>
       </p:ext>
     </p:extLst>
   </p:cSld>
